--- a/Part 1.pptx
+++ b/Part 1.pptx
@@ -6,13 +6,12 @@
   </p:sldMasterIdLst>
   <p:sldIdLst>
     <p:sldId id="256" r:id="rId2"/>
-    <p:sldId id="257" r:id="rId3"/>
-    <p:sldId id="263" r:id="rId4"/>
+    <p:sldId id="263" r:id="rId3"/>
+    <p:sldId id="257" r:id="rId4"/>
     <p:sldId id="258" r:id="rId5"/>
-    <p:sldId id="259" r:id="rId6"/>
+    <p:sldId id="262" r:id="rId6"/>
     <p:sldId id="260" r:id="rId7"/>
     <p:sldId id="261" r:id="rId8"/>
-    <p:sldId id="262" r:id="rId9"/>
   </p:sldIdLst>
   <p:sldSz cx="12192000" cy="6858000"/>
   <p:notesSz cx="6858000" cy="9144000"/>
@@ -3073,753 +3072,6 @@
   <dgm:styleLbl name="fgShp">
     <dgm:fillClrLst meth="repeat">
       <a:schemeClr val="accent5">
-        <a:tint val="60000"/>
-      </a:schemeClr>
-    </dgm:fillClrLst>
-    <dgm:linClrLst meth="repeat">
-      <a:schemeClr val="lt1"/>
-    </dgm:linClrLst>
-    <dgm:effectClrLst/>
-    <dgm:txLinClrLst/>
-    <dgm:txFillClrLst meth="repeat">
-      <a:schemeClr val="dk1"/>
-    </dgm:txFillClrLst>
-    <dgm:txEffectClrLst/>
-  </dgm:styleLbl>
-  <dgm:styleLbl name="revTx">
-    <dgm:fillClrLst meth="repeat">
-      <a:schemeClr val="lt1">
-        <a:alpha val="0"/>
-      </a:schemeClr>
-    </dgm:fillClrLst>
-    <dgm:linClrLst meth="repeat">
-      <a:schemeClr val="dk1">
-        <a:alpha val="0"/>
-      </a:schemeClr>
-    </dgm:linClrLst>
-    <dgm:effectClrLst/>
-    <dgm:txLinClrLst/>
-    <dgm:txFillClrLst meth="repeat">
-      <a:schemeClr val="tx1"/>
-    </dgm:txFillClrLst>
-    <dgm:txEffectClrLst/>
-  </dgm:styleLbl>
-</dgm:colorsDef>
-</file>
-
-<file path=ppt/diagrams/colors5.xml><?xml version="1.0" encoding="utf-8"?>
-<dgm:colorsDef xmlns:dgm="http://schemas.openxmlformats.org/drawingml/2006/diagram" xmlns:a="http://schemas.openxmlformats.org/drawingml/2006/main" uniqueId="urn:microsoft.com/office/officeart/2005/8/colors/accent1_2">
-  <dgm:title val=""/>
-  <dgm:desc val=""/>
-  <dgm:catLst>
-    <dgm:cat type="accent1" pri="11200"/>
-  </dgm:catLst>
-  <dgm:styleLbl name="node0">
-    <dgm:fillClrLst meth="repeat">
-      <a:schemeClr val="accent1"/>
-    </dgm:fillClrLst>
-    <dgm:linClrLst meth="repeat">
-      <a:schemeClr val="lt1"/>
-    </dgm:linClrLst>
-    <dgm:effectClrLst/>
-    <dgm:txLinClrLst/>
-    <dgm:txFillClrLst/>
-    <dgm:txEffectClrLst/>
-  </dgm:styleLbl>
-  <dgm:styleLbl name="alignNode1">
-    <dgm:fillClrLst meth="repeat">
-      <a:schemeClr val="accent1"/>
-    </dgm:fillClrLst>
-    <dgm:linClrLst meth="repeat">
-      <a:schemeClr val="accent1"/>
-    </dgm:linClrLst>
-    <dgm:effectClrLst/>
-    <dgm:txLinClrLst/>
-    <dgm:txFillClrLst/>
-    <dgm:txEffectClrLst/>
-  </dgm:styleLbl>
-  <dgm:styleLbl name="node1">
-    <dgm:fillClrLst meth="repeat">
-      <a:schemeClr val="accent1"/>
-    </dgm:fillClrLst>
-    <dgm:linClrLst meth="repeat">
-      <a:schemeClr val="lt1"/>
-    </dgm:linClrLst>
-    <dgm:effectClrLst/>
-    <dgm:txLinClrLst/>
-    <dgm:txFillClrLst/>
-    <dgm:txEffectClrLst/>
-  </dgm:styleLbl>
-  <dgm:styleLbl name="lnNode1">
-    <dgm:fillClrLst meth="repeat">
-      <a:schemeClr val="accent1"/>
-    </dgm:fillClrLst>
-    <dgm:linClrLst meth="repeat">
-      <a:schemeClr val="lt1"/>
-    </dgm:linClrLst>
-    <dgm:effectClrLst/>
-    <dgm:txLinClrLst/>
-    <dgm:txFillClrLst/>
-    <dgm:txEffectClrLst/>
-  </dgm:styleLbl>
-  <dgm:styleLbl name="vennNode1">
-    <dgm:fillClrLst meth="repeat">
-      <a:schemeClr val="accent1">
-        <a:alpha val="50000"/>
-      </a:schemeClr>
-    </dgm:fillClrLst>
-    <dgm:linClrLst meth="repeat">
-      <a:schemeClr val="lt1"/>
-    </dgm:linClrLst>
-    <dgm:effectClrLst/>
-    <dgm:txLinClrLst/>
-    <dgm:txFillClrLst/>
-    <dgm:txEffectClrLst/>
-  </dgm:styleLbl>
-  <dgm:styleLbl name="node2">
-    <dgm:fillClrLst meth="repeat">
-      <a:schemeClr val="accent1"/>
-    </dgm:fillClrLst>
-    <dgm:linClrLst meth="repeat">
-      <a:schemeClr val="lt1"/>
-    </dgm:linClrLst>
-    <dgm:effectClrLst/>
-    <dgm:txLinClrLst/>
-    <dgm:txFillClrLst/>
-    <dgm:txEffectClrLst/>
-  </dgm:styleLbl>
-  <dgm:styleLbl name="node3">
-    <dgm:fillClrLst meth="repeat">
-      <a:schemeClr val="accent1"/>
-    </dgm:fillClrLst>
-    <dgm:linClrLst meth="repeat">
-      <a:schemeClr val="lt1"/>
-    </dgm:linClrLst>
-    <dgm:effectClrLst/>
-    <dgm:txLinClrLst/>
-    <dgm:txFillClrLst/>
-    <dgm:txEffectClrLst/>
-  </dgm:styleLbl>
-  <dgm:styleLbl name="node4">
-    <dgm:fillClrLst meth="repeat">
-      <a:schemeClr val="accent1"/>
-    </dgm:fillClrLst>
-    <dgm:linClrLst meth="repeat">
-      <a:schemeClr val="lt1"/>
-    </dgm:linClrLst>
-    <dgm:effectClrLst/>
-    <dgm:txLinClrLst/>
-    <dgm:txFillClrLst/>
-    <dgm:txEffectClrLst/>
-  </dgm:styleLbl>
-  <dgm:styleLbl name="fgImgPlace1">
-    <dgm:fillClrLst meth="repeat">
-      <a:schemeClr val="accent1">
-        <a:tint val="50000"/>
-      </a:schemeClr>
-    </dgm:fillClrLst>
-    <dgm:linClrLst meth="repeat">
-      <a:schemeClr val="lt1"/>
-    </dgm:linClrLst>
-    <dgm:effectClrLst/>
-    <dgm:txLinClrLst/>
-    <dgm:txFillClrLst meth="repeat">
-      <a:schemeClr val="lt1"/>
-    </dgm:txFillClrLst>
-    <dgm:txEffectClrLst/>
-  </dgm:styleLbl>
-  <dgm:styleLbl name="alignImgPlace1">
-    <dgm:fillClrLst meth="repeat">
-      <a:schemeClr val="accent1">
-        <a:tint val="50000"/>
-      </a:schemeClr>
-    </dgm:fillClrLst>
-    <dgm:linClrLst meth="repeat">
-      <a:schemeClr val="lt1"/>
-    </dgm:linClrLst>
-    <dgm:effectClrLst/>
-    <dgm:txLinClrLst/>
-    <dgm:txFillClrLst meth="repeat">
-      <a:schemeClr val="lt1"/>
-    </dgm:txFillClrLst>
-    <dgm:txEffectClrLst/>
-  </dgm:styleLbl>
-  <dgm:styleLbl name="bgImgPlace1">
-    <dgm:fillClrLst meth="repeat">
-      <a:schemeClr val="accent1">
-        <a:tint val="50000"/>
-      </a:schemeClr>
-    </dgm:fillClrLst>
-    <dgm:linClrLst meth="repeat">
-      <a:schemeClr val="lt1"/>
-    </dgm:linClrLst>
-    <dgm:effectClrLst/>
-    <dgm:txLinClrLst/>
-    <dgm:txFillClrLst meth="repeat">
-      <a:schemeClr val="lt1"/>
-    </dgm:txFillClrLst>
-    <dgm:txEffectClrLst/>
-  </dgm:styleLbl>
-  <dgm:styleLbl name="sibTrans2D1">
-    <dgm:fillClrLst meth="repeat">
-      <a:schemeClr val="accent1">
-        <a:tint val="60000"/>
-      </a:schemeClr>
-    </dgm:fillClrLst>
-    <dgm:linClrLst meth="repeat">
-      <a:schemeClr val="accent1">
-        <a:tint val="60000"/>
-      </a:schemeClr>
-    </dgm:linClrLst>
-    <dgm:effectClrLst/>
-    <dgm:txLinClrLst/>
-    <dgm:txFillClrLst/>
-    <dgm:txEffectClrLst/>
-  </dgm:styleLbl>
-  <dgm:styleLbl name="fgSibTrans2D1">
-    <dgm:fillClrLst meth="repeat">
-      <a:schemeClr val="accent1">
-        <a:tint val="60000"/>
-      </a:schemeClr>
-    </dgm:fillClrLst>
-    <dgm:linClrLst meth="repeat">
-      <a:schemeClr val="accent1">
-        <a:tint val="60000"/>
-      </a:schemeClr>
-    </dgm:linClrLst>
-    <dgm:effectClrLst/>
-    <dgm:txLinClrLst/>
-    <dgm:txFillClrLst/>
-    <dgm:txEffectClrLst/>
-  </dgm:styleLbl>
-  <dgm:styleLbl name="bgSibTrans2D1">
-    <dgm:fillClrLst meth="repeat">
-      <a:schemeClr val="accent1">
-        <a:tint val="60000"/>
-      </a:schemeClr>
-    </dgm:fillClrLst>
-    <dgm:linClrLst meth="repeat">
-      <a:schemeClr val="accent1">
-        <a:tint val="60000"/>
-      </a:schemeClr>
-    </dgm:linClrLst>
-    <dgm:effectClrLst/>
-    <dgm:txLinClrLst/>
-    <dgm:txFillClrLst/>
-    <dgm:txEffectClrLst/>
-  </dgm:styleLbl>
-  <dgm:styleLbl name="sibTrans1D1">
-    <dgm:fillClrLst meth="repeat">
-      <a:schemeClr val="accent1"/>
-    </dgm:fillClrLst>
-    <dgm:linClrLst meth="repeat">
-      <a:schemeClr val="accent1"/>
-    </dgm:linClrLst>
-    <dgm:effectClrLst/>
-    <dgm:txLinClrLst/>
-    <dgm:txFillClrLst meth="repeat">
-      <a:schemeClr val="tx1"/>
-    </dgm:txFillClrLst>
-    <dgm:txEffectClrLst/>
-  </dgm:styleLbl>
-  <dgm:styleLbl name="callout">
-    <dgm:fillClrLst meth="repeat">
-      <a:schemeClr val="accent1"/>
-    </dgm:fillClrLst>
-    <dgm:linClrLst meth="repeat">
-      <a:schemeClr val="accent1">
-        <a:tint val="50000"/>
-      </a:schemeClr>
-    </dgm:linClrLst>
-    <dgm:effectClrLst/>
-    <dgm:txLinClrLst/>
-    <dgm:txFillClrLst meth="repeat">
-      <a:schemeClr val="tx1"/>
-    </dgm:txFillClrLst>
-    <dgm:txEffectClrLst/>
-  </dgm:styleLbl>
-  <dgm:styleLbl name="asst0">
-    <dgm:fillClrLst meth="repeat">
-      <a:schemeClr val="accent1"/>
-    </dgm:fillClrLst>
-    <dgm:linClrLst meth="repeat">
-      <a:schemeClr val="lt1"/>
-    </dgm:linClrLst>
-    <dgm:effectClrLst/>
-    <dgm:txLinClrLst/>
-    <dgm:txFillClrLst/>
-    <dgm:txEffectClrLst/>
-  </dgm:styleLbl>
-  <dgm:styleLbl name="asst1">
-    <dgm:fillClrLst meth="repeat">
-      <a:schemeClr val="accent1"/>
-    </dgm:fillClrLst>
-    <dgm:linClrLst meth="repeat">
-      <a:schemeClr val="lt1"/>
-    </dgm:linClrLst>
-    <dgm:effectClrLst/>
-    <dgm:txLinClrLst/>
-    <dgm:txFillClrLst/>
-    <dgm:txEffectClrLst/>
-  </dgm:styleLbl>
-  <dgm:styleLbl name="asst2">
-    <dgm:fillClrLst meth="repeat">
-      <a:schemeClr val="accent1"/>
-    </dgm:fillClrLst>
-    <dgm:linClrLst meth="repeat">
-      <a:schemeClr val="lt1"/>
-    </dgm:linClrLst>
-    <dgm:effectClrLst/>
-    <dgm:txLinClrLst/>
-    <dgm:txFillClrLst/>
-    <dgm:txEffectClrLst/>
-  </dgm:styleLbl>
-  <dgm:styleLbl name="asst3">
-    <dgm:fillClrLst meth="repeat">
-      <a:schemeClr val="accent1"/>
-    </dgm:fillClrLst>
-    <dgm:linClrLst meth="repeat">
-      <a:schemeClr val="lt1"/>
-    </dgm:linClrLst>
-    <dgm:effectClrLst/>
-    <dgm:txLinClrLst/>
-    <dgm:txFillClrLst/>
-    <dgm:txEffectClrLst/>
-  </dgm:styleLbl>
-  <dgm:styleLbl name="asst4">
-    <dgm:fillClrLst meth="repeat">
-      <a:schemeClr val="accent1"/>
-    </dgm:fillClrLst>
-    <dgm:linClrLst meth="repeat">
-      <a:schemeClr val="lt1"/>
-    </dgm:linClrLst>
-    <dgm:effectClrLst/>
-    <dgm:txLinClrLst/>
-    <dgm:txFillClrLst/>
-    <dgm:txEffectClrLst/>
-  </dgm:styleLbl>
-  <dgm:styleLbl name="parChTrans2D1">
-    <dgm:fillClrLst meth="repeat">
-      <a:schemeClr val="accent1">
-        <a:tint val="60000"/>
-      </a:schemeClr>
-    </dgm:fillClrLst>
-    <dgm:linClrLst meth="repeat">
-      <a:schemeClr val="accent1">
-        <a:tint val="60000"/>
-      </a:schemeClr>
-    </dgm:linClrLst>
-    <dgm:effectClrLst/>
-    <dgm:txLinClrLst/>
-    <dgm:txFillClrLst meth="repeat">
-      <a:schemeClr val="lt1"/>
-    </dgm:txFillClrLst>
-    <dgm:txEffectClrLst/>
-  </dgm:styleLbl>
-  <dgm:styleLbl name="parChTrans2D2">
-    <dgm:fillClrLst meth="repeat">
-      <a:schemeClr val="accent1"/>
-    </dgm:fillClrLst>
-    <dgm:linClrLst meth="repeat">
-      <a:schemeClr val="accent1"/>
-    </dgm:linClrLst>
-    <dgm:effectClrLst/>
-    <dgm:txLinClrLst/>
-    <dgm:txFillClrLst meth="repeat">
-      <a:schemeClr val="lt1"/>
-    </dgm:txFillClrLst>
-    <dgm:txEffectClrLst/>
-  </dgm:styleLbl>
-  <dgm:styleLbl name="parChTrans2D3">
-    <dgm:fillClrLst meth="repeat">
-      <a:schemeClr val="accent1"/>
-    </dgm:fillClrLst>
-    <dgm:linClrLst meth="repeat">
-      <a:schemeClr val="accent1"/>
-    </dgm:linClrLst>
-    <dgm:effectClrLst/>
-    <dgm:txLinClrLst/>
-    <dgm:txFillClrLst meth="repeat">
-      <a:schemeClr val="lt1"/>
-    </dgm:txFillClrLst>
-    <dgm:txEffectClrLst/>
-  </dgm:styleLbl>
-  <dgm:styleLbl name="parChTrans2D4">
-    <dgm:fillClrLst meth="repeat">
-      <a:schemeClr val="accent1"/>
-    </dgm:fillClrLst>
-    <dgm:linClrLst meth="repeat">
-      <a:schemeClr val="accent1"/>
-    </dgm:linClrLst>
-    <dgm:effectClrLst/>
-    <dgm:txLinClrLst/>
-    <dgm:txFillClrLst meth="repeat">
-      <a:schemeClr val="lt1"/>
-    </dgm:txFillClrLst>
-    <dgm:txEffectClrLst/>
-  </dgm:styleLbl>
-  <dgm:styleLbl name="parChTrans1D1">
-    <dgm:fillClrLst meth="repeat">
-      <a:schemeClr val="accent1"/>
-    </dgm:fillClrLst>
-    <dgm:linClrLst meth="repeat">
-      <a:schemeClr val="accent1">
-        <a:shade val="60000"/>
-      </a:schemeClr>
-    </dgm:linClrLst>
-    <dgm:effectClrLst/>
-    <dgm:txLinClrLst/>
-    <dgm:txFillClrLst meth="repeat">
-      <a:schemeClr val="tx1"/>
-    </dgm:txFillClrLst>
-    <dgm:txEffectClrLst/>
-  </dgm:styleLbl>
-  <dgm:styleLbl name="parChTrans1D2">
-    <dgm:fillClrLst meth="repeat">
-      <a:schemeClr val="accent1"/>
-    </dgm:fillClrLst>
-    <dgm:linClrLst meth="repeat">
-      <a:schemeClr val="accent1">
-        <a:shade val="60000"/>
-      </a:schemeClr>
-    </dgm:linClrLst>
-    <dgm:effectClrLst/>
-    <dgm:txLinClrLst/>
-    <dgm:txFillClrLst meth="repeat">
-      <a:schemeClr val="tx1"/>
-    </dgm:txFillClrLst>
-    <dgm:txEffectClrLst/>
-  </dgm:styleLbl>
-  <dgm:styleLbl name="parChTrans1D3">
-    <dgm:fillClrLst meth="repeat">
-      <a:schemeClr val="accent1"/>
-    </dgm:fillClrLst>
-    <dgm:linClrLst meth="repeat">
-      <a:schemeClr val="accent1">
-        <a:shade val="80000"/>
-      </a:schemeClr>
-    </dgm:linClrLst>
-    <dgm:effectClrLst/>
-    <dgm:txLinClrLst/>
-    <dgm:txFillClrLst meth="repeat">
-      <a:schemeClr val="tx1"/>
-    </dgm:txFillClrLst>
-    <dgm:txEffectClrLst/>
-  </dgm:styleLbl>
-  <dgm:styleLbl name="parChTrans1D4">
-    <dgm:fillClrLst meth="repeat">
-      <a:schemeClr val="accent1"/>
-    </dgm:fillClrLst>
-    <dgm:linClrLst meth="repeat">
-      <a:schemeClr val="accent1">
-        <a:shade val="80000"/>
-      </a:schemeClr>
-    </dgm:linClrLst>
-    <dgm:effectClrLst/>
-    <dgm:txLinClrLst/>
-    <dgm:txFillClrLst meth="repeat">
-      <a:schemeClr val="tx1"/>
-    </dgm:txFillClrLst>
-    <dgm:txEffectClrLst/>
-  </dgm:styleLbl>
-  <dgm:styleLbl name="fgAcc1">
-    <dgm:fillClrLst meth="repeat">
-      <a:schemeClr val="lt1">
-        <a:alpha val="90000"/>
-      </a:schemeClr>
-    </dgm:fillClrLst>
-    <dgm:linClrLst meth="repeat">
-      <a:schemeClr val="accent1"/>
-    </dgm:linClrLst>
-    <dgm:effectClrLst/>
-    <dgm:txLinClrLst/>
-    <dgm:txFillClrLst meth="repeat">
-      <a:schemeClr val="dk1"/>
-    </dgm:txFillClrLst>
-    <dgm:txEffectClrLst/>
-  </dgm:styleLbl>
-  <dgm:styleLbl name="conFgAcc1">
-    <dgm:fillClrLst meth="repeat">
-      <a:schemeClr val="lt1">
-        <a:alpha val="90000"/>
-      </a:schemeClr>
-    </dgm:fillClrLst>
-    <dgm:linClrLst meth="repeat">
-      <a:schemeClr val="accent1"/>
-    </dgm:linClrLst>
-    <dgm:effectClrLst/>
-    <dgm:txLinClrLst/>
-    <dgm:txFillClrLst meth="repeat">
-      <a:schemeClr val="dk1"/>
-    </dgm:txFillClrLst>
-    <dgm:txEffectClrLst/>
-  </dgm:styleLbl>
-  <dgm:styleLbl name="alignAcc1">
-    <dgm:fillClrLst meth="repeat">
-      <a:schemeClr val="lt1">
-        <a:alpha val="90000"/>
-      </a:schemeClr>
-    </dgm:fillClrLst>
-    <dgm:linClrLst meth="repeat">
-      <a:schemeClr val="accent1"/>
-    </dgm:linClrLst>
-    <dgm:effectClrLst/>
-    <dgm:txLinClrLst/>
-    <dgm:txFillClrLst meth="repeat">
-      <a:schemeClr val="dk1"/>
-    </dgm:txFillClrLst>
-    <dgm:txEffectClrLst/>
-  </dgm:styleLbl>
-  <dgm:styleLbl name="trAlignAcc1">
-    <dgm:fillClrLst meth="repeat">
-      <a:schemeClr val="lt1">
-        <a:alpha val="40000"/>
-      </a:schemeClr>
-    </dgm:fillClrLst>
-    <dgm:linClrLst meth="repeat">
-      <a:schemeClr val="accent1"/>
-    </dgm:linClrLst>
-    <dgm:effectClrLst/>
-    <dgm:txLinClrLst/>
-    <dgm:txFillClrLst meth="repeat">
-      <a:schemeClr val="dk1"/>
-    </dgm:txFillClrLst>
-    <dgm:txEffectClrLst/>
-  </dgm:styleLbl>
-  <dgm:styleLbl name="bgAcc1">
-    <dgm:fillClrLst meth="repeat">
-      <a:schemeClr val="lt1">
-        <a:alpha val="90000"/>
-      </a:schemeClr>
-    </dgm:fillClrLst>
-    <dgm:linClrLst meth="repeat">
-      <a:schemeClr val="accent1"/>
-    </dgm:linClrLst>
-    <dgm:effectClrLst/>
-    <dgm:txLinClrLst/>
-    <dgm:txFillClrLst meth="repeat">
-      <a:schemeClr val="dk1"/>
-    </dgm:txFillClrLst>
-    <dgm:txEffectClrLst/>
-  </dgm:styleLbl>
-  <dgm:styleLbl name="solidFgAcc1">
-    <dgm:fillClrLst meth="repeat">
-      <a:schemeClr val="lt1"/>
-    </dgm:fillClrLst>
-    <dgm:linClrLst meth="repeat">
-      <a:schemeClr val="accent1"/>
-    </dgm:linClrLst>
-    <dgm:effectClrLst/>
-    <dgm:txLinClrLst/>
-    <dgm:txFillClrLst meth="repeat">
-      <a:schemeClr val="dk1"/>
-    </dgm:txFillClrLst>
-    <dgm:txEffectClrLst/>
-  </dgm:styleLbl>
-  <dgm:styleLbl name="solidAlignAcc1">
-    <dgm:fillClrLst meth="repeat">
-      <a:schemeClr val="lt1"/>
-    </dgm:fillClrLst>
-    <dgm:linClrLst meth="repeat">
-      <a:schemeClr val="accent1"/>
-    </dgm:linClrLst>
-    <dgm:effectClrLst/>
-    <dgm:txLinClrLst/>
-    <dgm:txFillClrLst meth="repeat">
-      <a:schemeClr val="dk1"/>
-    </dgm:txFillClrLst>
-    <dgm:txEffectClrLst/>
-  </dgm:styleLbl>
-  <dgm:styleLbl name="solidBgAcc1">
-    <dgm:fillClrLst meth="repeat">
-      <a:schemeClr val="lt1"/>
-    </dgm:fillClrLst>
-    <dgm:linClrLst meth="repeat">
-      <a:schemeClr val="accent1"/>
-    </dgm:linClrLst>
-    <dgm:effectClrLst/>
-    <dgm:txLinClrLst/>
-    <dgm:txFillClrLst meth="repeat">
-      <a:schemeClr val="dk1"/>
-    </dgm:txFillClrLst>
-    <dgm:txEffectClrLst/>
-  </dgm:styleLbl>
-  <dgm:styleLbl name="fgAccFollowNode1">
-    <dgm:fillClrLst meth="repeat">
-      <a:schemeClr val="accent1">
-        <a:alpha val="90000"/>
-        <a:tint val="40000"/>
-      </a:schemeClr>
-    </dgm:fillClrLst>
-    <dgm:linClrLst meth="repeat">
-      <a:schemeClr val="accent1">
-        <a:alpha val="90000"/>
-        <a:tint val="40000"/>
-      </a:schemeClr>
-    </dgm:linClrLst>
-    <dgm:effectClrLst/>
-    <dgm:txLinClrLst/>
-    <dgm:txFillClrLst meth="repeat">
-      <a:schemeClr val="dk1"/>
-    </dgm:txFillClrLst>
-    <dgm:txEffectClrLst/>
-  </dgm:styleLbl>
-  <dgm:styleLbl name="alignAccFollowNode1">
-    <dgm:fillClrLst meth="repeat">
-      <a:schemeClr val="accent1">
-        <a:alpha val="90000"/>
-        <a:tint val="40000"/>
-      </a:schemeClr>
-    </dgm:fillClrLst>
-    <dgm:linClrLst meth="repeat">
-      <a:schemeClr val="accent1">
-        <a:alpha val="90000"/>
-        <a:tint val="40000"/>
-      </a:schemeClr>
-    </dgm:linClrLst>
-    <dgm:effectClrLst/>
-    <dgm:txLinClrLst/>
-    <dgm:txFillClrLst meth="repeat">
-      <a:schemeClr val="dk1"/>
-    </dgm:txFillClrLst>
-    <dgm:txEffectClrLst/>
-  </dgm:styleLbl>
-  <dgm:styleLbl name="bgAccFollowNode1">
-    <dgm:fillClrLst meth="repeat">
-      <a:schemeClr val="accent1">
-        <a:alpha val="90000"/>
-        <a:tint val="40000"/>
-      </a:schemeClr>
-    </dgm:fillClrLst>
-    <dgm:linClrLst meth="repeat">
-      <a:schemeClr val="accent1">
-        <a:alpha val="90000"/>
-        <a:tint val="40000"/>
-      </a:schemeClr>
-    </dgm:linClrLst>
-    <dgm:effectClrLst/>
-    <dgm:txLinClrLst/>
-    <dgm:txFillClrLst meth="repeat">
-      <a:schemeClr val="dk1"/>
-    </dgm:txFillClrLst>
-    <dgm:txEffectClrLst/>
-  </dgm:styleLbl>
-  <dgm:styleLbl name="fgAcc0">
-    <dgm:fillClrLst meth="repeat">
-      <a:schemeClr val="lt1">
-        <a:alpha val="90000"/>
-      </a:schemeClr>
-    </dgm:fillClrLst>
-    <dgm:linClrLst meth="repeat">
-      <a:schemeClr val="accent1"/>
-    </dgm:linClrLst>
-    <dgm:effectClrLst/>
-    <dgm:txLinClrLst/>
-    <dgm:txFillClrLst meth="repeat">
-      <a:schemeClr val="dk1"/>
-    </dgm:txFillClrLst>
-    <dgm:txEffectClrLst/>
-  </dgm:styleLbl>
-  <dgm:styleLbl name="fgAcc2">
-    <dgm:fillClrLst meth="repeat">
-      <a:schemeClr val="lt1">
-        <a:alpha val="90000"/>
-      </a:schemeClr>
-    </dgm:fillClrLst>
-    <dgm:linClrLst meth="repeat">
-      <a:schemeClr val="accent1"/>
-    </dgm:linClrLst>
-    <dgm:effectClrLst/>
-    <dgm:txLinClrLst/>
-    <dgm:txFillClrLst meth="repeat">
-      <a:schemeClr val="dk1"/>
-    </dgm:txFillClrLst>
-    <dgm:txEffectClrLst/>
-  </dgm:styleLbl>
-  <dgm:styleLbl name="fgAcc3">
-    <dgm:fillClrLst meth="repeat">
-      <a:schemeClr val="lt1">
-        <a:alpha val="90000"/>
-      </a:schemeClr>
-    </dgm:fillClrLst>
-    <dgm:linClrLst meth="repeat">
-      <a:schemeClr val="accent1"/>
-    </dgm:linClrLst>
-    <dgm:effectClrLst/>
-    <dgm:txLinClrLst/>
-    <dgm:txFillClrLst meth="repeat">
-      <a:schemeClr val="dk1"/>
-    </dgm:txFillClrLst>
-    <dgm:txEffectClrLst/>
-  </dgm:styleLbl>
-  <dgm:styleLbl name="fgAcc4">
-    <dgm:fillClrLst meth="repeat">
-      <a:schemeClr val="lt1">
-        <a:alpha val="90000"/>
-      </a:schemeClr>
-    </dgm:fillClrLst>
-    <dgm:linClrLst meth="repeat">
-      <a:schemeClr val="accent1"/>
-    </dgm:linClrLst>
-    <dgm:effectClrLst/>
-    <dgm:txLinClrLst/>
-    <dgm:txFillClrLst meth="repeat">
-      <a:schemeClr val="dk1"/>
-    </dgm:txFillClrLst>
-    <dgm:txEffectClrLst/>
-  </dgm:styleLbl>
-  <dgm:styleLbl name="bgShp">
-    <dgm:fillClrLst meth="repeat">
-      <a:schemeClr val="accent1">
-        <a:tint val="40000"/>
-      </a:schemeClr>
-    </dgm:fillClrLst>
-    <dgm:linClrLst meth="repeat">
-      <a:schemeClr val="accent1"/>
-    </dgm:linClrLst>
-    <dgm:effectClrLst/>
-    <dgm:txLinClrLst/>
-    <dgm:txFillClrLst meth="repeat">
-      <a:schemeClr val="dk1"/>
-    </dgm:txFillClrLst>
-    <dgm:txEffectClrLst/>
-  </dgm:styleLbl>
-  <dgm:styleLbl name="dkBgShp">
-    <dgm:fillClrLst meth="repeat">
-      <a:schemeClr val="accent1">
-        <a:shade val="80000"/>
-      </a:schemeClr>
-    </dgm:fillClrLst>
-    <dgm:linClrLst meth="repeat">
-      <a:schemeClr val="accent1"/>
-    </dgm:linClrLst>
-    <dgm:effectClrLst/>
-    <dgm:txLinClrLst/>
-    <dgm:txFillClrLst meth="repeat">
-      <a:schemeClr val="lt1"/>
-    </dgm:txFillClrLst>
-    <dgm:txEffectClrLst/>
-  </dgm:styleLbl>
-  <dgm:styleLbl name="trBgShp">
-    <dgm:fillClrLst meth="repeat">
-      <a:schemeClr val="accent1">
-        <a:tint val="50000"/>
-        <a:alpha val="40000"/>
-      </a:schemeClr>
-    </dgm:fillClrLst>
-    <dgm:linClrLst meth="repeat">
-      <a:schemeClr val="accent1"/>
-    </dgm:linClrLst>
-    <dgm:effectClrLst/>
-    <dgm:txLinClrLst/>
-    <dgm:txFillClrLst meth="repeat">
-      <a:schemeClr val="lt1"/>
-    </dgm:txFillClrLst>
-    <dgm:txEffectClrLst/>
-  </dgm:styleLbl>
-  <dgm:styleLbl name="fgShp">
-    <dgm:fillClrLst meth="repeat">
-      <a:schemeClr val="accent1">
         <a:tint val="60000"/>
       </a:schemeClr>
     </dgm:fillClrLst>
@@ -4024,6 +3276,13 @@
         </dgm:presLayoutVars>
       </dgm:prSet>
       <dgm:spPr/>
+      <dgm:t>
+        <a:bodyPr/>
+        <a:lstStyle/>
+        <a:p>
+          <a:endParaRPr lang="ru-RU"/>
+        </a:p>
+      </dgm:t>
     </dgm:pt>
     <dgm:pt modelId="{891304EF-E141-4EF1-AFF1-7CAC2480AF02}" type="pres">
       <dgm:prSet presAssocID="{2ADD9E64-1578-46A9-8946-5EB84C76C8F9}" presName="root1" presStyleCnt="0"/>
@@ -4051,10 +3310,24 @@
     <dgm:pt modelId="{458E31DA-4711-4BCE-8B17-8F12E9BC2309}" type="pres">
       <dgm:prSet presAssocID="{886E33E1-F9ED-436B-B975-93018D7F6B95}" presName="conn2-1" presStyleLbl="parChTrans1D2" presStyleIdx="0" presStyleCnt="2"/>
       <dgm:spPr/>
+      <dgm:t>
+        <a:bodyPr/>
+        <a:lstStyle/>
+        <a:p>
+          <a:endParaRPr lang="ru-RU"/>
+        </a:p>
+      </dgm:t>
     </dgm:pt>
     <dgm:pt modelId="{3D9F2724-BF19-4AB9-9421-E413D2F8DD28}" type="pres">
       <dgm:prSet presAssocID="{886E33E1-F9ED-436B-B975-93018D7F6B95}" presName="connTx" presStyleLbl="parChTrans1D2" presStyleIdx="0" presStyleCnt="2"/>
       <dgm:spPr/>
+      <dgm:t>
+        <a:bodyPr/>
+        <a:lstStyle/>
+        <a:p>
+          <a:endParaRPr lang="ru-RU"/>
+        </a:p>
+      </dgm:t>
     </dgm:pt>
     <dgm:pt modelId="{B194F0DA-D24F-469C-ACCB-AB4894C8B2EB}" type="pres">
       <dgm:prSet presAssocID="{76915BB1-E949-4FE1-BBE6-22B03F28CDE8}" presName="root2" presStyleCnt="0"/>
@@ -4067,6 +3340,13 @@
         </dgm:presLayoutVars>
       </dgm:prSet>
       <dgm:spPr/>
+      <dgm:t>
+        <a:bodyPr/>
+        <a:lstStyle/>
+        <a:p>
+          <a:endParaRPr lang="ru-RU"/>
+        </a:p>
+      </dgm:t>
     </dgm:pt>
     <dgm:pt modelId="{9DDB2C30-C376-4CE0-A047-4CF6DDD955A1}" type="pres">
       <dgm:prSet presAssocID="{76915BB1-E949-4FE1-BBE6-22B03F28CDE8}" presName="level3hierChild" presStyleCnt="0"/>
@@ -4075,10 +3355,24 @@
     <dgm:pt modelId="{3DF318A7-A756-468F-B2C6-21F4145DA086}" type="pres">
       <dgm:prSet presAssocID="{CCC0C260-8E72-42CA-BCAA-8C2D29748DC1}" presName="conn2-1" presStyleLbl="parChTrans1D2" presStyleIdx="1" presStyleCnt="2"/>
       <dgm:spPr/>
+      <dgm:t>
+        <a:bodyPr/>
+        <a:lstStyle/>
+        <a:p>
+          <a:endParaRPr lang="ru-RU"/>
+        </a:p>
+      </dgm:t>
     </dgm:pt>
     <dgm:pt modelId="{832A66DD-2AE1-4B28-BFCE-53301E108C70}" type="pres">
       <dgm:prSet presAssocID="{CCC0C260-8E72-42CA-BCAA-8C2D29748DC1}" presName="connTx" presStyleLbl="parChTrans1D2" presStyleIdx="1" presStyleCnt="2"/>
       <dgm:spPr/>
+      <dgm:t>
+        <a:bodyPr/>
+        <a:lstStyle/>
+        <a:p>
+          <a:endParaRPr lang="ru-RU"/>
+        </a:p>
+      </dgm:t>
     </dgm:pt>
     <dgm:pt modelId="{4248B8A2-6C36-4CD3-A2B3-6607F28BBB68}" type="pres">
       <dgm:prSet presAssocID="{406B81BE-619F-44BD-B8B3-1AF300FA39CB}" presName="root2" presStyleCnt="0"/>
@@ -4091,6 +3385,13 @@
         </dgm:presLayoutVars>
       </dgm:prSet>
       <dgm:spPr/>
+      <dgm:t>
+        <a:bodyPr/>
+        <a:lstStyle/>
+        <a:p>
+          <a:endParaRPr lang="ru-RU"/>
+        </a:p>
+      </dgm:t>
     </dgm:pt>
     <dgm:pt modelId="{FA69F806-334F-42C8-9A74-DB3E75DE9584}" type="pres">
       <dgm:prSet presAssocID="{406B81BE-619F-44BD-B8B3-1AF300FA39CB}" presName="level3hierChild" presStyleCnt="0"/>
@@ -4098,16 +3399,16 @@
     </dgm:pt>
   </dgm:ptLst>
   <dgm:cxnLst>
+    <dgm:cxn modelId="{D41C251A-4140-4845-8078-E1FD71467AF1}" type="presOf" srcId="{406B81BE-619F-44BD-B8B3-1AF300FA39CB}" destId="{4CD35B31-A846-4F17-A87A-0883ED13FDE4}" srcOrd="0" destOrd="0" presId="urn:microsoft.com/office/officeart/2005/8/layout/hierarchy2"/>
+    <dgm:cxn modelId="{0A786CEF-357A-47F8-A6FA-946D3B441D73}" type="presOf" srcId="{76915BB1-E949-4FE1-BBE6-22B03F28CDE8}" destId="{1F7EE5BC-305C-4BD6-854D-43A22582F293}" srcOrd="0" destOrd="0" presId="urn:microsoft.com/office/officeart/2005/8/layout/hierarchy2"/>
+    <dgm:cxn modelId="{FC3D9767-CE30-4F1E-922A-938C297213C0}" type="presOf" srcId="{886E33E1-F9ED-436B-B975-93018D7F6B95}" destId="{3D9F2724-BF19-4AB9-9421-E413D2F8DD28}" srcOrd="1" destOrd="0" presId="urn:microsoft.com/office/officeart/2005/8/layout/hierarchy2"/>
+    <dgm:cxn modelId="{CBEBF3C3-B2CC-4C11-BD41-3AD9B670DC8B}" srcId="{08E5FBEA-42B1-4B8D-BF59-C1FBA4BE90D7}" destId="{2ADD9E64-1578-46A9-8946-5EB84C76C8F9}" srcOrd="0" destOrd="0" parTransId="{F25A0DA7-49D3-465C-A912-A7C59B019833}" sibTransId="{6897D547-C127-43F5-B855-E34C3A27B6E6}"/>
+    <dgm:cxn modelId="{654EA89B-3C8D-4155-9246-1F748C120CAE}" type="presOf" srcId="{886E33E1-F9ED-436B-B975-93018D7F6B95}" destId="{458E31DA-4711-4BCE-8B17-8F12E9BC2309}" srcOrd="0" destOrd="0" presId="urn:microsoft.com/office/officeart/2005/8/layout/hierarchy2"/>
+    <dgm:cxn modelId="{3B3C95C1-632E-4B3D-8CFC-FB99BE971673}" type="presOf" srcId="{CCC0C260-8E72-42CA-BCAA-8C2D29748DC1}" destId="{3DF318A7-A756-468F-B2C6-21F4145DA086}" srcOrd="0" destOrd="0" presId="urn:microsoft.com/office/officeart/2005/8/layout/hierarchy2"/>
     <dgm:cxn modelId="{C801C68B-D82F-4FDF-BF1A-E0BBC4341B3B}" type="presOf" srcId="{2ADD9E64-1578-46A9-8946-5EB84C76C8F9}" destId="{26F89B61-8737-44E8-8791-1AA74A5E0382}" srcOrd="0" destOrd="0" presId="urn:microsoft.com/office/officeart/2005/8/layout/hierarchy2"/>
+    <dgm:cxn modelId="{151306BB-4983-4D00-81F2-D63A51C11921}" type="presOf" srcId="{08E5FBEA-42B1-4B8D-BF59-C1FBA4BE90D7}" destId="{0D79A3B5-79D7-460F-AB9B-A358730E0723}" srcOrd="0" destOrd="0" presId="urn:microsoft.com/office/officeart/2005/8/layout/hierarchy2"/>
     <dgm:cxn modelId="{D49DF050-573A-4B84-9E98-E6B4A9DC6865}" type="presOf" srcId="{CCC0C260-8E72-42CA-BCAA-8C2D29748DC1}" destId="{832A66DD-2AE1-4B28-BFCE-53301E108C70}" srcOrd="1" destOrd="0" presId="urn:microsoft.com/office/officeart/2005/8/layout/hierarchy2"/>
     <dgm:cxn modelId="{32EEEB93-98BD-4A14-BB69-D3958D9E7E6A}" srcId="{2ADD9E64-1578-46A9-8946-5EB84C76C8F9}" destId="{406B81BE-619F-44BD-B8B3-1AF300FA39CB}" srcOrd="1" destOrd="0" parTransId="{CCC0C260-8E72-42CA-BCAA-8C2D29748DC1}" sibTransId="{D5FAEA0E-42A5-444A-AE50-72EF8CF70534}"/>
-    <dgm:cxn modelId="{FC3D9767-CE30-4F1E-922A-938C297213C0}" type="presOf" srcId="{886E33E1-F9ED-436B-B975-93018D7F6B95}" destId="{3D9F2724-BF19-4AB9-9421-E413D2F8DD28}" srcOrd="1" destOrd="0" presId="urn:microsoft.com/office/officeart/2005/8/layout/hierarchy2"/>
-    <dgm:cxn modelId="{0A786CEF-357A-47F8-A6FA-946D3B441D73}" type="presOf" srcId="{76915BB1-E949-4FE1-BBE6-22B03F28CDE8}" destId="{1F7EE5BC-305C-4BD6-854D-43A22582F293}" srcOrd="0" destOrd="0" presId="urn:microsoft.com/office/officeart/2005/8/layout/hierarchy2"/>
-    <dgm:cxn modelId="{CBEBF3C3-B2CC-4C11-BD41-3AD9B670DC8B}" srcId="{08E5FBEA-42B1-4B8D-BF59-C1FBA4BE90D7}" destId="{2ADD9E64-1578-46A9-8946-5EB84C76C8F9}" srcOrd="0" destOrd="0" parTransId="{F25A0DA7-49D3-465C-A912-A7C59B019833}" sibTransId="{6897D547-C127-43F5-B855-E34C3A27B6E6}"/>
-    <dgm:cxn modelId="{3B3C95C1-632E-4B3D-8CFC-FB99BE971673}" type="presOf" srcId="{CCC0C260-8E72-42CA-BCAA-8C2D29748DC1}" destId="{3DF318A7-A756-468F-B2C6-21F4145DA086}" srcOrd="0" destOrd="0" presId="urn:microsoft.com/office/officeart/2005/8/layout/hierarchy2"/>
-    <dgm:cxn modelId="{D41C251A-4140-4845-8078-E1FD71467AF1}" type="presOf" srcId="{406B81BE-619F-44BD-B8B3-1AF300FA39CB}" destId="{4CD35B31-A846-4F17-A87A-0883ED13FDE4}" srcOrd="0" destOrd="0" presId="urn:microsoft.com/office/officeart/2005/8/layout/hierarchy2"/>
-    <dgm:cxn modelId="{654EA89B-3C8D-4155-9246-1F748C120CAE}" type="presOf" srcId="{886E33E1-F9ED-436B-B975-93018D7F6B95}" destId="{458E31DA-4711-4BCE-8B17-8F12E9BC2309}" srcOrd="0" destOrd="0" presId="urn:microsoft.com/office/officeart/2005/8/layout/hierarchy2"/>
-    <dgm:cxn modelId="{151306BB-4983-4D00-81F2-D63A51C11921}" type="presOf" srcId="{08E5FBEA-42B1-4B8D-BF59-C1FBA4BE90D7}" destId="{0D79A3B5-79D7-460F-AB9B-A358730E0723}" srcOrd="0" destOrd="0" presId="urn:microsoft.com/office/officeart/2005/8/layout/hierarchy2"/>
     <dgm:cxn modelId="{C722B63B-21CB-463F-8FF7-E2764529C0D2}" srcId="{2ADD9E64-1578-46A9-8946-5EB84C76C8F9}" destId="{76915BB1-E949-4FE1-BBE6-22B03F28CDE8}" srcOrd="0" destOrd="0" parTransId="{886E33E1-F9ED-436B-B975-93018D7F6B95}" sibTransId="{553BFBC6-F86C-4344-997D-A2ABEE412B4C}"/>
     <dgm:cxn modelId="{CA43923C-90E1-4FCF-9632-A90C0B003A03}" type="presParOf" srcId="{0D79A3B5-79D7-460F-AB9B-A358730E0723}" destId="{891304EF-E141-4EF1-AFF1-7CAC2480AF02}" srcOrd="0" destOrd="0" presId="urn:microsoft.com/office/officeart/2005/8/layout/hierarchy2"/>
     <dgm:cxn modelId="{FA9C0391-6CD9-45A9-83CE-793914410298}" type="presParOf" srcId="{891304EF-E141-4EF1-AFF1-7CAC2480AF02}" destId="{26F89B61-8737-44E8-8791-1AA74A5E0382}" srcOrd="0" destOrd="0" presId="urn:microsoft.com/office/officeart/2005/8/layout/hierarchy2"/>
@@ -4136,18 +3437,11 @@
 <file path=ppt/diagrams/data2.xml><?xml version="1.0" encoding="utf-8"?>
 <dgm:dataModel xmlns:dgm="http://schemas.openxmlformats.org/drawingml/2006/diagram" xmlns:a="http://schemas.openxmlformats.org/drawingml/2006/main">
   <dgm:ptLst>
-    <dgm:pt modelId="{8BD524A6-4AAA-449B-B3AD-A2DFEA4B7E1F}" type="doc">
-      <dgm:prSet loTypeId="urn:microsoft.com/office/officeart/2008/layout/PictureStrips" loCatId="list" qsTypeId="urn:microsoft.com/office/officeart/2005/8/quickstyle/simple5" qsCatId="simple" csTypeId="urn:microsoft.com/office/officeart/2005/8/colors/accent1_2" csCatId="accent1" phldr="1"/>
+    <dgm:pt modelId="{3DC3F80B-18DE-4C1C-88E9-1F1A1C0C265D}" type="doc">
+      <dgm:prSet loTypeId="urn:microsoft.com/office/officeart/2005/8/layout/process1" loCatId="process" qsTypeId="urn:microsoft.com/office/officeart/2005/8/quickstyle/simple1" qsCatId="simple" csTypeId="urn:microsoft.com/office/officeart/2005/8/colors/accent1_2" csCatId="accent1" phldr="1"/>
       <dgm:spPr/>
-      <dgm:t>
-        <a:bodyPr/>
-        <a:lstStyle/>
-        <a:p>
-          <a:endParaRPr lang="ru-RU"/>
-        </a:p>
-      </dgm:t>
     </dgm:pt>
-    <dgm:pt modelId="{F6EB986C-8511-49C6-AD5A-C0B43D54E3DF}">
+    <dgm:pt modelId="{3822B92B-9888-4429-A1F6-376220D8A8BB}">
       <dgm:prSet phldrT="[Текст]"/>
       <dgm:spPr/>
       <dgm:t>
@@ -4156,13 +3450,13 @@
         <a:p>
           <a:r>
             <a:rPr lang="ru-RU" dirty="0" smtClean="0"/>
-            <a:t>Пользовательский интерфейс</a:t>
+            <a:t>Исходный код программы</a:t>
           </a:r>
           <a:endParaRPr lang="ru-RU" dirty="0"/>
         </a:p>
       </dgm:t>
     </dgm:pt>
-    <dgm:pt modelId="{21AC7D3A-083D-42D4-BCF5-DD6C9975F350}" type="parTrans" cxnId="{ED091866-8255-48E7-BC9B-CD847FB48136}">
+    <dgm:pt modelId="{EA4D73F1-0CA0-4899-B388-11F48EF686AA}" type="parTrans" cxnId="{89462C50-71FD-47F0-BBEF-33A3E806082D}">
       <dgm:prSet/>
       <dgm:spPr/>
       <dgm:t>
@@ -4173,7 +3467,7 @@
         </a:p>
       </dgm:t>
     </dgm:pt>
-    <dgm:pt modelId="{01F0E20E-2083-4456-9B79-265AE15CC9B1}" type="sibTrans" cxnId="{ED091866-8255-48E7-BC9B-CD847FB48136}">
+    <dgm:pt modelId="{297EAEFE-07D6-40A3-816B-274F38422184}" type="sibTrans" cxnId="{89462C50-71FD-47F0-BBEF-33A3E806082D}">
       <dgm:prSet/>
       <dgm:spPr/>
       <dgm:t>
@@ -4184,7 +3478,7 @@
         </a:p>
       </dgm:t>
     </dgm:pt>
-    <dgm:pt modelId="{A44E2A28-07F3-4D66-9A6C-5642CB680887}">
+    <dgm:pt modelId="{9487DAB3-B8D5-4E42-BBA3-EB839BB81B5A}">
       <dgm:prSet phldrT="[Текст]"/>
       <dgm:spPr/>
       <dgm:t>
@@ -4193,13 +3487,21 @@
         <a:p>
           <a:r>
             <a:rPr lang="ru-RU" dirty="0" smtClean="0"/>
-            <a:t>Обработка бизнес логики</a:t>
+            <a:t>Байт-код на промежуточном языке (</a:t>
+          </a:r>
+          <a:r>
+            <a:rPr lang="en-US" dirty="0" smtClean="0"/>
+            <a:t>IL</a:t>
+          </a:r>
+          <a:r>
+            <a:rPr lang="ru-RU" dirty="0" smtClean="0"/>
+            <a:t>)</a:t>
           </a:r>
           <a:endParaRPr lang="ru-RU" dirty="0"/>
         </a:p>
       </dgm:t>
     </dgm:pt>
-    <dgm:pt modelId="{219F9BF7-A3E3-47C5-A3C3-83F836909FFB}" type="parTrans" cxnId="{FDDE6371-6CD1-430E-964A-54FA119B06DA}">
+    <dgm:pt modelId="{0394929F-CB08-4283-8FC7-7F58700AA36A}" type="parTrans" cxnId="{5990E10E-D400-442A-9874-9AC7FD3996C1}">
       <dgm:prSet/>
       <dgm:spPr/>
       <dgm:t>
@@ -4210,7 +3512,7 @@
         </a:p>
       </dgm:t>
     </dgm:pt>
-    <dgm:pt modelId="{16686084-23BA-4F9B-B5E6-4F09CE1EB1AC}" type="sibTrans" cxnId="{FDDE6371-6CD1-430E-964A-54FA119B06DA}">
+    <dgm:pt modelId="{1663F387-91CA-4CCE-B133-B53A70F25498}" type="sibTrans" cxnId="{5990E10E-D400-442A-9874-9AC7FD3996C1}">
       <dgm:prSet/>
       <dgm:spPr/>
       <dgm:t>
@@ -4221,7 +3523,7 @@
         </a:p>
       </dgm:t>
     </dgm:pt>
-    <dgm:pt modelId="{5B405FD5-3258-4613-BC40-653B59282569}">
+    <dgm:pt modelId="{23D4DD0E-2991-44A5-9214-F5A5E3AFA012}">
       <dgm:prSet phldrT="[Текст]"/>
       <dgm:spPr/>
       <dgm:t>
@@ -4230,13 +3532,13 @@
         <a:p>
           <a:r>
             <a:rPr lang="ru-RU" dirty="0" smtClean="0"/>
-            <a:t>Система управления базой данных</a:t>
+            <a:t>Машинный код</a:t>
           </a:r>
           <a:endParaRPr lang="ru-RU" dirty="0"/>
         </a:p>
       </dgm:t>
     </dgm:pt>
-    <dgm:pt modelId="{211BF4A2-33D8-4C08-A2E7-D211D70F1156}" type="parTrans" cxnId="{FC57E8D4-FF48-4FB3-8703-584217480819}">
+    <dgm:pt modelId="{80674764-2486-4374-8B12-9C5D2636A3F1}" type="parTrans" cxnId="{F3EBB327-4AC7-45B6-A814-3B2BF186CE3C}">
       <dgm:prSet/>
       <dgm:spPr/>
       <dgm:t>
@@ -4247,7 +3549,7 @@
         </a:p>
       </dgm:t>
     </dgm:pt>
-    <dgm:pt modelId="{523D8056-E3BB-4633-A2EA-FFFBC300A24F}" type="sibTrans" cxnId="{FC57E8D4-FF48-4FB3-8703-584217480819}">
+    <dgm:pt modelId="{02BCD23F-C98A-4AF9-8F17-A271494C52E8}" type="sibTrans" cxnId="{F3EBB327-4AC7-45B6-A814-3B2BF186CE3C}">
       <dgm:prSet/>
       <dgm:spPr/>
       <dgm:t>
@@ -4258,28 +3560,17 @@
         </a:p>
       </dgm:t>
     </dgm:pt>
-    <dgm:pt modelId="{8E8671CF-CC3A-454C-8D40-6885FD2985C3}" type="pres">
-      <dgm:prSet presAssocID="{8BD524A6-4AAA-449B-B3AD-A2DFEA4B7E1F}" presName="Name0" presStyleCnt="0">
+    <dgm:pt modelId="{146B636E-0E51-4485-981C-5044808C4B31}" type="pres">
+      <dgm:prSet presAssocID="{3DC3F80B-18DE-4C1C-88E9-1F1A1C0C265D}" presName="Name0" presStyleCnt="0">
         <dgm:presLayoutVars>
           <dgm:dir/>
           <dgm:resizeHandles val="exact"/>
         </dgm:presLayoutVars>
       </dgm:prSet>
       <dgm:spPr/>
-      <dgm:t>
-        <a:bodyPr/>
-        <a:lstStyle/>
-        <a:p>
-          <a:endParaRPr lang="ru-RU"/>
-        </a:p>
-      </dgm:t>
     </dgm:pt>
-    <dgm:pt modelId="{65A8C411-240E-42E7-A8AE-F8D582B814F5}" type="pres">
-      <dgm:prSet presAssocID="{F6EB986C-8511-49C6-AD5A-C0B43D54E3DF}" presName="composite" presStyleCnt="0"/>
-      <dgm:spPr/>
-    </dgm:pt>
-    <dgm:pt modelId="{8A17E879-887E-4FE7-8D06-5C752A7F1041}" type="pres">
-      <dgm:prSet presAssocID="{F6EB986C-8511-49C6-AD5A-C0B43D54E3DF}" presName="rect1" presStyleLbl="trAlignAcc1" presStyleIdx="0" presStyleCnt="3" custLinFactNeighborX="10273" custLinFactNeighborY="0">
+    <dgm:pt modelId="{7E73A2CB-7729-403B-B1BC-882FA403E5D3}" type="pres">
+      <dgm:prSet presAssocID="{3822B92B-9888-4429-A1F6-376220D8A8BB}" presName="node" presStyleLbl="node1" presStyleIdx="0" presStyleCnt="3" custScaleX="100291" custLinFactNeighborX="-3529" custLinFactNeighborY="-5615">
         <dgm:presLayoutVars>
           <dgm:bulletEnabled val="1"/>
         </dgm:presLayoutVars>
@@ -4293,34 +3584,30 @@
         </a:p>
       </dgm:t>
     </dgm:pt>
-    <dgm:pt modelId="{BF9DD342-321A-42B7-97F4-07C12DD7D105}" type="pres">
-      <dgm:prSet presAssocID="{F6EB986C-8511-49C6-AD5A-C0B43D54E3DF}" presName="rect2" presStyleLbl="fgImgPlace1" presStyleIdx="0" presStyleCnt="3" custScaleX="172527"/>
-      <dgm:spPr>
-        <a:blipFill>
-          <a:blip xmlns:r="http://schemas.openxmlformats.org/officeDocument/2006/relationships" r:embed="rId1">
-            <a:extLst>
-              <a:ext uri="{28A0092B-C50C-407E-A947-70E740481C1C}">
-                <a14:useLocalDpi xmlns:a14="http://schemas.microsoft.com/office/drawing/2010/main" val="0"/>
-              </a:ext>
-            </a:extLst>
-          </a:blip>
-          <a:srcRect/>
-          <a:stretch>
-            <a:fillRect l="-29000" r="-29000"/>
-          </a:stretch>
-        </a:blipFill>
-      </dgm:spPr>
+    <dgm:pt modelId="{CA5B0452-92F0-419B-90BD-E6B57005249D}" type="pres">
+      <dgm:prSet presAssocID="{297EAEFE-07D6-40A3-816B-274F38422184}" presName="sibTrans" presStyleLbl="sibTrans2D1" presStyleIdx="0" presStyleCnt="2"/>
+      <dgm:spPr/>
+      <dgm:t>
+        <a:bodyPr/>
+        <a:lstStyle/>
+        <a:p>
+          <a:endParaRPr lang="ru-RU"/>
+        </a:p>
+      </dgm:t>
     </dgm:pt>
-    <dgm:pt modelId="{CE8E60EF-6997-494E-91C0-A5E958C46A0B}" type="pres">
-      <dgm:prSet presAssocID="{01F0E20E-2083-4456-9B79-265AE15CC9B1}" presName="sibTrans" presStyleCnt="0"/>
+    <dgm:pt modelId="{25542FD2-EB99-4E75-B8B8-18FF627C956F}" type="pres">
+      <dgm:prSet presAssocID="{297EAEFE-07D6-40A3-816B-274F38422184}" presName="connectorText" presStyleLbl="sibTrans2D1" presStyleIdx="0" presStyleCnt="2"/>
       <dgm:spPr/>
+      <dgm:t>
+        <a:bodyPr/>
+        <a:lstStyle/>
+        <a:p>
+          <a:endParaRPr lang="ru-RU"/>
+        </a:p>
+      </dgm:t>
     </dgm:pt>
-    <dgm:pt modelId="{4EC84A51-C47B-469B-80D4-05BAFDEEF1C6}" type="pres">
-      <dgm:prSet presAssocID="{A44E2A28-07F3-4D66-9A6C-5642CB680887}" presName="composite" presStyleCnt="0"/>
-      <dgm:spPr/>
-    </dgm:pt>
-    <dgm:pt modelId="{8765F1D6-D230-4AD8-A600-65ECA77D1715}" type="pres">
-      <dgm:prSet presAssocID="{A44E2A28-07F3-4D66-9A6C-5642CB680887}" presName="rect1" presStyleLbl="trAlignAcc1" presStyleIdx="1" presStyleCnt="3" custLinFactNeighborX="10273" custLinFactNeighborY="0">
+    <dgm:pt modelId="{4464CDC2-A4A5-4213-A700-38483472A9F4}" type="pres">
+      <dgm:prSet presAssocID="{9487DAB3-B8D5-4E42-BBA3-EB839BB81B5A}" presName="node" presStyleLbl="node1" presStyleIdx="1" presStyleCnt="3" custLinFactNeighborX="-364" custLinFactNeighborY="44143">
         <dgm:presLayoutVars>
           <dgm:bulletEnabled val="1"/>
         </dgm:presLayoutVars>
@@ -4334,34 +3621,30 @@
         </a:p>
       </dgm:t>
     </dgm:pt>
-    <dgm:pt modelId="{5986509A-821B-40B1-9507-46EFF6A88DB4}" type="pres">
-      <dgm:prSet presAssocID="{A44E2A28-07F3-4D66-9A6C-5642CB680887}" presName="rect2" presStyleLbl="fgImgPlace1" presStyleIdx="1" presStyleCnt="3" custScaleX="172527"/>
-      <dgm:spPr>
-        <a:blipFill dpi="0" rotWithShape="1">
-          <a:blip xmlns:r="http://schemas.openxmlformats.org/officeDocument/2006/relationships" r:embed="rId2">
-            <a:extLst>
-              <a:ext uri="{28A0092B-C50C-407E-A947-70E740481C1C}">
-                <a14:useLocalDpi xmlns:a14="http://schemas.microsoft.com/office/drawing/2010/main" val="0"/>
-              </a:ext>
-            </a:extLst>
-          </a:blip>
-          <a:srcRect/>
-          <a:stretch>
-            <a:fillRect l="-418" t="6879" r="-418" b="6879"/>
-          </a:stretch>
-        </a:blipFill>
-      </dgm:spPr>
+    <dgm:pt modelId="{7935217E-B951-4356-940A-A63908B859CC}" type="pres">
+      <dgm:prSet presAssocID="{1663F387-91CA-4CCE-B133-B53A70F25498}" presName="sibTrans" presStyleLbl="sibTrans2D1" presStyleIdx="1" presStyleCnt="2"/>
+      <dgm:spPr/>
+      <dgm:t>
+        <a:bodyPr/>
+        <a:lstStyle/>
+        <a:p>
+          <a:endParaRPr lang="ru-RU"/>
+        </a:p>
+      </dgm:t>
     </dgm:pt>
-    <dgm:pt modelId="{453C336F-167B-4B5F-B581-8B5AD0ED5722}" type="pres">
-      <dgm:prSet presAssocID="{16686084-23BA-4F9B-B5E6-4F09CE1EB1AC}" presName="sibTrans" presStyleCnt="0"/>
+    <dgm:pt modelId="{6A62D333-387E-4D3E-8FE2-19C5B658EC2F}" type="pres">
+      <dgm:prSet presAssocID="{1663F387-91CA-4CCE-B133-B53A70F25498}" presName="connectorText" presStyleLbl="sibTrans2D1" presStyleIdx="1" presStyleCnt="2"/>
       <dgm:spPr/>
+      <dgm:t>
+        <a:bodyPr/>
+        <a:lstStyle/>
+        <a:p>
+          <a:endParaRPr lang="ru-RU"/>
+        </a:p>
+      </dgm:t>
     </dgm:pt>
-    <dgm:pt modelId="{1EE27316-8CD1-4D7C-B637-45FC21944367}" type="pres">
-      <dgm:prSet presAssocID="{5B405FD5-3258-4613-BC40-653B59282569}" presName="composite" presStyleCnt="0"/>
-      <dgm:spPr/>
-    </dgm:pt>
-    <dgm:pt modelId="{4528B0BB-2201-4212-B0A9-710E9A21D0E5}" type="pres">
-      <dgm:prSet presAssocID="{5B405FD5-3258-4613-BC40-653B59282569}" presName="rect1" presStyleLbl="trAlignAcc1" presStyleIdx="2" presStyleCnt="3" custLinFactNeighborX="10565" custLinFactNeighborY="0">
+    <dgm:pt modelId="{EFDD6F03-A80C-4CCC-942B-32FBFAE65F0C}" type="pres">
+      <dgm:prSet presAssocID="{23D4DD0E-2991-44A5-9214-F5A5E3AFA012}" presName="node" presStyleLbl="node1" presStyleIdx="2" presStyleCnt="3">
         <dgm:presLayoutVars>
           <dgm:bulletEnabled val="1"/>
         </dgm:presLayoutVars>
@@ -4375,56 +3658,29 @@
         </a:p>
       </dgm:t>
     </dgm:pt>
-    <dgm:pt modelId="{3EFACBB0-7C95-4C04-B02B-B8C7F9142F7B}" type="pres">
-      <dgm:prSet presAssocID="{5B405FD5-3258-4613-BC40-653B59282569}" presName="rect2" presStyleLbl="fgImgPlace1" presStyleIdx="2" presStyleCnt="3" custScaleX="167182"/>
-      <dgm:spPr>
-        <a:blipFill dpi="0" rotWithShape="1">
-          <a:blip xmlns:r="http://schemas.openxmlformats.org/officeDocument/2006/relationships" r:embed="rId3">
-            <a:extLst>
-              <a:ext uri="{28A0092B-C50C-407E-A947-70E740481C1C}">
-                <a14:useLocalDpi xmlns:a14="http://schemas.microsoft.com/office/drawing/2010/main" val="0"/>
-              </a:ext>
-            </a:extLst>
-          </a:blip>
-          <a:srcRect/>
-          <a:stretch>
-            <a:fillRect l="639" r="639"/>
-          </a:stretch>
-        </a:blipFill>
-      </dgm:spPr>
-    </dgm:pt>
   </dgm:ptLst>
   <dgm:cxnLst>
-    <dgm:cxn modelId="{ED091866-8255-48E7-BC9B-CD847FB48136}" srcId="{8BD524A6-4AAA-449B-B3AD-A2DFEA4B7E1F}" destId="{F6EB986C-8511-49C6-AD5A-C0B43D54E3DF}" srcOrd="0" destOrd="0" parTransId="{21AC7D3A-083D-42D4-BCF5-DD6C9975F350}" sibTransId="{01F0E20E-2083-4456-9B79-265AE15CC9B1}"/>
-    <dgm:cxn modelId="{D5C19928-05E7-49DA-AC84-D9ED6D8056E5}" type="presOf" srcId="{F6EB986C-8511-49C6-AD5A-C0B43D54E3DF}" destId="{8A17E879-887E-4FE7-8D06-5C752A7F1041}" srcOrd="0" destOrd="0" presId="urn:microsoft.com/office/officeart/2008/layout/PictureStrips"/>
-    <dgm:cxn modelId="{8E6E864B-DF0C-4741-ACAD-0AB6053C9C6E}" type="presOf" srcId="{A44E2A28-07F3-4D66-9A6C-5642CB680887}" destId="{8765F1D6-D230-4AD8-A600-65ECA77D1715}" srcOrd="0" destOrd="0" presId="urn:microsoft.com/office/officeart/2008/layout/PictureStrips"/>
-    <dgm:cxn modelId="{FC57E8D4-FF48-4FB3-8703-584217480819}" srcId="{8BD524A6-4AAA-449B-B3AD-A2DFEA4B7E1F}" destId="{5B405FD5-3258-4613-BC40-653B59282569}" srcOrd="2" destOrd="0" parTransId="{211BF4A2-33D8-4C08-A2E7-D211D70F1156}" sibTransId="{523D8056-E3BB-4633-A2EA-FFFBC300A24F}"/>
-    <dgm:cxn modelId="{79B9D69D-BF96-406A-9379-ED715AD32DA1}" type="presOf" srcId="{8BD524A6-4AAA-449B-B3AD-A2DFEA4B7E1F}" destId="{8E8671CF-CC3A-454C-8D40-6885FD2985C3}" srcOrd="0" destOrd="0" presId="urn:microsoft.com/office/officeart/2008/layout/PictureStrips"/>
-    <dgm:cxn modelId="{FDDE6371-6CD1-430E-964A-54FA119B06DA}" srcId="{8BD524A6-4AAA-449B-B3AD-A2DFEA4B7E1F}" destId="{A44E2A28-07F3-4D66-9A6C-5642CB680887}" srcOrd="1" destOrd="0" parTransId="{219F9BF7-A3E3-47C5-A3C3-83F836909FFB}" sibTransId="{16686084-23BA-4F9B-B5E6-4F09CE1EB1AC}"/>
-    <dgm:cxn modelId="{312E6796-F3CE-4141-B27E-CC82C942C8E6}" type="presOf" srcId="{5B405FD5-3258-4613-BC40-653B59282569}" destId="{4528B0BB-2201-4212-B0A9-710E9A21D0E5}" srcOrd="0" destOrd="0" presId="urn:microsoft.com/office/officeart/2008/layout/PictureStrips"/>
-    <dgm:cxn modelId="{D53F4495-125A-4B89-8396-8095D3A3D185}" type="presParOf" srcId="{8E8671CF-CC3A-454C-8D40-6885FD2985C3}" destId="{65A8C411-240E-42E7-A8AE-F8D582B814F5}" srcOrd="0" destOrd="0" presId="urn:microsoft.com/office/officeart/2008/layout/PictureStrips"/>
-    <dgm:cxn modelId="{029DE1E9-8C26-4D2D-A029-727EED854AFC}" type="presParOf" srcId="{65A8C411-240E-42E7-A8AE-F8D582B814F5}" destId="{8A17E879-887E-4FE7-8D06-5C752A7F1041}" srcOrd="0" destOrd="0" presId="urn:microsoft.com/office/officeart/2008/layout/PictureStrips"/>
-    <dgm:cxn modelId="{856B2CA1-4F8A-4CC3-950A-5187A93247D1}" type="presParOf" srcId="{65A8C411-240E-42E7-A8AE-F8D582B814F5}" destId="{BF9DD342-321A-42B7-97F4-07C12DD7D105}" srcOrd="1" destOrd="0" presId="urn:microsoft.com/office/officeart/2008/layout/PictureStrips"/>
-    <dgm:cxn modelId="{DF462569-C229-4126-AD17-B6518184ECFC}" type="presParOf" srcId="{8E8671CF-CC3A-454C-8D40-6885FD2985C3}" destId="{CE8E60EF-6997-494E-91C0-A5E958C46A0B}" srcOrd="1" destOrd="0" presId="urn:microsoft.com/office/officeart/2008/layout/PictureStrips"/>
-    <dgm:cxn modelId="{84E2A366-FAFF-49F7-ACC8-9240DA4C8AF0}" type="presParOf" srcId="{8E8671CF-CC3A-454C-8D40-6885FD2985C3}" destId="{4EC84A51-C47B-469B-80D4-05BAFDEEF1C6}" srcOrd="2" destOrd="0" presId="urn:microsoft.com/office/officeart/2008/layout/PictureStrips"/>
-    <dgm:cxn modelId="{7E99601A-0A71-44CF-BC6E-73576C9903FE}" type="presParOf" srcId="{4EC84A51-C47B-469B-80D4-05BAFDEEF1C6}" destId="{8765F1D6-D230-4AD8-A600-65ECA77D1715}" srcOrd="0" destOrd="0" presId="urn:microsoft.com/office/officeart/2008/layout/PictureStrips"/>
-    <dgm:cxn modelId="{E0189E0F-1E93-40E1-BE8D-1422FE6EDC62}" type="presParOf" srcId="{4EC84A51-C47B-469B-80D4-05BAFDEEF1C6}" destId="{5986509A-821B-40B1-9507-46EFF6A88DB4}" srcOrd="1" destOrd="0" presId="urn:microsoft.com/office/officeart/2008/layout/PictureStrips"/>
-    <dgm:cxn modelId="{04B0AC57-A8C3-4849-A7A4-B9AA53A59900}" type="presParOf" srcId="{8E8671CF-CC3A-454C-8D40-6885FD2985C3}" destId="{453C336F-167B-4B5F-B581-8B5AD0ED5722}" srcOrd="3" destOrd="0" presId="urn:microsoft.com/office/officeart/2008/layout/PictureStrips"/>
-    <dgm:cxn modelId="{ADFED9A2-B042-4BC0-A867-D45A32A0979E}" type="presParOf" srcId="{8E8671CF-CC3A-454C-8D40-6885FD2985C3}" destId="{1EE27316-8CD1-4D7C-B637-45FC21944367}" srcOrd="4" destOrd="0" presId="urn:microsoft.com/office/officeart/2008/layout/PictureStrips"/>
-    <dgm:cxn modelId="{FC5BEDB5-31EB-455E-B550-E53CB2E05CC2}" type="presParOf" srcId="{1EE27316-8CD1-4D7C-B637-45FC21944367}" destId="{4528B0BB-2201-4212-B0A9-710E9A21D0E5}" srcOrd="0" destOrd="0" presId="urn:microsoft.com/office/officeart/2008/layout/PictureStrips"/>
-    <dgm:cxn modelId="{52348A20-AA63-483B-93DD-A93B40363494}" type="presParOf" srcId="{1EE27316-8CD1-4D7C-B637-45FC21944367}" destId="{3EFACBB0-7C95-4C04-B02B-B8C7F9142F7B}" srcOrd="1" destOrd="0" presId="urn:microsoft.com/office/officeart/2008/layout/PictureStrips"/>
+    <dgm:cxn modelId="{1CC1D1B0-B91A-4CA8-AA91-6772C43C5DDC}" type="presOf" srcId="{1663F387-91CA-4CCE-B133-B53A70F25498}" destId="{6A62D333-387E-4D3E-8FE2-19C5B658EC2F}" srcOrd="1" destOrd="0" presId="urn:microsoft.com/office/officeart/2005/8/layout/process1"/>
+    <dgm:cxn modelId="{CE1D5C5C-BE6E-4FA3-A0A2-562641158FBA}" type="presOf" srcId="{297EAEFE-07D6-40A3-816B-274F38422184}" destId="{25542FD2-EB99-4E75-B8B8-18FF627C956F}" srcOrd="1" destOrd="0" presId="urn:microsoft.com/office/officeart/2005/8/layout/process1"/>
+    <dgm:cxn modelId="{F3EBB327-4AC7-45B6-A814-3B2BF186CE3C}" srcId="{3DC3F80B-18DE-4C1C-88E9-1F1A1C0C265D}" destId="{23D4DD0E-2991-44A5-9214-F5A5E3AFA012}" srcOrd="2" destOrd="0" parTransId="{80674764-2486-4374-8B12-9C5D2636A3F1}" sibTransId="{02BCD23F-C98A-4AF9-8F17-A271494C52E8}"/>
+    <dgm:cxn modelId="{171D8B63-5126-42CF-8135-3C29B724893D}" type="presOf" srcId="{3822B92B-9888-4429-A1F6-376220D8A8BB}" destId="{7E73A2CB-7729-403B-B1BC-882FA403E5D3}" srcOrd="0" destOrd="0" presId="urn:microsoft.com/office/officeart/2005/8/layout/process1"/>
+    <dgm:cxn modelId="{85E9E252-1952-48FD-BE45-465C3BD3D213}" type="presOf" srcId="{3DC3F80B-18DE-4C1C-88E9-1F1A1C0C265D}" destId="{146B636E-0E51-4485-981C-5044808C4B31}" srcOrd="0" destOrd="0" presId="urn:microsoft.com/office/officeart/2005/8/layout/process1"/>
+    <dgm:cxn modelId="{25D337E2-603C-44F3-B622-E2C4ED74D980}" type="presOf" srcId="{9487DAB3-B8D5-4E42-BBA3-EB839BB81B5A}" destId="{4464CDC2-A4A5-4213-A700-38483472A9F4}" srcOrd="0" destOrd="0" presId="urn:microsoft.com/office/officeart/2005/8/layout/process1"/>
+    <dgm:cxn modelId="{DCBB84B6-92A6-4074-8D76-2BDCD379C767}" type="presOf" srcId="{23D4DD0E-2991-44A5-9214-F5A5E3AFA012}" destId="{EFDD6F03-A80C-4CCC-942B-32FBFAE65F0C}" srcOrd="0" destOrd="0" presId="urn:microsoft.com/office/officeart/2005/8/layout/process1"/>
+    <dgm:cxn modelId="{5990E10E-D400-442A-9874-9AC7FD3996C1}" srcId="{3DC3F80B-18DE-4C1C-88E9-1F1A1C0C265D}" destId="{9487DAB3-B8D5-4E42-BBA3-EB839BB81B5A}" srcOrd="1" destOrd="0" parTransId="{0394929F-CB08-4283-8FC7-7F58700AA36A}" sibTransId="{1663F387-91CA-4CCE-B133-B53A70F25498}"/>
+    <dgm:cxn modelId="{D5D823D1-420C-41AD-A3A1-43D86FD78F2A}" type="presOf" srcId="{297EAEFE-07D6-40A3-816B-274F38422184}" destId="{CA5B0452-92F0-419B-90BD-E6B57005249D}" srcOrd="0" destOrd="0" presId="urn:microsoft.com/office/officeart/2005/8/layout/process1"/>
+    <dgm:cxn modelId="{89462C50-71FD-47F0-BBEF-33A3E806082D}" srcId="{3DC3F80B-18DE-4C1C-88E9-1F1A1C0C265D}" destId="{3822B92B-9888-4429-A1F6-376220D8A8BB}" srcOrd="0" destOrd="0" parTransId="{EA4D73F1-0CA0-4899-B388-11F48EF686AA}" sibTransId="{297EAEFE-07D6-40A3-816B-274F38422184}"/>
+    <dgm:cxn modelId="{2505B477-B22A-4C9D-8E87-F398872CAACA}" type="presOf" srcId="{1663F387-91CA-4CCE-B133-B53A70F25498}" destId="{7935217E-B951-4356-940A-A63908B859CC}" srcOrd="0" destOrd="0" presId="urn:microsoft.com/office/officeart/2005/8/layout/process1"/>
+    <dgm:cxn modelId="{B80DACB8-96D1-4D99-85D8-62649FF41567}" type="presParOf" srcId="{146B636E-0E51-4485-981C-5044808C4B31}" destId="{7E73A2CB-7729-403B-B1BC-882FA403E5D3}" srcOrd="0" destOrd="0" presId="urn:microsoft.com/office/officeart/2005/8/layout/process1"/>
+    <dgm:cxn modelId="{8B0CC69C-BB1F-47DA-ACE7-5747AF1B80FC}" type="presParOf" srcId="{146B636E-0E51-4485-981C-5044808C4B31}" destId="{CA5B0452-92F0-419B-90BD-E6B57005249D}" srcOrd="1" destOrd="0" presId="urn:microsoft.com/office/officeart/2005/8/layout/process1"/>
+    <dgm:cxn modelId="{2AA576A4-F398-4F9B-8B93-4943AA0452F3}" type="presParOf" srcId="{CA5B0452-92F0-419B-90BD-E6B57005249D}" destId="{25542FD2-EB99-4E75-B8B8-18FF627C956F}" srcOrd="0" destOrd="0" presId="urn:microsoft.com/office/officeart/2005/8/layout/process1"/>
+    <dgm:cxn modelId="{85FD8FC6-ADF2-47D2-B77F-647254258106}" type="presParOf" srcId="{146B636E-0E51-4485-981C-5044808C4B31}" destId="{4464CDC2-A4A5-4213-A700-38483472A9F4}" srcOrd="2" destOrd="0" presId="urn:microsoft.com/office/officeart/2005/8/layout/process1"/>
+    <dgm:cxn modelId="{942C238A-8532-4AAE-B001-69B23C63C6A6}" type="presParOf" srcId="{146B636E-0E51-4485-981C-5044808C4B31}" destId="{7935217E-B951-4356-940A-A63908B859CC}" srcOrd="3" destOrd="0" presId="urn:microsoft.com/office/officeart/2005/8/layout/process1"/>
+    <dgm:cxn modelId="{321664C3-EDD6-4B8C-AECE-5F0B3BF8B213}" type="presParOf" srcId="{7935217E-B951-4356-940A-A63908B859CC}" destId="{6A62D333-387E-4D3E-8FE2-19C5B658EC2F}" srcOrd="0" destOrd="0" presId="urn:microsoft.com/office/officeart/2005/8/layout/process1"/>
+    <dgm:cxn modelId="{B3CB550E-D1A7-4646-B543-87E776C25352}" type="presParOf" srcId="{146B636E-0E51-4485-981C-5044808C4B31}" destId="{EFDD6F03-A80C-4CCC-942B-32FBFAE65F0C}" srcOrd="4" destOrd="0" presId="urn:microsoft.com/office/officeart/2005/8/layout/process1"/>
   </dgm:cxnLst>
   <dgm:bg/>
-  <dgm:whole>
-    <a:ln w="63500">
-      <a:solidFill>
-        <a:schemeClr val="accent5">
-          <a:lumMod val="40000"/>
-          <a:lumOff val="60000"/>
-        </a:schemeClr>
-      </a:solidFill>
-    </a:ln>
-  </dgm:whole>
+  <dgm:whole/>
   <dgm:extLst>
     <a:ext uri="http://schemas.microsoft.com/office/drawing/2008/diagram">
       <dsp:dataModelExt xmlns:dsp="http://schemas.microsoft.com/office/drawing/2008/diagram" relId="rId6" minVer="http://schemas.openxmlformats.org/drawingml/2006/diagram"/>
@@ -5165,261 +4421,6 @@
 </dgm:dataModel>
 </file>
 
-<file path=ppt/diagrams/data5.xml><?xml version="1.0" encoding="utf-8"?>
-<dgm:dataModel xmlns:dgm="http://schemas.openxmlformats.org/drawingml/2006/diagram" xmlns:a="http://schemas.openxmlformats.org/drawingml/2006/main">
-  <dgm:ptLst>
-    <dgm:pt modelId="{3DC3F80B-18DE-4C1C-88E9-1F1A1C0C265D}" type="doc">
-      <dgm:prSet loTypeId="urn:microsoft.com/office/officeart/2005/8/layout/process1" loCatId="process" qsTypeId="urn:microsoft.com/office/officeart/2005/8/quickstyle/simple1" qsCatId="simple" csTypeId="urn:microsoft.com/office/officeart/2005/8/colors/accent1_2" csCatId="accent1" phldr="1"/>
-      <dgm:spPr/>
-    </dgm:pt>
-    <dgm:pt modelId="{3822B92B-9888-4429-A1F6-376220D8A8BB}">
-      <dgm:prSet phldrT="[Текст]"/>
-      <dgm:spPr/>
-      <dgm:t>
-        <a:bodyPr/>
-        <a:lstStyle/>
-        <a:p>
-          <a:r>
-            <a:rPr lang="ru-RU" dirty="0" smtClean="0"/>
-            <a:t>Исходный код программы</a:t>
-          </a:r>
-          <a:endParaRPr lang="ru-RU" dirty="0"/>
-        </a:p>
-      </dgm:t>
-    </dgm:pt>
-    <dgm:pt modelId="{EA4D73F1-0CA0-4899-B388-11F48EF686AA}" type="parTrans" cxnId="{89462C50-71FD-47F0-BBEF-33A3E806082D}">
-      <dgm:prSet/>
-      <dgm:spPr/>
-      <dgm:t>
-        <a:bodyPr/>
-        <a:lstStyle/>
-        <a:p>
-          <a:endParaRPr lang="ru-RU"/>
-        </a:p>
-      </dgm:t>
-    </dgm:pt>
-    <dgm:pt modelId="{297EAEFE-07D6-40A3-816B-274F38422184}" type="sibTrans" cxnId="{89462C50-71FD-47F0-BBEF-33A3E806082D}">
-      <dgm:prSet/>
-      <dgm:spPr/>
-      <dgm:t>
-        <a:bodyPr/>
-        <a:lstStyle/>
-        <a:p>
-          <a:endParaRPr lang="ru-RU"/>
-        </a:p>
-      </dgm:t>
-    </dgm:pt>
-    <dgm:pt modelId="{9487DAB3-B8D5-4E42-BBA3-EB839BB81B5A}">
-      <dgm:prSet phldrT="[Текст]"/>
-      <dgm:spPr/>
-      <dgm:t>
-        <a:bodyPr/>
-        <a:lstStyle/>
-        <a:p>
-          <a:r>
-            <a:rPr lang="ru-RU" dirty="0" smtClean="0"/>
-            <a:t>Байт-код на промежуточном языке (</a:t>
-          </a:r>
-          <a:r>
-            <a:rPr lang="en-US" dirty="0" smtClean="0"/>
-            <a:t>IL</a:t>
-          </a:r>
-          <a:r>
-            <a:rPr lang="ru-RU" dirty="0" smtClean="0"/>
-            <a:t>)</a:t>
-          </a:r>
-          <a:endParaRPr lang="ru-RU" dirty="0"/>
-        </a:p>
-      </dgm:t>
-    </dgm:pt>
-    <dgm:pt modelId="{0394929F-CB08-4283-8FC7-7F58700AA36A}" type="parTrans" cxnId="{5990E10E-D400-442A-9874-9AC7FD3996C1}">
-      <dgm:prSet/>
-      <dgm:spPr/>
-      <dgm:t>
-        <a:bodyPr/>
-        <a:lstStyle/>
-        <a:p>
-          <a:endParaRPr lang="ru-RU"/>
-        </a:p>
-      </dgm:t>
-    </dgm:pt>
-    <dgm:pt modelId="{1663F387-91CA-4CCE-B133-B53A70F25498}" type="sibTrans" cxnId="{5990E10E-D400-442A-9874-9AC7FD3996C1}">
-      <dgm:prSet/>
-      <dgm:spPr/>
-      <dgm:t>
-        <a:bodyPr/>
-        <a:lstStyle/>
-        <a:p>
-          <a:endParaRPr lang="ru-RU"/>
-        </a:p>
-      </dgm:t>
-    </dgm:pt>
-    <dgm:pt modelId="{23D4DD0E-2991-44A5-9214-F5A5E3AFA012}">
-      <dgm:prSet phldrT="[Текст]"/>
-      <dgm:spPr/>
-      <dgm:t>
-        <a:bodyPr/>
-        <a:lstStyle/>
-        <a:p>
-          <a:r>
-            <a:rPr lang="ru-RU" dirty="0" smtClean="0"/>
-            <a:t>Машинный код</a:t>
-          </a:r>
-          <a:endParaRPr lang="ru-RU" dirty="0"/>
-        </a:p>
-      </dgm:t>
-    </dgm:pt>
-    <dgm:pt modelId="{80674764-2486-4374-8B12-9C5D2636A3F1}" type="parTrans" cxnId="{F3EBB327-4AC7-45B6-A814-3B2BF186CE3C}">
-      <dgm:prSet/>
-      <dgm:spPr/>
-      <dgm:t>
-        <a:bodyPr/>
-        <a:lstStyle/>
-        <a:p>
-          <a:endParaRPr lang="ru-RU"/>
-        </a:p>
-      </dgm:t>
-    </dgm:pt>
-    <dgm:pt modelId="{02BCD23F-C98A-4AF9-8F17-A271494C52E8}" type="sibTrans" cxnId="{F3EBB327-4AC7-45B6-A814-3B2BF186CE3C}">
-      <dgm:prSet/>
-      <dgm:spPr/>
-      <dgm:t>
-        <a:bodyPr/>
-        <a:lstStyle/>
-        <a:p>
-          <a:endParaRPr lang="ru-RU"/>
-        </a:p>
-      </dgm:t>
-    </dgm:pt>
-    <dgm:pt modelId="{146B636E-0E51-4485-981C-5044808C4B31}" type="pres">
-      <dgm:prSet presAssocID="{3DC3F80B-18DE-4C1C-88E9-1F1A1C0C265D}" presName="Name0" presStyleCnt="0">
-        <dgm:presLayoutVars>
-          <dgm:dir/>
-          <dgm:resizeHandles val="exact"/>
-        </dgm:presLayoutVars>
-      </dgm:prSet>
-      <dgm:spPr/>
-    </dgm:pt>
-    <dgm:pt modelId="{7E73A2CB-7729-403B-B1BC-882FA403E5D3}" type="pres">
-      <dgm:prSet presAssocID="{3822B92B-9888-4429-A1F6-376220D8A8BB}" presName="node" presStyleLbl="node1" presStyleIdx="0" presStyleCnt="3" custScaleX="100291" custLinFactNeighborX="-3529" custLinFactNeighborY="-5615">
-        <dgm:presLayoutVars>
-          <dgm:bulletEnabled val="1"/>
-        </dgm:presLayoutVars>
-      </dgm:prSet>
-      <dgm:spPr/>
-      <dgm:t>
-        <a:bodyPr/>
-        <a:lstStyle/>
-        <a:p>
-          <a:endParaRPr lang="ru-RU"/>
-        </a:p>
-      </dgm:t>
-    </dgm:pt>
-    <dgm:pt modelId="{CA5B0452-92F0-419B-90BD-E6B57005249D}" type="pres">
-      <dgm:prSet presAssocID="{297EAEFE-07D6-40A3-816B-274F38422184}" presName="sibTrans" presStyleLbl="sibTrans2D1" presStyleIdx="0" presStyleCnt="2"/>
-      <dgm:spPr/>
-      <dgm:t>
-        <a:bodyPr/>
-        <a:lstStyle/>
-        <a:p>
-          <a:endParaRPr lang="ru-RU"/>
-        </a:p>
-      </dgm:t>
-    </dgm:pt>
-    <dgm:pt modelId="{25542FD2-EB99-4E75-B8B8-18FF627C956F}" type="pres">
-      <dgm:prSet presAssocID="{297EAEFE-07D6-40A3-816B-274F38422184}" presName="connectorText" presStyleLbl="sibTrans2D1" presStyleIdx="0" presStyleCnt="2"/>
-      <dgm:spPr/>
-      <dgm:t>
-        <a:bodyPr/>
-        <a:lstStyle/>
-        <a:p>
-          <a:endParaRPr lang="ru-RU"/>
-        </a:p>
-      </dgm:t>
-    </dgm:pt>
-    <dgm:pt modelId="{4464CDC2-A4A5-4213-A700-38483472A9F4}" type="pres">
-      <dgm:prSet presAssocID="{9487DAB3-B8D5-4E42-BBA3-EB839BB81B5A}" presName="node" presStyleLbl="node1" presStyleIdx="1" presStyleCnt="3" custLinFactNeighborX="-364" custLinFactNeighborY="44143">
-        <dgm:presLayoutVars>
-          <dgm:bulletEnabled val="1"/>
-        </dgm:presLayoutVars>
-      </dgm:prSet>
-      <dgm:spPr/>
-      <dgm:t>
-        <a:bodyPr/>
-        <a:lstStyle/>
-        <a:p>
-          <a:endParaRPr lang="ru-RU"/>
-        </a:p>
-      </dgm:t>
-    </dgm:pt>
-    <dgm:pt modelId="{7935217E-B951-4356-940A-A63908B859CC}" type="pres">
-      <dgm:prSet presAssocID="{1663F387-91CA-4CCE-B133-B53A70F25498}" presName="sibTrans" presStyleLbl="sibTrans2D1" presStyleIdx="1" presStyleCnt="2"/>
-      <dgm:spPr/>
-      <dgm:t>
-        <a:bodyPr/>
-        <a:lstStyle/>
-        <a:p>
-          <a:endParaRPr lang="ru-RU"/>
-        </a:p>
-      </dgm:t>
-    </dgm:pt>
-    <dgm:pt modelId="{6A62D333-387E-4D3E-8FE2-19C5B658EC2F}" type="pres">
-      <dgm:prSet presAssocID="{1663F387-91CA-4CCE-B133-B53A70F25498}" presName="connectorText" presStyleLbl="sibTrans2D1" presStyleIdx="1" presStyleCnt="2"/>
-      <dgm:spPr/>
-      <dgm:t>
-        <a:bodyPr/>
-        <a:lstStyle/>
-        <a:p>
-          <a:endParaRPr lang="ru-RU"/>
-        </a:p>
-      </dgm:t>
-    </dgm:pt>
-    <dgm:pt modelId="{EFDD6F03-A80C-4CCC-942B-32FBFAE65F0C}" type="pres">
-      <dgm:prSet presAssocID="{23D4DD0E-2991-44A5-9214-F5A5E3AFA012}" presName="node" presStyleLbl="node1" presStyleIdx="2" presStyleCnt="3">
-        <dgm:presLayoutVars>
-          <dgm:bulletEnabled val="1"/>
-        </dgm:presLayoutVars>
-      </dgm:prSet>
-      <dgm:spPr/>
-      <dgm:t>
-        <a:bodyPr/>
-        <a:lstStyle/>
-        <a:p>
-          <a:endParaRPr lang="ru-RU"/>
-        </a:p>
-      </dgm:t>
-    </dgm:pt>
-  </dgm:ptLst>
-  <dgm:cxnLst>
-    <dgm:cxn modelId="{1CC1D1B0-B91A-4CA8-AA91-6772C43C5DDC}" type="presOf" srcId="{1663F387-91CA-4CCE-B133-B53A70F25498}" destId="{6A62D333-387E-4D3E-8FE2-19C5B658EC2F}" srcOrd="1" destOrd="0" presId="urn:microsoft.com/office/officeart/2005/8/layout/process1"/>
-    <dgm:cxn modelId="{CE1D5C5C-BE6E-4FA3-A0A2-562641158FBA}" type="presOf" srcId="{297EAEFE-07D6-40A3-816B-274F38422184}" destId="{25542FD2-EB99-4E75-B8B8-18FF627C956F}" srcOrd="1" destOrd="0" presId="urn:microsoft.com/office/officeart/2005/8/layout/process1"/>
-    <dgm:cxn modelId="{F3EBB327-4AC7-45B6-A814-3B2BF186CE3C}" srcId="{3DC3F80B-18DE-4C1C-88E9-1F1A1C0C265D}" destId="{23D4DD0E-2991-44A5-9214-F5A5E3AFA012}" srcOrd="2" destOrd="0" parTransId="{80674764-2486-4374-8B12-9C5D2636A3F1}" sibTransId="{02BCD23F-C98A-4AF9-8F17-A271494C52E8}"/>
-    <dgm:cxn modelId="{171D8B63-5126-42CF-8135-3C29B724893D}" type="presOf" srcId="{3822B92B-9888-4429-A1F6-376220D8A8BB}" destId="{7E73A2CB-7729-403B-B1BC-882FA403E5D3}" srcOrd="0" destOrd="0" presId="urn:microsoft.com/office/officeart/2005/8/layout/process1"/>
-    <dgm:cxn modelId="{85E9E252-1952-48FD-BE45-465C3BD3D213}" type="presOf" srcId="{3DC3F80B-18DE-4C1C-88E9-1F1A1C0C265D}" destId="{146B636E-0E51-4485-981C-5044808C4B31}" srcOrd="0" destOrd="0" presId="urn:microsoft.com/office/officeart/2005/8/layout/process1"/>
-    <dgm:cxn modelId="{25D337E2-603C-44F3-B622-E2C4ED74D980}" type="presOf" srcId="{9487DAB3-B8D5-4E42-BBA3-EB839BB81B5A}" destId="{4464CDC2-A4A5-4213-A700-38483472A9F4}" srcOrd="0" destOrd="0" presId="urn:microsoft.com/office/officeart/2005/8/layout/process1"/>
-    <dgm:cxn modelId="{DCBB84B6-92A6-4074-8D76-2BDCD379C767}" type="presOf" srcId="{23D4DD0E-2991-44A5-9214-F5A5E3AFA012}" destId="{EFDD6F03-A80C-4CCC-942B-32FBFAE65F0C}" srcOrd="0" destOrd="0" presId="urn:microsoft.com/office/officeart/2005/8/layout/process1"/>
-    <dgm:cxn modelId="{5990E10E-D400-442A-9874-9AC7FD3996C1}" srcId="{3DC3F80B-18DE-4C1C-88E9-1F1A1C0C265D}" destId="{9487DAB3-B8D5-4E42-BBA3-EB839BB81B5A}" srcOrd="1" destOrd="0" parTransId="{0394929F-CB08-4283-8FC7-7F58700AA36A}" sibTransId="{1663F387-91CA-4CCE-B133-B53A70F25498}"/>
-    <dgm:cxn modelId="{D5D823D1-420C-41AD-A3A1-43D86FD78F2A}" type="presOf" srcId="{297EAEFE-07D6-40A3-816B-274F38422184}" destId="{CA5B0452-92F0-419B-90BD-E6B57005249D}" srcOrd="0" destOrd="0" presId="urn:microsoft.com/office/officeart/2005/8/layout/process1"/>
-    <dgm:cxn modelId="{89462C50-71FD-47F0-BBEF-33A3E806082D}" srcId="{3DC3F80B-18DE-4C1C-88E9-1F1A1C0C265D}" destId="{3822B92B-9888-4429-A1F6-376220D8A8BB}" srcOrd="0" destOrd="0" parTransId="{EA4D73F1-0CA0-4899-B388-11F48EF686AA}" sibTransId="{297EAEFE-07D6-40A3-816B-274F38422184}"/>
-    <dgm:cxn modelId="{2505B477-B22A-4C9D-8E87-F398872CAACA}" type="presOf" srcId="{1663F387-91CA-4CCE-B133-B53A70F25498}" destId="{7935217E-B951-4356-940A-A63908B859CC}" srcOrd="0" destOrd="0" presId="urn:microsoft.com/office/officeart/2005/8/layout/process1"/>
-    <dgm:cxn modelId="{B80DACB8-96D1-4D99-85D8-62649FF41567}" type="presParOf" srcId="{146B636E-0E51-4485-981C-5044808C4B31}" destId="{7E73A2CB-7729-403B-B1BC-882FA403E5D3}" srcOrd="0" destOrd="0" presId="urn:microsoft.com/office/officeart/2005/8/layout/process1"/>
-    <dgm:cxn modelId="{8B0CC69C-BB1F-47DA-ACE7-5747AF1B80FC}" type="presParOf" srcId="{146B636E-0E51-4485-981C-5044808C4B31}" destId="{CA5B0452-92F0-419B-90BD-E6B57005249D}" srcOrd="1" destOrd="0" presId="urn:microsoft.com/office/officeart/2005/8/layout/process1"/>
-    <dgm:cxn modelId="{2AA576A4-F398-4F9B-8B93-4943AA0452F3}" type="presParOf" srcId="{CA5B0452-92F0-419B-90BD-E6B57005249D}" destId="{25542FD2-EB99-4E75-B8B8-18FF627C956F}" srcOrd="0" destOrd="0" presId="urn:microsoft.com/office/officeart/2005/8/layout/process1"/>
-    <dgm:cxn modelId="{85FD8FC6-ADF2-47D2-B77F-647254258106}" type="presParOf" srcId="{146B636E-0E51-4485-981C-5044808C4B31}" destId="{4464CDC2-A4A5-4213-A700-38483472A9F4}" srcOrd="2" destOrd="0" presId="urn:microsoft.com/office/officeart/2005/8/layout/process1"/>
-    <dgm:cxn modelId="{942C238A-8532-4AAE-B001-69B23C63C6A6}" type="presParOf" srcId="{146B636E-0E51-4485-981C-5044808C4B31}" destId="{7935217E-B951-4356-940A-A63908B859CC}" srcOrd="3" destOrd="0" presId="urn:microsoft.com/office/officeart/2005/8/layout/process1"/>
-    <dgm:cxn modelId="{321664C3-EDD6-4B8C-AECE-5F0B3BF8B213}" type="presParOf" srcId="{7935217E-B951-4356-940A-A63908B859CC}" destId="{6A62D333-387E-4D3E-8FE2-19C5B658EC2F}" srcOrd="0" destOrd="0" presId="urn:microsoft.com/office/officeart/2005/8/layout/process1"/>
-    <dgm:cxn modelId="{B3CB550E-D1A7-4646-B543-87E776C25352}" type="presParOf" srcId="{146B636E-0E51-4485-981C-5044808C4B31}" destId="{EFDD6F03-A80C-4CCC-942B-32FBFAE65F0C}" srcOrd="4" destOrd="0" presId="urn:microsoft.com/office/officeart/2005/8/layout/process1"/>
-  </dgm:cxnLst>
-  <dgm:bg/>
-  <dgm:whole/>
-  <dgm:extLst>
-    <a:ext uri="http://schemas.microsoft.com/office/drawing/2008/diagram">
-      <dsp:dataModelExt xmlns:dsp="http://schemas.microsoft.com/office/drawing/2008/diagram" relId="rId6" minVer="http://schemas.openxmlformats.org/drawingml/2006/diagram"/>
-    </a:ext>
-  </dgm:extLst>
-</dgm:dataModel>
-</file>
-
 <file path=ppt/diagrams/drawing1.xml><?xml version="1.0" encoding="utf-8"?>
 <dsp:drawing xmlns:dgm="http://schemas.openxmlformats.org/drawingml/2006/diagram" xmlns:dsp="http://schemas.microsoft.com/office/drawing/2008/diagram" xmlns:a="http://schemas.openxmlformats.org/drawingml/2006/main">
   <dsp:spTree>
@@ -5818,31 +4819,32 @@
       <dsp:cNvGrpSpPr/>
     </dsp:nvGrpSpPr>
     <dsp:grpSpPr/>
-    <dsp:sp modelId="{8A17E879-887E-4FE7-8D06-5C752A7F1041}">
+    <dsp:sp modelId="{7E73A2CB-7729-403B-B1BC-882FA403E5D3}">
       <dsp:nvSpPr>
         <dsp:cNvPr id="0" name=""/>
         <dsp:cNvSpPr/>
       </dsp:nvSpPr>
       <dsp:spPr>
         <a:xfrm>
-          <a:off x="1356796" y="379513"/>
-          <a:ext cx="3689333" cy="1152916"/>
+          <a:off x="0" y="0"/>
+          <a:ext cx="2706864" cy="1119705"/>
         </a:xfrm>
-        <a:prstGeom prst="rect">
-          <a:avLst/>
+        <a:prstGeom prst="roundRect">
+          <a:avLst>
+            <a:gd name="adj" fmla="val 10000"/>
+          </a:avLst>
         </a:prstGeom>
         <a:solidFill>
-          <a:schemeClr val="lt1">
-            <a:alpha val="40000"/>
+          <a:schemeClr val="accent1">
             <a:hueOff val="0"/>
             <a:satOff val="0"/>
             <a:lumOff val="0"/>
             <a:alphaOff val="0"/>
           </a:schemeClr>
         </a:solidFill>
-        <a:ln w="9525" cap="flat" cmpd="sng" algn="ctr">
+        <a:ln w="15875" cap="flat" cmpd="sng" algn="ctr">
           <a:solidFill>
-            <a:schemeClr val="accent1">
+            <a:schemeClr val="lt1">
               <a:hueOff val="0"/>
               <a:satOff val="0"/>
               <a:lumOff val="0"/>
@@ -5854,7 +4856,7 @@
         <a:effectLst/>
       </dsp:spPr>
       <dsp:style>
-        <a:lnRef idx="1">
+        <a:lnRef idx="2">
           <a:scrgbClr r="0" g="0" b="0"/>
         </a:lnRef>
         <a:fillRef idx="1">
@@ -5863,15 +4865,17 @@
         <a:effectRef idx="0">
           <a:scrgbClr r="0" g="0" b="0"/>
         </a:effectRef>
-        <a:fontRef idx="minor"/>
+        <a:fontRef idx="minor">
+          <a:schemeClr val="lt1"/>
+        </a:fontRef>
       </dsp:style>
       <dsp:txBody>
-        <a:bodyPr spcFirstLastPara="0" vert="horz" wrap="square" lIns="780909" tIns="95250" rIns="95250" bIns="95250" numCol="1" spcCol="1270" anchor="ctr" anchorCtr="0">
+        <a:bodyPr spcFirstLastPara="0" vert="horz" wrap="square" lIns="80010" tIns="80010" rIns="80010" bIns="80010" numCol="1" spcCol="1270" anchor="ctr" anchorCtr="0">
           <a:noAutofit/>
         </a:bodyPr>
         <a:lstStyle/>
         <a:p>
-          <a:pPr lvl="0" algn="l" defTabSz="1111250">
+          <a:pPr lvl="0" algn="ctr" defTabSz="933450">
             <a:lnSpc>
               <a:spcPct val="90000"/>
             </a:lnSpc>
@@ -5883,53 +4887,46 @@
             </a:spcAft>
           </a:pPr>
           <a:r>
-            <a:rPr lang="ru-RU" sz="2500" kern="1200" dirty="0" smtClean="0"/>
-            <a:t>Пользовательский интерфейс</a:t>
+            <a:rPr lang="ru-RU" sz="2100" kern="1200" dirty="0" smtClean="0"/>
+            <a:t>Исходный код программы</a:t>
           </a:r>
-          <a:endParaRPr lang="ru-RU" sz="2500" kern="1200" dirty="0"/>
+          <a:endParaRPr lang="ru-RU" sz="2100" kern="1200" dirty="0"/>
         </a:p>
       </dsp:txBody>
       <dsp:txXfrm>
-        <a:off x="1356796" y="379513"/>
-        <a:ext cx="3689333" cy="1152916"/>
+        <a:off x="32795" y="32795"/>
+        <a:ext cx="2641274" cy="1054115"/>
       </dsp:txXfrm>
     </dsp:sp>
-    <dsp:sp modelId="{BF9DD342-321A-42B7-97F4-07C12DD7D105}">
+    <dsp:sp modelId="{CA5B0452-92F0-419B-90BD-E6B57005249D}">
       <dsp:nvSpPr>
         <dsp:cNvPr id="0" name=""/>
         <dsp:cNvSpPr/>
       </dsp:nvSpPr>
       <dsp:spPr>
         <a:xfrm>
-          <a:off x="531407" y="212981"/>
-          <a:ext cx="1392364" cy="1210562"/>
+          <a:off x="2977058" y="225175"/>
+          <a:ext cx="572812" cy="669354"/>
         </a:xfrm>
-        <a:prstGeom prst="rect">
-          <a:avLst/>
+        <a:prstGeom prst="rightArrow">
+          <a:avLst>
+            <a:gd name="adj1" fmla="val 60000"/>
+            <a:gd name="adj2" fmla="val 50000"/>
+          </a:avLst>
         </a:prstGeom>
-        <a:blipFill>
-          <a:blip xmlns:r="http://schemas.openxmlformats.org/officeDocument/2006/relationships" r:embed="rId1">
-            <a:extLst>
-              <a:ext uri="{28A0092B-C50C-407E-A947-70E740481C1C}">
-                <a14:useLocalDpi xmlns:a14="http://schemas.microsoft.com/office/drawing/2010/main" val="0"/>
-              </a:ext>
-            </a:extLst>
-          </a:blip>
-          <a:srcRect/>
-          <a:stretch>
-            <a:fillRect l="-29000" r="-29000"/>
-          </a:stretch>
-        </a:blipFill>
+        <a:solidFill>
+          <a:schemeClr val="accent1">
+            <a:tint val="60000"/>
+            <a:hueOff val="0"/>
+            <a:satOff val="0"/>
+            <a:lumOff val="0"/>
+            <a:alphaOff val="0"/>
+          </a:schemeClr>
+        </a:solidFill>
         <a:ln>
           <a:noFill/>
         </a:ln>
-        <a:effectLst>
-          <a:outerShdw blurRad="57150" dist="19050" dir="5400000" algn="ctr" rotWithShape="0">
-            <a:srgbClr val="000000">
-              <a:alpha val="63000"/>
-            </a:srgbClr>
-          </a:outerShdw>
-        </a:effectLst>
+        <a:effectLst/>
       </dsp:spPr>
       <dsp:style>
         <a:lnRef idx="0">
@@ -5938,37 +4935,64 @@
         <a:fillRef idx="1">
           <a:scrgbClr r="0" g="0" b="0"/>
         </a:fillRef>
-        <a:effectRef idx="3">
+        <a:effectRef idx="0">
           <a:scrgbClr r="0" g="0" b="0"/>
         </a:effectRef>
-        <a:fontRef idx="minor"/>
+        <a:fontRef idx="minor">
+          <a:schemeClr val="lt1"/>
+        </a:fontRef>
       </dsp:style>
+      <dsp:txBody>
+        <a:bodyPr spcFirstLastPara="0" vert="horz" wrap="square" lIns="0" tIns="0" rIns="0" bIns="0" numCol="1" spcCol="1270" anchor="ctr" anchorCtr="0">
+          <a:noAutofit/>
+        </a:bodyPr>
+        <a:lstStyle/>
+        <a:p>
+          <a:pPr lvl="0" algn="ctr" defTabSz="755650">
+            <a:lnSpc>
+              <a:spcPct val="90000"/>
+            </a:lnSpc>
+            <a:spcBef>
+              <a:spcPct val="0"/>
+            </a:spcBef>
+            <a:spcAft>
+              <a:spcPct val="35000"/>
+            </a:spcAft>
+          </a:pPr>
+          <a:endParaRPr lang="ru-RU" sz="1700" kern="1200"/>
+        </a:p>
+      </dsp:txBody>
+      <dsp:txXfrm>
+        <a:off x="2977058" y="359046"/>
+        <a:ext cx="400968" cy="401612"/>
+      </dsp:txXfrm>
     </dsp:sp>
-    <dsp:sp modelId="{8765F1D6-D230-4AD8-A600-65ECA77D1715}">
+    <dsp:sp modelId="{4464CDC2-A4A5-4213-A700-38483472A9F4}">
       <dsp:nvSpPr>
         <dsp:cNvPr id="0" name=""/>
         <dsp:cNvSpPr/>
       </dsp:nvSpPr>
       <dsp:spPr>
         <a:xfrm>
-          <a:off x="1356796" y="1830907"/>
-          <a:ext cx="3689333" cy="1152916"/>
+          <a:off x="3787642" y="0"/>
+          <a:ext cx="2699010" cy="1119705"/>
         </a:xfrm>
-        <a:prstGeom prst="rect">
-          <a:avLst/>
+        <a:prstGeom prst="roundRect">
+          <a:avLst>
+            <a:gd name="adj" fmla="val 10000"/>
+          </a:avLst>
         </a:prstGeom>
         <a:solidFill>
-          <a:schemeClr val="lt1">
-            <a:alpha val="40000"/>
+          <a:schemeClr val="accent1">
             <a:hueOff val="0"/>
             <a:satOff val="0"/>
             <a:lumOff val="0"/>
             <a:alphaOff val="0"/>
           </a:schemeClr>
         </a:solidFill>
-        <a:ln w="9525" cap="flat" cmpd="sng" algn="ctr">
+        <a:ln w="15875" cap="flat" cmpd="sng" algn="ctr">
           <a:solidFill>
-            <a:schemeClr val="accent1">
+            <a:schemeClr val="lt1">
               <a:hueOff val="0"/>
               <a:satOff val="0"/>
               <a:lumOff val="0"/>
@@ -5980,7 +5004,7 @@
         <a:effectLst/>
       </dsp:spPr>
       <dsp:style>
-        <a:lnRef idx="1">
+        <a:lnRef idx="2">
           <a:scrgbClr r="0" g="0" b="0"/>
         </a:lnRef>
         <a:fillRef idx="1">
@@ -5989,15 +5013,17 @@
         <a:effectRef idx="0">
           <a:scrgbClr r="0" g="0" b="0"/>
         </a:effectRef>
-        <a:fontRef idx="minor"/>
+        <a:fontRef idx="minor">
+          <a:schemeClr val="lt1"/>
+        </a:fontRef>
       </dsp:style>
       <dsp:txBody>
-        <a:bodyPr spcFirstLastPara="0" vert="horz" wrap="square" lIns="780909" tIns="95250" rIns="95250" bIns="95250" numCol="1" spcCol="1270" anchor="ctr" anchorCtr="0">
+        <a:bodyPr spcFirstLastPara="0" vert="horz" wrap="square" lIns="80010" tIns="80010" rIns="80010" bIns="80010" numCol="1" spcCol="1270" anchor="ctr" anchorCtr="0">
           <a:noAutofit/>
         </a:bodyPr>
         <a:lstStyle/>
         <a:p>
-          <a:pPr lvl="0" algn="l" defTabSz="1111250">
+          <a:pPr lvl="0" algn="ctr" defTabSz="933450">
             <a:lnSpc>
               <a:spcPct val="90000"/>
             </a:lnSpc>
@@ -6009,53 +5035,54 @@
             </a:spcAft>
           </a:pPr>
           <a:r>
-            <a:rPr lang="ru-RU" sz="2500" kern="1200" dirty="0" smtClean="0"/>
-            <a:t>Обработка бизнес логики</a:t>
+            <a:rPr lang="ru-RU" sz="2100" kern="1200" dirty="0" smtClean="0"/>
+            <a:t>Байт-код на промежуточном языке (</a:t>
           </a:r>
-          <a:endParaRPr lang="ru-RU" sz="2500" kern="1200" dirty="0"/>
+          <a:r>
+            <a:rPr lang="en-US" sz="2100" kern="1200" dirty="0" smtClean="0"/>
+            <a:t>IL</a:t>
+          </a:r>
+          <a:r>
+            <a:rPr lang="ru-RU" sz="2100" kern="1200" dirty="0" smtClean="0"/>
+            <a:t>)</a:t>
+          </a:r>
+          <a:endParaRPr lang="ru-RU" sz="2100" kern="1200" dirty="0"/>
         </a:p>
       </dsp:txBody>
       <dsp:txXfrm>
-        <a:off x="1356796" y="1830907"/>
-        <a:ext cx="3689333" cy="1152916"/>
+        <a:off x="3820437" y="32795"/>
+        <a:ext cx="2633420" cy="1054115"/>
       </dsp:txXfrm>
     </dsp:sp>
-    <dsp:sp modelId="{5986509A-821B-40B1-9507-46EFF6A88DB4}">
+    <dsp:sp modelId="{7935217E-B951-4356-940A-A63908B859CC}">
       <dsp:nvSpPr>
         <dsp:cNvPr id="0" name=""/>
         <dsp:cNvSpPr/>
       </dsp:nvSpPr>
       <dsp:spPr>
         <a:xfrm>
-          <a:off x="531407" y="1664375"/>
-          <a:ext cx="1392364" cy="1210562"/>
+          <a:off x="6757536" y="225175"/>
+          <a:ext cx="574272" cy="669354"/>
         </a:xfrm>
-        <a:prstGeom prst="rect">
-          <a:avLst/>
+        <a:prstGeom prst="rightArrow">
+          <a:avLst>
+            <a:gd name="adj1" fmla="val 60000"/>
+            <a:gd name="adj2" fmla="val 50000"/>
+          </a:avLst>
         </a:prstGeom>
-        <a:blipFill dpi="0" rotWithShape="1">
-          <a:blip xmlns:r="http://schemas.openxmlformats.org/officeDocument/2006/relationships" r:embed="rId2">
-            <a:extLst>
-              <a:ext uri="{28A0092B-C50C-407E-A947-70E740481C1C}">
-                <a14:useLocalDpi xmlns:a14="http://schemas.microsoft.com/office/drawing/2010/main" val="0"/>
-              </a:ext>
-            </a:extLst>
-          </a:blip>
-          <a:srcRect/>
-          <a:stretch>
-            <a:fillRect l="-418" t="6879" r="-418" b="6879"/>
-          </a:stretch>
-        </a:blipFill>
+        <a:solidFill>
+          <a:schemeClr val="accent1">
+            <a:tint val="60000"/>
+            <a:hueOff val="0"/>
+            <a:satOff val="0"/>
+            <a:lumOff val="0"/>
+            <a:alphaOff val="0"/>
+          </a:schemeClr>
+        </a:solidFill>
         <a:ln>
           <a:noFill/>
         </a:ln>
-        <a:effectLst>
-          <a:outerShdw blurRad="57150" dist="19050" dir="5400000" algn="ctr" rotWithShape="0">
-            <a:srgbClr val="000000">
-              <a:alpha val="63000"/>
-            </a:srgbClr>
-          </a:outerShdw>
-        </a:effectLst>
+        <a:effectLst/>
       </dsp:spPr>
       <dsp:style>
         <a:lnRef idx="0">
@@ -6064,37 +5091,64 @@
         <a:fillRef idx="1">
           <a:scrgbClr r="0" g="0" b="0"/>
         </a:fillRef>
-        <a:effectRef idx="3">
+        <a:effectRef idx="0">
           <a:scrgbClr r="0" g="0" b="0"/>
         </a:effectRef>
-        <a:fontRef idx="minor"/>
+        <a:fontRef idx="minor">
+          <a:schemeClr val="lt1"/>
+        </a:fontRef>
       </dsp:style>
+      <dsp:txBody>
+        <a:bodyPr spcFirstLastPara="0" vert="horz" wrap="square" lIns="0" tIns="0" rIns="0" bIns="0" numCol="1" spcCol="1270" anchor="ctr" anchorCtr="0">
+          <a:noAutofit/>
+        </a:bodyPr>
+        <a:lstStyle/>
+        <a:p>
+          <a:pPr lvl="0" algn="ctr" defTabSz="755650">
+            <a:lnSpc>
+              <a:spcPct val="90000"/>
+            </a:lnSpc>
+            <a:spcBef>
+              <a:spcPct val="0"/>
+            </a:spcBef>
+            <a:spcAft>
+              <a:spcPct val="35000"/>
+            </a:spcAft>
+          </a:pPr>
+          <a:endParaRPr lang="ru-RU" sz="1700" kern="1200"/>
+        </a:p>
+      </dsp:txBody>
+      <dsp:txXfrm>
+        <a:off x="6757536" y="359046"/>
+        <a:ext cx="401990" cy="401612"/>
+      </dsp:txXfrm>
     </dsp:sp>
-    <dsp:sp modelId="{4528B0BB-2201-4212-B0A9-710E9A21D0E5}">
+    <dsp:sp modelId="{EFDD6F03-A80C-4CCC-942B-32FBFAE65F0C}">
       <dsp:nvSpPr>
         <dsp:cNvPr id="0" name=""/>
         <dsp:cNvSpPr/>
       </dsp:nvSpPr>
       <dsp:spPr>
         <a:xfrm>
-          <a:off x="1356785" y="3282301"/>
-          <a:ext cx="3689333" cy="1152916"/>
+          <a:off x="7570186" y="0"/>
+          <a:ext cx="2699010" cy="1119705"/>
         </a:xfrm>
-        <a:prstGeom prst="rect">
-          <a:avLst/>
+        <a:prstGeom prst="roundRect">
+          <a:avLst>
+            <a:gd name="adj" fmla="val 10000"/>
+          </a:avLst>
         </a:prstGeom>
         <a:solidFill>
-          <a:schemeClr val="lt1">
-            <a:alpha val="40000"/>
+          <a:schemeClr val="accent1">
             <a:hueOff val="0"/>
             <a:satOff val="0"/>
             <a:lumOff val="0"/>
             <a:alphaOff val="0"/>
           </a:schemeClr>
         </a:solidFill>
-        <a:ln w="9525" cap="flat" cmpd="sng" algn="ctr">
+        <a:ln w="15875" cap="flat" cmpd="sng" algn="ctr">
           <a:solidFill>
-            <a:schemeClr val="accent1">
+            <a:schemeClr val="lt1">
               <a:hueOff val="0"/>
               <a:satOff val="0"/>
               <a:lumOff val="0"/>
@@ -6106,7 +5160,7 @@
         <a:effectLst/>
       </dsp:spPr>
       <dsp:style>
-        <a:lnRef idx="1">
+        <a:lnRef idx="2">
           <a:scrgbClr r="0" g="0" b="0"/>
         </a:lnRef>
         <a:fillRef idx="1">
@@ -6115,15 +5169,17 @@
         <a:effectRef idx="0">
           <a:scrgbClr r="0" g="0" b="0"/>
         </a:effectRef>
-        <a:fontRef idx="minor"/>
+        <a:fontRef idx="minor">
+          <a:schemeClr val="lt1"/>
+        </a:fontRef>
       </dsp:style>
       <dsp:txBody>
-        <a:bodyPr spcFirstLastPara="0" vert="horz" wrap="square" lIns="780909" tIns="95250" rIns="95250" bIns="95250" numCol="1" spcCol="1270" anchor="ctr" anchorCtr="0">
+        <a:bodyPr spcFirstLastPara="0" vert="horz" wrap="square" lIns="80010" tIns="80010" rIns="80010" bIns="80010" numCol="1" spcCol="1270" anchor="ctr" anchorCtr="0">
           <a:noAutofit/>
         </a:bodyPr>
         <a:lstStyle/>
         <a:p>
-          <a:pPr lvl="0" algn="l" defTabSz="1111250">
+          <a:pPr lvl="0" algn="ctr" defTabSz="933450">
             <a:lnSpc>
               <a:spcPct val="90000"/>
             </a:lnSpc>
@@ -6135,66 +5191,16 @@
             </a:spcAft>
           </a:pPr>
           <a:r>
-            <a:rPr lang="ru-RU" sz="2500" kern="1200" dirty="0" smtClean="0"/>
-            <a:t>Система управления базой данных</a:t>
+            <a:rPr lang="ru-RU" sz="2100" kern="1200" dirty="0" smtClean="0"/>
+            <a:t>Машинный код</a:t>
           </a:r>
-          <a:endParaRPr lang="ru-RU" sz="2500" kern="1200" dirty="0"/>
+          <a:endParaRPr lang="ru-RU" sz="2100" kern="1200" dirty="0"/>
         </a:p>
       </dsp:txBody>
       <dsp:txXfrm>
-        <a:off x="1356785" y="3282301"/>
-        <a:ext cx="3689333" cy="1152916"/>
+        <a:off x="7602981" y="32795"/>
+        <a:ext cx="2633420" cy="1054115"/>
       </dsp:txXfrm>
-    </dsp:sp>
-    <dsp:sp modelId="{3EFACBB0-7C95-4C04-B02B-B8C7F9142F7B}">
-      <dsp:nvSpPr>
-        <dsp:cNvPr id="0" name=""/>
-        <dsp:cNvSpPr/>
-      </dsp:nvSpPr>
-      <dsp:spPr>
-        <a:xfrm>
-          <a:off x="542191" y="3115769"/>
-          <a:ext cx="1349228" cy="1210562"/>
-        </a:xfrm>
-        <a:prstGeom prst="rect">
-          <a:avLst/>
-        </a:prstGeom>
-        <a:blipFill dpi="0" rotWithShape="1">
-          <a:blip xmlns:r="http://schemas.openxmlformats.org/officeDocument/2006/relationships" r:embed="rId3">
-            <a:extLst>
-              <a:ext uri="{28A0092B-C50C-407E-A947-70E740481C1C}">
-                <a14:useLocalDpi xmlns:a14="http://schemas.microsoft.com/office/drawing/2010/main" val="0"/>
-              </a:ext>
-            </a:extLst>
-          </a:blip>
-          <a:srcRect/>
-          <a:stretch>
-            <a:fillRect l="639" r="639"/>
-          </a:stretch>
-        </a:blipFill>
-        <a:ln>
-          <a:noFill/>
-        </a:ln>
-        <a:effectLst>
-          <a:outerShdw blurRad="57150" dist="19050" dir="5400000" algn="ctr" rotWithShape="0">
-            <a:srgbClr val="000000">
-              <a:alpha val="63000"/>
-            </a:srgbClr>
-          </a:outerShdw>
-        </a:effectLst>
-      </dsp:spPr>
-      <dsp:style>
-        <a:lnRef idx="0">
-          <a:scrgbClr r="0" g="0" b="0"/>
-        </a:lnRef>
-        <a:fillRef idx="1">
-          <a:scrgbClr r="0" g="0" b="0"/>
-        </a:fillRef>
-        <a:effectRef idx="3">
-          <a:scrgbClr r="0" g="0" b="0"/>
-        </a:effectRef>
-        <a:fontRef idx="minor"/>
-      </dsp:style>
     </dsp:sp>
   </dsp:spTree>
 </dsp:drawing>
@@ -7011,401 +6017,6 @@
 </dsp:drawing>
 </file>
 
-<file path=ppt/diagrams/drawing5.xml><?xml version="1.0" encoding="utf-8"?>
-<dsp:drawing xmlns:dgm="http://schemas.openxmlformats.org/drawingml/2006/diagram" xmlns:dsp="http://schemas.microsoft.com/office/drawing/2008/diagram" xmlns:a="http://schemas.openxmlformats.org/drawingml/2006/main">
-  <dsp:spTree>
-    <dsp:nvGrpSpPr>
-      <dsp:cNvPr id="0" name=""/>
-      <dsp:cNvGrpSpPr/>
-    </dsp:nvGrpSpPr>
-    <dsp:grpSpPr/>
-    <dsp:sp modelId="{7E73A2CB-7729-403B-B1BC-882FA403E5D3}">
-      <dsp:nvSpPr>
-        <dsp:cNvPr id="0" name=""/>
-        <dsp:cNvSpPr/>
-      </dsp:nvSpPr>
-      <dsp:spPr>
-        <a:xfrm>
-          <a:off x="0" y="0"/>
-          <a:ext cx="2706864" cy="1119705"/>
-        </a:xfrm>
-        <a:prstGeom prst="roundRect">
-          <a:avLst>
-            <a:gd name="adj" fmla="val 10000"/>
-          </a:avLst>
-        </a:prstGeom>
-        <a:solidFill>
-          <a:schemeClr val="accent1">
-            <a:hueOff val="0"/>
-            <a:satOff val="0"/>
-            <a:lumOff val="0"/>
-            <a:alphaOff val="0"/>
-          </a:schemeClr>
-        </a:solidFill>
-        <a:ln w="15875" cap="flat" cmpd="sng" algn="ctr">
-          <a:solidFill>
-            <a:schemeClr val="lt1">
-              <a:hueOff val="0"/>
-              <a:satOff val="0"/>
-              <a:lumOff val="0"/>
-              <a:alphaOff val="0"/>
-            </a:schemeClr>
-          </a:solidFill>
-          <a:prstDash val="solid"/>
-        </a:ln>
-        <a:effectLst/>
-      </dsp:spPr>
-      <dsp:style>
-        <a:lnRef idx="2">
-          <a:scrgbClr r="0" g="0" b="0"/>
-        </a:lnRef>
-        <a:fillRef idx="1">
-          <a:scrgbClr r="0" g="0" b="0"/>
-        </a:fillRef>
-        <a:effectRef idx="0">
-          <a:scrgbClr r="0" g="0" b="0"/>
-        </a:effectRef>
-        <a:fontRef idx="minor">
-          <a:schemeClr val="lt1"/>
-        </a:fontRef>
-      </dsp:style>
-      <dsp:txBody>
-        <a:bodyPr spcFirstLastPara="0" vert="horz" wrap="square" lIns="80010" tIns="80010" rIns="80010" bIns="80010" numCol="1" spcCol="1270" anchor="ctr" anchorCtr="0">
-          <a:noAutofit/>
-        </a:bodyPr>
-        <a:lstStyle/>
-        <a:p>
-          <a:pPr lvl="0" algn="ctr" defTabSz="933450">
-            <a:lnSpc>
-              <a:spcPct val="90000"/>
-            </a:lnSpc>
-            <a:spcBef>
-              <a:spcPct val="0"/>
-            </a:spcBef>
-            <a:spcAft>
-              <a:spcPct val="35000"/>
-            </a:spcAft>
-          </a:pPr>
-          <a:r>
-            <a:rPr lang="ru-RU" sz="2100" kern="1200" dirty="0" smtClean="0"/>
-            <a:t>Исходный код программы</a:t>
-          </a:r>
-          <a:endParaRPr lang="ru-RU" sz="2100" kern="1200" dirty="0"/>
-        </a:p>
-      </dsp:txBody>
-      <dsp:txXfrm>
-        <a:off x="32795" y="32795"/>
-        <a:ext cx="2641274" cy="1054115"/>
-      </dsp:txXfrm>
-    </dsp:sp>
-    <dsp:sp modelId="{CA5B0452-92F0-419B-90BD-E6B57005249D}">
-      <dsp:nvSpPr>
-        <dsp:cNvPr id="0" name=""/>
-        <dsp:cNvSpPr/>
-      </dsp:nvSpPr>
-      <dsp:spPr>
-        <a:xfrm>
-          <a:off x="2977058" y="225175"/>
-          <a:ext cx="572812" cy="669354"/>
-        </a:xfrm>
-        <a:prstGeom prst="rightArrow">
-          <a:avLst>
-            <a:gd name="adj1" fmla="val 60000"/>
-            <a:gd name="adj2" fmla="val 50000"/>
-          </a:avLst>
-        </a:prstGeom>
-        <a:solidFill>
-          <a:schemeClr val="accent1">
-            <a:tint val="60000"/>
-            <a:hueOff val="0"/>
-            <a:satOff val="0"/>
-            <a:lumOff val="0"/>
-            <a:alphaOff val="0"/>
-          </a:schemeClr>
-        </a:solidFill>
-        <a:ln>
-          <a:noFill/>
-        </a:ln>
-        <a:effectLst/>
-      </dsp:spPr>
-      <dsp:style>
-        <a:lnRef idx="0">
-          <a:scrgbClr r="0" g="0" b="0"/>
-        </a:lnRef>
-        <a:fillRef idx="1">
-          <a:scrgbClr r="0" g="0" b="0"/>
-        </a:fillRef>
-        <a:effectRef idx="0">
-          <a:scrgbClr r="0" g="0" b="0"/>
-        </a:effectRef>
-        <a:fontRef idx="minor">
-          <a:schemeClr val="lt1"/>
-        </a:fontRef>
-      </dsp:style>
-      <dsp:txBody>
-        <a:bodyPr spcFirstLastPara="0" vert="horz" wrap="square" lIns="0" tIns="0" rIns="0" bIns="0" numCol="1" spcCol="1270" anchor="ctr" anchorCtr="0">
-          <a:noAutofit/>
-        </a:bodyPr>
-        <a:lstStyle/>
-        <a:p>
-          <a:pPr lvl="0" algn="ctr" defTabSz="755650">
-            <a:lnSpc>
-              <a:spcPct val="90000"/>
-            </a:lnSpc>
-            <a:spcBef>
-              <a:spcPct val="0"/>
-            </a:spcBef>
-            <a:spcAft>
-              <a:spcPct val="35000"/>
-            </a:spcAft>
-          </a:pPr>
-          <a:endParaRPr lang="ru-RU" sz="1700" kern="1200"/>
-        </a:p>
-      </dsp:txBody>
-      <dsp:txXfrm>
-        <a:off x="2977058" y="359046"/>
-        <a:ext cx="400968" cy="401612"/>
-      </dsp:txXfrm>
-    </dsp:sp>
-    <dsp:sp modelId="{4464CDC2-A4A5-4213-A700-38483472A9F4}">
-      <dsp:nvSpPr>
-        <dsp:cNvPr id="0" name=""/>
-        <dsp:cNvSpPr/>
-      </dsp:nvSpPr>
-      <dsp:spPr>
-        <a:xfrm>
-          <a:off x="3787642" y="0"/>
-          <a:ext cx="2699010" cy="1119705"/>
-        </a:xfrm>
-        <a:prstGeom prst="roundRect">
-          <a:avLst>
-            <a:gd name="adj" fmla="val 10000"/>
-          </a:avLst>
-        </a:prstGeom>
-        <a:solidFill>
-          <a:schemeClr val="accent1">
-            <a:hueOff val="0"/>
-            <a:satOff val="0"/>
-            <a:lumOff val="0"/>
-            <a:alphaOff val="0"/>
-          </a:schemeClr>
-        </a:solidFill>
-        <a:ln w="15875" cap="flat" cmpd="sng" algn="ctr">
-          <a:solidFill>
-            <a:schemeClr val="lt1">
-              <a:hueOff val="0"/>
-              <a:satOff val="0"/>
-              <a:lumOff val="0"/>
-              <a:alphaOff val="0"/>
-            </a:schemeClr>
-          </a:solidFill>
-          <a:prstDash val="solid"/>
-        </a:ln>
-        <a:effectLst/>
-      </dsp:spPr>
-      <dsp:style>
-        <a:lnRef idx="2">
-          <a:scrgbClr r="0" g="0" b="0"/>
-        </a:lnRef>
-        <a:fillRef idx="1">
-          <a:scrgbClr r="0" g="0" b="0"/>
-        </a:fillRef>
-        <a:effectRef idx="0">
-          <a:scrgbClr r="0" g="0" b="0"/>
-        </a:effectRef>
-        <a:fontRef idx="minor">
-          <a:schemeClr val="lt1"/>
-        </a:fontRef>
-      </dsp:style>
-      <dsp:txBody>
-        <a:bodyPr spcFirstLastPara="0" vert="horz" wrap="square" lIns="80010" tIns="80010" rIns="80010" bIns="80010" numCol="1" spcCol="1270" anchor="ctr" anchorCtr="0">
-          <a:noAutofit/>
-        </a:bodyPr>
-        <a:lstStyle/>
-        <a:p>
-          <a:pPr lvl="0" algn="ctr" defTabSz="933450">
-            <a:lnSpc>
-              <a:spcPct val="90000"/>
-            </a:lnSpc>
-            <a:spcBef>
-              <a:spcPct val="0"/>
-            </a:spcBef>
-            <a:spcAft>
-              <a:spcPct val="35000"/>
-            </a:spcAft>
-          </a:pPr>
-          <a:r>
-            <a:rPr lang="ru-RU" sz="2100" kern="1200" dirty="0" smtClean="0"/>
-            <a:t>Байт-код на промежуточном языке (</a:t>
-          </a:r>
-          <a:r>
-            <a:rPr lang="en-US" sz="2100" kern="1200" dirty="0" smtClean="0"/>
-            <a:t>IL</a:t>
-          </a:r>
-          <a:r>
-            <a:rPr lang="ru-RU" sz="2100" kern="1200" dirty="0" smtClean="0"/>
-            <a:t>)</a:t>
-          </a:r>
-          <a:endParaRPr lang="ru-RU" sz="2100" kern="1200" dirty="0"/>
-        </a:p>
-      </dsp:txBody>
-      <dsp:txXfrm>
-        <a:off x="3820437" y="32795"/>
-        <a:ext cx="2633420" cy="1054115"/>
-      </dsp:txXfrm>
-    </dsp:sp>
-    <dsp:sp modelId="{7935217E-B951-4356-940A-A63908B859CC}">
-      <dsp:nvSpPr>
-        <dsp:cNvPr id="0" name=""/>
-        <dsp:cNvSpPr/>
-      </dsp:nvSpPr>
-      <dsp:spPr>
-        <a:xfrm>
-          <a:off x="6757536" y="225175"/>
-          <a:ext cx="574272" cy="669354"/>
-        </a:xfrm>
-        <a:prstGeom prst="rightArrow">
-          <a:avLst>
-            <a:gd name="adj1" fmla="val 60000"/>
-            <a:gd name="adj2" fmla="val 50000"/>
-          </a:avLst>
-        </a:prstGeom>
-        <a:solidFill>
-          <a:schemeClr val="accent1">
-            <a:tint val="60000"/>
-            <a:hueOff val="0"/>
-            <a:satOff val="0"/>
-            <a:lumOff val="0"/>
-            <a:alphaOff val="0"/>
-          </a:schemeClr>
-        </a:solidFill>
-        <a:ln>
-          <a:noFill/>
-        </a:ln>
-        <a:effectLst/>
-      </dsp:spPr>
-      <dsp:style>
-        <a:lnRef idx="0">
-          <a:scrgbClr r="0" g="0" b="0"/>
-        </a:lnRef>
-        <a:fillRef idx="1">
-          <a:scrgbClr r="0" g="0" b="0"/>
-        </a:fillRef>
-        <a:effectRef idx="0">
-          <a:scrgbClr r="0" g="0" b="0"/>
-        </a:effectRef>
-        <a:fontRef idx="minor">
-          <a:schemeClr val="lt1"/>
-        </a:fontRef>
-      </dsp:style>
-      <dsp:txBody>
-        <a:bodyPr spcFirstLastPara="0" vert="horz" wrap="square" lIns="0" tIns="0" rIns="0" bIns="0" numCol="1" spcCol="1270" anchor="ctr" anchorCtr="0">
-          <a:noAutofit/>
-        </a:bodyPr>
-        <a:lstStyle/>
-        <a:p>
-          <a:pPr lvl="0" algn="ctr" defTabSz="755650">
-            <a:lnSpc>
-              <a:spcPct val="90000"/>
-            </a:lnSpc>
-            <a:spcBef>
-              <a:spcPct val="0"/>
-            </a:spcBef>
-            <a:spcAft>
-              <a:spcPct val="35000"/>
-            </a:spcAft>
-          </a:pPr>
-          <a:endParaRPr lang="ru-RU" sz="1700" kern="1200"/>
-        </a:p>
-      </dsp:txBody>
-      <dsp:txXfrm>
-        <a:off x="6757536" y="359046"/>
-        <a:ext cx="401990" cy="401612"/>
-      </dsp:txXfrm>
-    </dsp:sp>
-    <dsp:sp modelId="{EFDD6F03-A80C-4CCC-942B-32FBFAE65F0C}">
-      <dsp:nvSpPr>
-        <dsp:cNvPr id="0" name=""/>
-        <dsp:cNvSpPr/>
-      </dsp:nvSpPr>
-      <dsp:spPr>
-        <a:xfrm>
-          <a:off x="7570186" y="0"/>
-          <a:ext cx="2699010" cy="1119705"/>
-        </a:xfrm>
-        <a:prstGeom prst="roundRect">
-          <a:avLst>
-            <a:gd name="adj" fmla="val 10000"/>
-          </a:avLst>
-        </a:prstGeom>
-        <a:solidFill>
-          <a:schemeClr val="accent1">
-            <a:hueOff val="0"/>
-            <a:satOff val="0"/>
-            <a:lumOff val="0"/>
-            <a:alphaOff val="0"/>
-          </a:schemeClr>
-        </a:solidFill>
-        <a:ln w="15875" cap="flat" cmpd="sng" algn="ctr">
-          <a:solidFill>
-            <a:schemeClr val="lt1">
-              <a:hueOff val="0"/>
-              <a:satOff val="0"/>
-              <a:lumOff val="0"/>
-              <a:alphaOff val="0"/>
-            </a:schemeClr>
-          </a:solidFill>
-          <a:prstDash val="solid"/>
-        </a:ln>
-        <a:effectLst/>
-      </dsp:spPr>
-      <dsp:style>
-        <a:lnRef idx="2">
-          <a:scrgbClr r="0" g="0" b="0"/>
-        </a:lnRef>
-        <a:fillRef idx="1">
-          <a:scrgbClr r="0" g="0" b="0"/>
-        </a:fillRef>
-        <a:effectRef idx="0">
-          <a:scrgbClr r="0" g="0" b="0"/>
-        </a:effectRef>
-        <a:fontRef idx="minor">
-          <a:schemeClr val="lt1"/>
-        </a:fontRef>
-      </dsp:style>
-      <dsp:txBody>
-        <a:bodyPr spcFirstLastPara="0" vert="horz" wrap="square" lIns="80010" tIns="80010" rIns="80010" bIns="80010" numCol="1" spcCol="1270" anchor="ctr" anchorCtr="0">
-          <a:noAutofit/>
-        </a:bodyPr>
-        <a:lstStyle/>
-        <a:p>
-          <a:pPr lvl="0" algn="ctr" defTabSz="933450">
-            <a:lnSpc>
-              <a:spcPct val="90000"/>
-            </a:lnSpc>
-            <a:spcBef>
-              <a:spcPct val="0"/>
-            </a:spcBef>
-            <a:spcAft>
-              <a:spcPct val="35000"/>
-            </a:spcAft>
-          </a:pPr>
-          <a:r>
-            <a:rPr lang="ru-RU" sz="2100" kern="1200" dirty="0" smtClean="0"/>
-            <a:t>Машинный код</a:t>
-          </a:r>
-          <a:endParaRPr lang="ru-RU" sz="2100" kern="1200" dirty="0"/>
-        </a:p>
-      </dsp:txBody>
-      <dsp:txXfrm>
-        <a:off x="7602981" y="32795"/>
-        <a:ext cx="2633420" cy="1054115"/>
-      </dsp:txXfrm>
-    </dsp:sp>
-  </dsp:spTree>
-</dsp:drawing>
-</file>
-
 <file path=ppt/diagrams/layout1.xml><?xml version="1.0" encoding="utf-8"?>
 <dgm:layoutDef xmlns:dgm="http://schemas.openxmlformats.org/drawingml/2006/diagram" xmlns:a="http://schemas.openxmlformats.org/drawingml/2006/main" uniqueId="urn:microsoft.com/office/officeart/2005/8/layout/hierarchy2">
   <dgm:title val=""/>
@@ -7727,33 +6338,16 @@
 </file>
 
 <file path=ppt/diagrams/layout2.xml><?xml version="1.0" encoding="utf-8"?>
-<dgm:layoutDef xmlns:dgm="http://schemas.openxmlformats.org/drawingml/2006/diagram" xmlns:a="http://schemas.openxmlformats.org/drawingml/2006/main" uniqueId="urn:microsoft.com/office/officeart/2008/layout/PictureStrips">
+<dgm:layoutDef xmlns:dgm="http://schemas.openxmlformats.org/drawingml/2006/diagram" xmlns:a="http://schemas.openxmlformats.org/drawingml/2006/main" uniqueId="urn:microsoft.com/office/officeart/2005/8/layout/process1">
   <dgm:title val=""/>
   <dgm:desc val=""/>
   <dgm:catLst>
-    <dgm:cat type="list" pri="12500"/>
-    <dgm:cat type="picture" pri="13000"/>
-    <dgm:cat type="pictureconvert" pri="13000"/>
+    <dgm:cat type="process" pri="1000"/>
+    <dgm:cat type="convert" pri="15000"/>
   </dgm:catLst>
-  <dgm:sampData>
+  <dgm:sampData useDef="1">
     <dgm:dataModel>
-      <dgm:ptLst>
-        <dgm:pt modelId="0" type="doc"/>
-        <dgm:pt modelId="10">
-          <dgm:prSet phldr="1"/>
-        </dgm:pt>
-        <dgm:pt modelId="20">
-          <dgm:prSet phldr="1"/>
-        </dgm:pt>
-        <dgm:pt modelId="30">
-          <dgm:prSet phldr="1"/>
-        </dgm:pt>
-      </dgm:ptLst>
-      <dgm:cxnLst>
-        <dgm:cxn modelId="40" srcId="0" destId="10" srcOrd="0" destOrd="0"/>
-        <dgm:cxn modelId="50" srcId="0" destId="20" srcOrd="1" destOrd="0"/>
-        <dgm:cxn modelId="60" srcId="0" destId="30" srcOrd="2" destOrd="0"/>
-      </dgm:cxnLst>
+      <dgm:ptLst/>
       <dgm:bg/>
       <dgm:whole/>
     </dgm:dataModel>
@@ -7762,16 +6356,12 @@
     <dgm:dataModel>
       <dgm:ptLst>
         <dgm:pt modelId="0" type="doc"/>
-        <dgm:pt modelId="10">
-          <dgm:prSet phldr="1"/>
-        </dgm:pt>
-        <dgm:pt modelId="20">
-          <dgm:prSet phldr="1"/>
-        </dgm:pt>
+        <dgm:pt modelId="1"/>
+        <dgm:pt modelId="2"/>
       </dgm:ptLst>
       <dgm:cxnLst>
-        <dgm:cxn modelId="40" srcId="0" destId="10" srcOrd="0" destOrd="0"/>
-        <dgm:cxn modelId="50" srcId="0" destId="20" srcOrd="1" destOrd="0"/>
+        <dgm:cxn modelId="3" srcId="0" destId="1" srcOrd="0" destOrd="0"/>
+        <dgm:cxn modelId="4" srcId="0" destId="2" srcOrd="1" destOrd="0"/>
       </dgm:cxnLst>
       <dgm:bg/>
       <dgm:whole/>
@@ -7781,24 +6371,16 @@
     <dgm:dataModel>
       <dgm:ptLst>
         <dgm:pt modelId="0" type="doc"/>
-        <dgm:pt modelId="10">
-          <dgm:prSet phldr="1"/>
-        </dgm:pt>
-        <dgm:pt modelId="20">
-          <dgm:prSet phldr="1"/>
-        </dgm:pt>
-        <dgm:pt modelId="30">
-          <dgm:prSet phldr="1"/>
-        </dgm:pt>
-        <dgm:pt modelId="40">
-          <dgm:prSet phldr="1"/>
-        </dgm:pt>
+        <dgm:pt modelId="1"/>
+        <dgm:pt modelId="2"/>
+        <dgm:pt modelId="3"/>
+        <dgm:pt modelId="4"/>
       </dgm:ptLst>
       <dgm:cxnLst>
-        <dgm:cxn modelId="40" srcId="0" destId="10" srcOrd="0" destOrd="0"/>
-        <dgm:cxn modelId="50" srcId="0" destId="20" srcOrd="1" destOrd="0"/>
-        <dgm:cxn modelId="60" srcId="0" destId="30" srcOrd="2" destOrd="0"/>
-        <dgm:cxn modelId="70" srcId="0" destId="40" srcOrd="2" destOrd="0"/>
+        <dgm:cxn modelId="5" srcId="0" destId="1" srcOrd="0" destOrd="0"/>
+        <dgm:cxn modelId="6" srcId="0" destId="2" srcOrd="1" destOrd="0"/>
+        <dgm:cxn modelId="7" srcId="0" destId="3" srcOrd="2" destOrd="0"/>
+        <dgm:cxn modelId="8" srcId="0" destId="4" srcOrd="3" destOrd="0"/>
       </dgm:cxnLst>
       <dgm:bg/>
       <dgm:whole/>
@@ -7811,109 +6393,89 @@
     </dgm:varLst>
     <dgm:choose name="Name1">
       <dgm:if name="Name2" func="var" arg="dir" op="equ" val="norm">
-        <dgm:alg type="snake">
-          <dgm:param type="off" val="ctr"/>
-        </dgm:alg>
+        <dgm:alg type="lin"/>
       </dgm:if>
       <dgm:else name="Name3">
-        <dgm:alg type="snake">
-          <dgm:param type="off" val="ctr"/>
-          <dgm:param type="grDir" val="tR"/>
+        <dgm:alg type="lin">
+          <dgm:param type="linDir" val="fromR"/>
         </dgm:alg>
       </dgm:else>
     </dgm:choose>
     <dgm:shape xmlns:r="http://schemas.openxmlformats.org/officeDocument/2006/relationships" r:blip="">
       <dgm:adjLst/>
     </dgm:shape>
+    <dgm:presOf/>
     <dgm:constrLst>
-      <dgm:constr type="primFontSz" for="des" ptType="node" op="equ" val="65"/>
-      <dgm:constr type="w" for="ch" forName="composite" refType="w"/>
-      <dgm:constr type="h" for="ch" forName="composite" refType="h"/>
-      <dgm:constr type="sp" refType="h" refFor="ch" refForName="composite" op="equ" fact="0.1"/>
-      <dgm:constr type="h" for="ch" forName="sibTrans" refType="h" refFor="ch" refForName="composite" op="equ" fact="0.1"/>
-      <dgm:constr type="w" for="ch" forName="sibTrans" refType="h" refFor="ch" refForName="sibTrans" op="equ"/>
+      <dgm:constr type="w" for="ch" ptType="node" refType="w"/>
+      <dgm:constr type="h" for="ch" ptType="node" op="equ"/>
+      <dgm:constr type="primFontSz" for="ch" ptType="node" op="equ" val="65"/>
+      <dgm:constr type="w" for="ch" ptType="sibTrans" refType="w" refFor="ch" refPtType="node" op="equ" fact="0.4"/>
+      <dgm:constr type="h" for="ch" ptType="sibTrans" op="equ"/>
+      <dgm:constr type="primFontSz" for="des" forName="connectorText" op="equ" val="55"/>
+      <dgm:constr type="primFontSz" for="des" forName="connectorText" refType="primFontSz" refFor="ch" refPtType="node" op="lte" fact="0.8"/>
     </dgm:constrLst>
+    <dgm:ruleLst/>
     <dgm:forEach name="nodesForEach" axis="ch" ptType="node">
-      <dgm:layoutNode name="composite">
-        <dgm:alg type="composite">
-          <dgm:param type="ar" val="3"/>
-        </dgm:alg>
-        <dgm:shape xmlns:r="http://schemas.openxmlformats.org/officeDocument/2006/relationships" r:blip="">
-          <dgm:adjLst/>
+      <dgm:layoutNode name="node">
+        <dgm:varLst>
+          <dgm:bulletEnabled val="1"/>
+        </dgm:varLst>
+        <dgm:alg type="tx"/>
+        <dgm:shape xmlns:r="http://schemas.openxmlformats.org/officeDocument/2006/relationships" type="roundRect" r:blip="">
+          <dgm:adjLst>
+            <dgm:adj idx="1" val="0.1"/>
+          </dgm:adjLst>
         </dgm:shape>
-        <dgm:choose name="Name4">
-          <dgm:if name="Name5" func="var" arg="dir" op="equ" val="norm">
-            <dgm:constrLst>
-              <dgm:constr type="l" for="ch" forName="rect1" refType="w" fact="0.04"/>
-              <dgm:constr type="t" for="ch" forName="rect1" refType="h" fact="0.13"/>
-              <dgm:constr type="w" for="ch" forName="rect1" refType="w" fact="0.96"/>
-              <dgm:constr type="h" for="ch" forName="rect1" refType="h" fact="0.9"/>
-              <dgm:constr type="l" for="ch" forName="rect2" refType="w" fact="0"/>
-              <dgm:constr type="t" for="ch" forName="rect2" refType="h" fact="0"/>
-              <dgm:constr type="w" for="ch" forName="rect2" refType="w" fact="0.21"/>
-              <dgm:constr type="h" for="ch" forName="rect2" refType="w" fact="0.315"/>
-            </dgm:constrLst>
-          </dgm:if>
-          <dgm:else name="Name6">
-            <dgm:constrLst>
-              <dgm:constr type="l" for="ch" forName="rect1" refType="w" fact="0"/>
-              <dgm:constr type="t" for="ch" forName="rect1" refType="h" fact="0.13"/>
-              <dgm:constr type="w" for="ch" forName="rect1" refType="w" fact="0.96"/>
-              <dgm:constr type="h" for="ch" forName="rect1" refType="h" fact="0.9"/>
-              <dgm:constr type="l" for="ch" forName="rect2" refType="w" fact="0.79"/>
-              <dgm:constr type="t" for="ch" forName="rect2" refType="h" fact="0"/>
-              <dgm:constr type="w" for="ch" forName="rect2" refType="w" fact="0.21"/>
-              <dgm:constr type="h" for="ch" forName="rect2" refType="w" fact="0.315"/>
-            </dgm:constrLst>
-          </dgm:else>
-        </dgm:choose>
-        <dgm:layoutNode name="rect1" styleLbl="trAlignAcc1">
-          <dgm:varLst>
-            <dgm:bulletEnabled val="1"/>
-          </dgm:varLst>
-          <dgm:alg type="tx">
-            <dgm:param type="parTxLTRAlign" val="l"/>
-          </dgm:alg>
-          <dgm:shape xmlns:r="http://schemas.openxmlformats.org/officeDocument/2006/relationships" type="rect" r:blip="">
-            <dgm:adjLst/>
-          </dgm:shape>
-          <dgm:presOf axis="desOrSelf" ptType="node"/>
-          <dgm:choose name="Name7">
-            <dgm:if name="Name8" func="var" arg="dir" op="equ" val="norm">
-              <dgm:constrLst>
-                <dgm:constr type="lMarg" refType="w" fact="0.6"/>
-                <dgm:constr type="rMarg" refType="primFontSz" fact="0.3"/>
-                <dgm:constr type="tMarg" refType="primFontSz" fact="0.3"/>
-                <dgm:constr type="bMarg" refType="primFontSz" fact="0.3"/>
-              </dgm:constrLst>
-            </dgm:if>
-            <dgm:else name="Name9">
-              <dgm:constrLst>
-                <dgm:constr type="lMarg" refType="primFontSz" fact="0.3"/>
-                <dgm:constr type="rMarg" refType="w" fact="0.6"/>
-                <dgm:constr type="tMarg" refType="primFontSz" fact="0.3"/>
-                <dgm:constr type="bMarg" refType="primFontSz" fact="0.3"/>
-              </dgm:constrLst>
-            </dgm:else>
-          </dgm:choose>
-          <dgm:ruleLst>
-            <dgm:rule type="primFontSz" val="5" fact="NaN" max="NaN"/>
-          </dgm:ruleLst>
-        </dgm:layoutNode>
-        <dgm:layoutNode name="rect2" styleLbl="fgImgPlace1">
-          <dgm:alg type="sp"/>
-          <dgm:shape xmlns:r="http://schemas.openxmlformats.org/officeDocument/2006/relationships" type="rect" r:blip="" blipPhldr="1">
-            <dgm:adjLst/>
-          </dgm:shape>
-          <dgm:presOf/>
-        </dgm:layoutNode>
+        <dgm:presOf axis="desOrSelf" ptType="node"/>
+        <dgm:constrLst>
+          <dgm:constr type="h" refType="w" fact="0.6"/>
+          <dgm:constr type="tMarg" refType="primFontSz" fact="0.3"/>
+          <dgm:constr type="bMarg" refType="primFontSz" fact="0.3"/>
+          <dgm:constr type="lMarg" refType="primFontSz" fact="0.3"/>
+          <dgm:constr type="rMarg" refType="primFontSz" fact="0.3"/>
+        </dgm:constrLst>
+        <dgm:ruleLst>
+          <dgm:rule type="primFontSz" val="18" fact="NaN" max="NaN"/>
+          <dgm:rule type="h" val="NaN" fact="1.5" max="NaN"/>
+          <dgm:rule type="primFontSz" val="5" fact="NaN" max="NaN"/>
+          <dgm:rule type="h" val="INF" fact="NaN" max="NaN"/>
+        </dgm:ruleLst>
       </dgm:layoutNode>
       <dgm:forEach name="sibTransForEach" axis="followSib" ptType="sibTrans" cnt="1">
         <dgm:layoutNode name="sibTrans">
-          <dgm:alg type="sp"/>
-          <dgm:shape xmlns:r="http://schemas.openxmlformats.org/officeDocument/2006/relationships" r:blip="">
+          <dgm:alg type="conn">
+            <dgm:param type="begPts" val="auto"/>
+            <dgm:param type="endPts" val="auto"/>
+          </dgm:alg>
+          <dgm:shape xmlns:r="http://schemas.openxmlformats.org/officeDocument/2006/relationships" type="conn" r:blip="">
             <dgm:adjLst/>
           </dgm:shape>
+          <dgm:presOf axis="self"/>
+          <dgm:constrLst>
+            <dgm:constr type="h" refType="w" fact="0.62"/>
+            <dgm:constr type="connDist"/>
+            <dgm:constr type="begPad" refType="connDist" fact="0.25"/>
+            <dgm:constr type="endPad" refType="connDist" fact="0.22"/>
+          </dgm:constrLst>
+          <dgm:ruleLst/>
+          <dgm:layoutNode name="connectorText">
+            <dgm:alg type="tx">
+              <dgm:param type="autoTxRot" val="grav"/>
+            </dgm:alg>
+            <dgm:shape xmlns:r="http://schemas.openxmlformats.org/officeDocument/2006/relationships" type="conn" r:blip="" hideGeom="1">
+              <dgm:adjLst/>
+            </dgm:shape>
+            <dgm:presOf axis="self"/>
+            <dgm:constrLst>
+              <dgm:constr type="lMarg"/>
+              <dgm:constr type="rMarg"/>
+              <dgm:constr type="tMarg"/>
+              <dgm:constr type="bMarg"/>
+            </dgm:constrLst>
+            <dgm:ruleLst>
+              <dgm:rule type="primFontSz" val="5" fact="NaN" max="NaN"/>
+            </dgm:ruleLst>
+          </dgm:layoutNode>
         </dgm:layoutNode>
       </dgm:forEach>
     </dgm:forEach>
@@ -8419,152 +6981,6 @@
 </dgm:layoutDef>
 </file>
 
-<file path=ppt/diagrams/layout5.xml><?xml version="1.0" encoding="utf-8"?>
-<dgm:layoutDef xmlns:dgm="http://schemas.openxmlformats.org/drawingml/2006/diagram" xmlns:a="http://schemas.openxmlformats.org/drawingml/2006/main" uniqueId="urn:microsoft.com/office/officeart/2005/8/layout/process1">
-  <dgm:title val=""/>
-  <dgm:desc val=""/>
-  <dgm:catLst>
-    <dgm:cat type="process" pri="1000"/>
-    <dgm:cat type="convert" pri="15000"/>
-  </dgm:catLst>
-  <dgm:sampData useDef="1">
-    <dgm:dataModel>
-      <dgm:ptLst/>
-      <dgm:bg/>
-      <dgm:whole/>
-    </dgm:dataModel>
-  </dgm:sampData>
-  <dgm:styleData>
-    <dgm:dataModel>
-      <dgm:ptLst>
-        <dgm:pt modelId="0" type="doc"/>
-        <dgm:pt modelId="1"/>
-        <dgm:pt modelId="2"/>
-      </dgm:ptLst>
-      <dgm:cxnLst>
-        <dgm:cxn modelId="3" srcId="0" destId="1" srcOrd="0" destOrd="0"/>
-        <dgm:cxn modelId="4" srcId="0" destId="2" srcOrd="1" destOrd="0"/>
-      </dgm:cxnLst>
-      <dgm:bg/>
-      <dgm:whole/>
-    </dgm:dataModel>
-  </dgm:styleData>
-  <dgm:clrData>
-    <dgm:dataModel>
-      <dgm:ptLst>
-        <dgm:pt modelId="0" type="doc"/>
-        <dgm:pt modelId="1"/>
-        <dgm:pt modelId="2"/>
-        <dgm:pt modelId="3"/>
-        <dgm:pt modelId="4"/>
-      </dgm:ptLst>
-      <dgm:cxnLst>
-        <dgm:cxn modelId="5" srcId="0" destId="1" srcOrd="0" destOrd="0"/>
-        <dgm:cxn modelId="6" srcId="0" destId="2" srcOrd="1" destOrd="0"/>
-        <dgm:cxn modelId="7" srcId="0" destId="3" srcOrd="2" destOrd="0"/>
-        <dgm:cxn modelId="8" srcId="0" destId="4" srcOrd="3" destOrd="0"/>
-      </dgm:cxnLst>
-      <dgm:bg/>
-      <dgm:whole/>
-    </dgm:dataModel>
-  </dgm:clrData>
-  <dgm:layoutNode name="Name0">
-    <dgm:varLst>
-      <dgm:dir/>
-      <dgm:resizeHandles val="exact"/>
-    </dgm:varLst>
-    <dgm:choose name="Name1">
-      <dgm:if name="Name2" func="var" arg="dir" op="equ" val="norm">
-        <dgm:alg type="lin"/>
-      </dgm:if>
-      <dgm:else name="Name3">
-        <dgm:alg type="lin">
-          <dgm:param type="linDir" val="fromR"/>
-        </dgm:alg>
-      </dgm:else>
-    </dgm:choose>
-    <dgm:shape xmlns:r="http://schemas.openxmlformats.org/officeDocument/2006/relationships" r:blip="">
-      <dgm:adjLst/>
-    </dgm:shape>
-    <dgm:presOf/>
-    <dgm:constrLst>
-      <dgm:constr type="w" for="ch" ptType="node" refType="w"/>
-      <dgm:constr type="h" for="ch" ptType="node" op="equ"/>
-      <dgm:constr type="primFontSz" for="ch" ptType="node" op="equ" val="65"/>
-      <dgm:constr type="w" for="ch" ptType="sibTrans" refType="w" refFor="ch" refPtType="node" op="equ" fact="0.4"/>
-      <dgm:constr type="h" for="ch" ptType="sibTrans" op="equ"/>
-      <dgm:constr type="primFontSz" for="des" forName="connectorText" op="equ" val="55"/>
-      <dgm:constr type="primFontSz" for="des" forName="connectorText" refType="primFontSz" refFor="ch" refPtType="node" op="lte" fact="0.8"/>
-    </dgm:constrLst>
-    <dgm:ruleLst/>
-    <dgm:forEach name="nodesForEach" axis="ch" ptType="node">
-      <dgm:layoutNode name="node">
-        <dgm:varLst>
-          <dgm:bulletEnabled val="1"/>
-        </dgm:varLst>
-        <dgm:alg type="tx"/>
-        <dgm:shape xmlns:r="http://schemas.openxmlformats.org/officeDocument/2006/relationships" type="roundRect" r:blip="">
-          <dgm:adjLst>
-            <dgm:adj idx="1" val="0.1"/>
-          </dgm:adjLst>
-        </dgm:shape>
-        <dgm:presOf axis="desOrSelf" ptType="node"/>
-        <dgm:constrLst>
-          <dgm:constr type="h" refType="w" fact="0.6"/>
-          <dgm:constr type="tMarg" refType="primFontSz" fact="0.3"/>
-          <dgm:constr type="bMarg" refType="primFontSz" fact="0.3"/>
-          <dgm:constr type="lMarg" refType="primFontSz" fact="0.3"/>
-          <dgm:constr type="rMarg" refType="primFontSz" fact="0.3"/>
-        </dgm:constrLst>
-        <dgm:ruleLst>
-          <dgm:rule type="primFontSz" val="18" fact="NaN" max="NaN"/>
-          <dgm:rule type="h" val="NaN" fact="1.5" max="NaN"/>
-          <dgm:rule type="primFontSz" val="5" fact="NaN" max="NaN"/>
-          <dgm:rule type="h" val="INF" fact="NaN" max="NaN"/>
-        </dgm:ruleLst>
-      </dgm:layoutNode>
-      <dgm:forEach name="sibTransForEach" axis="followSib" ptType="sibTrans" cnt="1">
-        <dgm:layoutNode name="sibTrans">
-          <dgm:alg type="conn">
-            <dgm:param type="begPts" val="auto"/>
-            <dgm:param type="endPts" val="auto"/>
-          </dgm:alg>
-          <dgm:shape xmlns:r="http://schemas.openxmlformats.org/officeDocument/2006/relationships" type="conn" r:blip="">
-            <dgm:adjLst/>
-          </dgm:shape>
-          <dgm:presOf axis="self"/>
-          <dgm:constrLst>
-            <dgm:constr type="h" refType="w" fact="0.62"/>
-            <dgm:constr type="connDist"/>
-            <dgm:constr type="begPad" refType="connDist" fact="0.25"/>
-            <dgm:constr type="endPad" refType="connDist" fact="0.22"/>
-          </dgm:constrLst>
-          <dgm:ruleLst/>
-          <dgm:layoutNode name="connectorText">
-            <dgm:alg type="tx">
-              <dgm:param type="autoTxRot" val="grav"/>
-            </dgm:alg>
-            <dgm:shape xmlns:r="http://schemas.openxmlformats.org/officeDocument/2006/relationships" type="conn" r:blip="" hideGeom="1">
-              <dgm:adjLst/>
-            </dgm:shape>
-            <dgm:presOf axis="self"/>
-            <dgm:constrLst>
-              <dgm:constr type="lMarg"/>
-              <dgm:constr type="rMarg"/>
-              <dgm:constr type="tMarg"/>
-              <dgm:constr type="bMarg"/>
-            </dgm:constrLst>
-            <dgm:ruleLst>
-              <dgm:rule type="primFontSz" val="5" fact="NaN" max="NaN"/>
-            </dgm:ruleLst>
-          </dgm:layoutNode>
-        </dgm:layoutNode>
-      </dgm:forEach>
-    </dgm:forEach>
-  </dgm:layoutNode>
-</dgm:layoutDef>
-</file>
-
 <file path=ppt/diagrams/quickStyle1.xml><?xml version="1.0" encoding="utf-8"?>
 <dgm:styleDef xmlns:dgm="http://schemas.openxmlformats.org/drawingml/2006/diagram" xmlns:a="http://schemas.openxmlformats.org/drawingml/2006/main" uniqueId="urn:microsoft.com/office/officeart/2005/8/quickstyle/simple1">
   <dgm:title val=""/>
@@ -9600,11 +8016,11 @@
 </file>
 
 <file path=ppt/diagrams/quickStyle2.xml><?xml version="1.0" encoding="utf-8"?>
-<dgm:styleDef xmlns:dgm="http://schemas.openxmlformats.org/drawingml/2006/diagram" xmlns:a="http://schemas.openxmlformats.org/drawingml/2006/main" uniqueId="urn:microsoft.com/office/officeart/2005/8/quickstyle/simple5">
+<dgm:styleDef xmlns:dgm="http://schemas.openxmlformats.org/drawingml/2006/diagram" xmlns:a="http://schemas.openxmlformats.org/drawingml/2006/main" uniqueId="urn:microsoft.com/office/officeart/2005/8/quickstyle/simple1">
   <dgm:title val=""/>
   <dgm:desc val=""/>
   <dgm:catLst>
-    <dgm:cat type="simple" pri="10500"/>
+    <dgm:cat type="simple" pri="10100"/>
   </dgm:catLst>
   <dgm:scene3d>
     <a:camera prst="orthographicFront"/>
@@ -9618,13 +8034,13 @@
     <dgm:sp3d/>
     <dgm:txPr/>
     <dgm:style>
-      <a:lnRef idx="0">
+      <a:lnRef idx="2">
         <a:scrgbClr r="0" g="0" b="0"/>
       </a:lnRef>
-      <a:fillRef idx="3">
+      <a:fillRef idx="1">
         <a:scrgbClr r="0" g="0" b="0"/>
       </a:fillRef>
-      <a:effectRef idx="3">
+      <a:effectRef idx="0">
         <a:scrgbClr r="0" g="0" b="0"/>
       </a:effectRef>
       <a:fontRef idx="minor">
@@ -9640,13 +8056,13 @@
     <dgm:sp3d/>
     <dgm:txPr/>
     <dgm:style>
-      <a:lnRef idx="0">
+      <a:lnRef idx="2">
         <a:scrgbClr r="0" g="0" b="0"/>
       </a:lnRef>
-      <a:fillRef idx="3">
+      <a:fillRef idx="1">
         <a:scrgbClr r="0" g="0" b="0"/>
       </a:fillRef>
-      <a:effectRef idx="3">
+      <a:effectRef idx="0">
         <a:scrgbClr r="0" g="0" b="0"/>
       </a:effectRef>
       <a:fontRef idx="minor">
@@ -9662,13 +8078,13 @@
     <dgm:sp3d/>
     <dgm:txPr/>
     <dgm:style>
-      <a:lnRef idx="0">
+      <a:lnRef idx="2">
         <a:scrgbClr r="0" g="0" b="0"/>
       </a:lnRef>
-      <a:fillRef idx="3">
+      <a:fillRef idx="1">
         <a:scrgbClr r="0" g="0" b="0"/>
       </a:fillRef>
-      <a:effectRef idx="3">
+      <a:effectRef idx="0">
         <a:scrgbClr r="0" g="0" b="0"/>
       </a:effectRef>
       <a:fontRef idx="minor">
@@ -9684,13 +8100,13 @@
     <dgm:sp3d/>
     <dgm:txPr/>
     <dgm:style>
-      <a:lnRef idx="1">
+      <a:lnRef idx="2">
         <a:scrgbClr r="0" g="0" b="0"/>
       </a:lnRef>
-      <a:fillRef idx="3">
+      <a:fillRef idx="1">
         <a:scrgbClr r="0" g="0" b="0"/>
       </a:fillRef>
-      <a:effectRef idx="3">
+      <a:effectRef idx="0">
         <a:scrgbClr r="0" g="0" b="0"/>
       </a:effectRef>
       <a:fontRef idx="minor">
@@ -9706,13 +8122,13 @@
     <dgm:sp3d/>
     <dgm:txPr/>
     <dgm:style>
-      <a:lnRef idx="0">
+      <a:lnRef idx="2">
         <a:scrgbClr r="0" g="0" b="0"/>
       </a:lnRef>
-      <a:fillRef idx="3">
+      <a:fillRef idx="1">
         <a:scrgbClr r="0" g="0" b="0"/>
       </a:fillRef>
-      <a:effectRef idx="3">
+      <a:effectRef idx="0">
         <a:scrgbClr r="0" g="0" b="0"/>
       </a:effectRef>
       <a:fontRef idx="minor">
@@ -9728,13 +8144,13 @@
     <dgm:sp3d/>
     <dgm:txPr/>
     <dgm:style>
-      <a:lnRef idx="0">
+      <a:lnRef idx="2">
         <a:scrgbClr r="0" g="0" b="0"/>
       </a:lnRef>
-      <a:fillRef idx="3">
+      <a:fillRef idx="1">
         <a:scrgbClr r="0" g="0" b="0"/>
       </a:fillRef>
-      <a:effectRef idx="3">
+      <a:effectRef idx="0">
         <a:scrgbClr r="0" g="0" b="0"/>
       </a:effectRef>
       <a:fontRef idx="minor">
@@ -9750,13 +8166,13 @@
     <dgm:sp3d/>
     <dgm:txPr/>
     <dgm:style>
-      <a:lnRef idx="0">
+      <a:lnRef idx="2">
         <a:scrgbClr r="0" g="0" b="0"/>
       </a:lnRef>
-      <a:fillRef idx="3">
+      <a:fillRef idx="1">
         <a:scrgbClr r="0" g="0" b="0"/>
       </a:fillRef>
-      <a:effectRef idx="3">
+      <a:effectRef idx="0">
         <a:scrgbClr r="0" g="0" b="0"/>
       </a:effectRef>
       <a:fontRef idx="minor">
@@ -9772,13 +8188,13 @@
     <dgm:sp3d/>
     <dgm:txPr/>
     <dgm:style>
-      <a:lnRef idx="0">
+      <a:lnRef idx="2">
         <a:scrgbClr r="0" g="0" b="0"/>
       </a:lnRef>
-      <a:fillRef idx="3">
+      <a:fillRef idx="1">
         <a:scrgbClr r="0" g="0" b="0"/>
       </a:fillRef>
-      <a:effectRef idx="3">
+      <a:effectRef idx="0">
         <a:scrgbClr r="0" g="0" b="0"/>
       </a:effectRef>
       <a:fontRef idx="minor">
@@ -9794,13 +8210,13 @@
     <dgm:sp3d/>
     <dgm:txPr/>
     <dgm:style>
-      <a:lnRef idx="0">
+      <a:lnRef idx="2">
         <a:scrgbClr r="0" g="0" b="0"/>
       </a:lnRef>
       <a:fillRef idx="1">
         <a:scrgbClr r="0" g="0" b="0"/>
       </a:fillRef>
-      <a:effectRef idx="3">
+      <a:effectRef idx="0">
         <a:scrgbClr r="0" g="0" b="0"/>
       </a:effectRef>
       <a:fontRef idx="minor"/>
@@ -9814,13 +8230,13 @@
     <dgm:sp3d/>
     <dgm:txPr/>
     <dgm:style>
-      <a:lnRef idx="0">
+      <a:lnRef idx="2">
         <a:scrgbClr r="0" g="0" b="0"/>
       </a:lnRef>
       <a:fillRef idx="1">
         <a:scrgbClr r="0" g="0" b="0"/>
       </a:fillRef>
-      <a:effectRef idx="3">
+      <a:effectRef idx="0">
         <a:scrgbClr r="0" g="0" b="0"/>
       </a:effectRef>
       <a:fontRef idx="minor"/>
@@ -9834,13 +8250,13 @@
     <dgm:sp3d/>
     <dgm:txPr/>
     <dgm:style>
-      <a:lnRef idx="0">
+      <a:lnRef idx="2">
         <a:scrgbClr r="0" g="0" b="0"/>
       </a:lnRef>
       <a:fillRef idx="1">
         <a:scrgbClr r="0" g="0" b="0"/>
       </a:fillRef>
-      <a:effectRef idx="3">
+      <a:effectRef idx="0">
         <a:scrgbClr r="0" g="0" b="0"/>
       </a:effectRef>
       <a:fontRef idx="minor"/>
@@ -9857,10 +8273,10 @@
       <a:lnRef idx="0">
         <a:scrgbClr r="0" g="0" b="0"/>
       </a:lnRef>
-      <a:fillRef idx="3">
+      <a:fillRef idx="1">
         <a:scrgbClr r="0" g="0" b="0"/>
       </a:fillRef>
-      <a:effectRef idx="3">
+      <a:effectRef idx="0">
         <a:scrgbClr r="0" g="0" b="0"/>
       </a:effectRef>
       <a:fontRef idx="minor">
@@ -9879,10 +8295,10 @@
       <a:lnRef idx="0">
         <a:scrgbClr r="0" g="0" b="0"/>
       </a:lnRef>
-      <a:fillRef idx="3">
+      <a:fillRef idx="1">
         <a:scrgbClr r="0" g="0" b="0"/>
       </a:fillRef>
-      <a:effectRef idx="3">
+      <a:effectRef idx="0">
         <a:scrgbClr r="0" g="0" b="0"/>
       </a:effectRef>
       <a:fontRef idx="minor">
@@ -9901,10 +8317,10 @@
       <a:lnRef idx="0">
         <a:scrgbClr r="0" g="0" b="0"/>
       </a:lnRef>
-      <a:fillRef idx="3">
+      <a:fillRef idx="1">
         <a:scrgbClr r="0" g="0" b="0"/>
       </a:fillRef>
-      <a:effectRef idx="3">
+      <a:effectRef idx="0">
         <a:scrgbClr r="0" g="0" b="0"/>
       </a:effectRef>
       <a:fontRef idx="minor">
@@ -9940,13 +8356,13 @@
     <dgm:sp3d/>
     <dgm:txPr/>
     <dgm:style>
-      <a:lnRef idx="1">
+      <a:lnRef idx="2">
         <a:scrgbClr r="0" g="0" b="0"/>
       </a:lnRef>
-      <a:fillRef idx="0">
+      <a:fillRef idx="1">
         <a:scrgbClr r="0" g="0" b="0"/>
       </a:fillRef>
-      <a:effectRef idx="1">
+      <a:effectRef idx="0">
         <a:scrgbClr r="0" g="0" b="0"/>
       </a:effectRef>
       <a:fontRef idx="minor"/>
@@ -9960,13 +8376,13 @@
     <dgm:sp3d/>
     <dgm:txPr/>
     <dgm:style>
-      <a:lnRef idx="0">
+      <a:lnRef idx="2">
         <a:scrgbClr r="0" g="0" b="0"/>
       </a:lnRef>
-      <a:fillRef idx="3">
+      <a:fillRef idx="1">
         <a:scrgbClr r="0" g="0" b="0"/>
       </a:fillRef>
-      <a:effectRef idx="3">
+      <a:effectRef idx="0">
         <a:scrgbClr r="0" g="0" b="0"/>
       </a:effectRef>
       <a:fontRef idx="minor">
@@ -9982,13 +8398,13 @@
     <dgm:sp3d/>
     <dgm:txPr/>
     <dgm:style>
-      <a:lnRef idx="0">
+      <a:lnRef idx="2">
         <a:scrgbClr r="0" g="0" b="0"/>
       </a:lnRef>
-      <a:fillRef idx="3">
+      <a:fillRef idx="1">
         <a:scrgbClr r="0" g="0" b="0"/>
       </a:fillRef>
-      <a:effectRef idx="3">
+      <a:effectRef idx="0">
         <a:scrgbClr r="0" g="0" b="0"/>
       </a:effectRef>
       <a:fontRef idx="minor">
@@ -10004,13 +8420,13 @@
     <dgm:sp3d/>
     <dgm:txPr/>
     <dgm:style>
-      <a:lnRef idx="0">
+      <a:lnRef idx="2">
         <a:scrgbClr r="0" g="0" b="0"/>
       </a:lnRef>
-      <a:fillRef idx="3">
+      <a:fillRef idx="1">
         <a:scrgbClr r="0" g="0" b="0"/>
       </a:fillRef>
-      <a:effectRef idx="3">
+      <a:effectRef idx="0">
         <a:scrgbClr r="0" g="0" b="0"/>
       </a:effectRef>
       <a:fontRef idx="minor">
@@ -10026,13 +8442,13 @@
     <dgm:sp3d/>
     <dgm:txPr/>
     <dgm:style>
-      <a:lnRef idx="0">
+      <a:lnRef idx="2">
         <a:scrgbClr r="0" g="0" b="0"/>
       </a:lnRef>
-      <a:fillRef idx="3">
+      <a:fillRef idx="1">
         <a:scrgbClr r="0" g="0" b="0"/>
       </a:fillRef>
-      <a:effectRef idx="3">
+      <a:effectRef idx="0">
         <a:scrgbClr r="0" g="0" b="0"/>
       </a:effectRef>
       <a:fontRef idx="minor">
@@ -10048,13 +8464,13 @@
     <dgm:sp3d/>
     <dgm:txPr/>
     <dgm:style>
-      <a:lnRef idx="0">
+      <a:lnRef idx="2">
         <a:scrgbClr r="0" g="0" b="0"/>
       </a:lnRef>
-      <a:fillRef idx="3">
+      <a:fillRef idx="1">
         <a:scrgbClr r="0" g="0" b="0"/>
       </a:fillRef>
-      <a:effectRef idx="3">
+      <a:effectRef idx="0">
         <a:scrgbClr r="0" g="0" b="0"/>
       </a:effectRef>
       <a:fontRef idx="minor">
@@ -10070,13 +8486,13 @@
     <dgm:sp3d/>
     <dgm:txPr/>
     <dgm:style>
-      <a:lnRef idx="0">
+      <a:lnRef idx="2">
         <a:scrgbClr r="0" g="0" b="0"/>
       </a:lnRef>
-      <a:fillRef idx="3">
+      <a:fillRef idx="1">
         <a:scrgbClr r="0" g="0" b="0"/>
       </a:fillRef>
-      <a:effectRef idx="3">
+      <a:effectRef idx="0">
         <a:scrgbClr r="0" g="0" b="0"/>
       </a:effectRef>
       <a:fontRef idx="minor">
@@ -10092,13 +8508,13 @@
     <dgm:sp3d/>
     <dgm:txPr/>
     <dgm:style>
-      <a:lnRef idx="0">
+      <a:lnRef idx="2">
         <a:scrgbClr r="0" g="0" b="0"/>
       </a:lnRef>
-      <a:fillRef idx="3">
+      <a:fillRef idx="1">
         <a:scrgbClr r="0" g="0" b="0"/>
       </a:fillRef>
-      <a:effectRef idx="3">
+      <a:effectRef idx="0">
         <a:scrgbClr r="0" g="0" b="0"/>
       </a:effectRef>
       <a:fontRef idx="minor">
@@ -10114,13 +8530,13 @@
     <dgm:sp3d/>
     <dgm:txPr/>
     <dgm:style>
-      <a:lnRef idx="0">
+      <a:lnRef idx="2">
         <a:scrgbClr r="0" g="0" b="0"/>
       </a:lnRef>
-      <a:fillRef idx="3">
+      <a:fillRef idx="1">
         <a:scrgbClr r="0" g="0" b="0"/>
       </a:fillRef>
-      <a:effectRef idx="3">
+      <a:effectRef idx="0">
         <a:scrgbClr r="0" g="0" b="0"/>
       </a:effectRef>
       <a:fontRef idx="minor">
@@ -10136,13 +8552,13 @@
     <dgm:sp3d/>
     <dgm:txPr/>
     <dgm:style>
-      <a:lnRef idx="0">
+      <a:lnRef idx="2">
         <a:scrgbClr r="0" g="0" b="0"/>
       </a:lnRef>
-      <a:fillRef idx="3">
+      <a:fillRef idx="1">
         <a:scrgbClr r="0" g="0" b="0"/>
       </a:fillRef>
-      <a:effectRef idx="3">
+      <a:effectRef idx="0">
         <a:scrgbClr r="0" g="0" b="0"/>
       </a:effectRef>
       <a:fontRef idx="minor">
@@ -10238,13 +8654,13 @@
     <dgm:sp3d/>
     <dgm:txPr/>
     <dgm:style>
-      <a:lnRef idx="1">
+      <a:lnRef idx="2">
         <a:scrgbClr r="0" g="0" b="0"/>
       </a:lnRef>
       <a:fillRef idx="1">
         <a:scrgbClr r="0" g="0" b="0"/>
       </a:fillRef>
-      <a:effectRef idx="2">
+      <a:effectRef idx="0">
         <a:scrgbClr r="0" g="0" b="0"/>
       </a:effectRef>
       <a:fontRef idx="minor"/>
@@ -10258,13 +8674,13 @@
     <dgm:sp3d/>
     <dgm:txPr/>
     <dgm:style>
-      <a:lnRef idx="1">
+      <a:lnRef idx="2">
         <a:scrgbClr r="0" g="0" b="0"/>
       </a:lnRef>
       <a:fillRef idx="1">
         <a:scrgbClr r="0" g="0" b="0"/>
       </a:fillRef>
-      <a:effectRef idx="2">
+      <a:effectRef idx="0">
         <a:scrgbClr r="0" g="0" b="0"/>
       </a:effectRef>
       <a:fontRef idx="minor"/>
@@ -10278,13 +8694,13 @@
     <dgm:sp3d/>
     <dgm:txPr/>
     <dgm:style>
-      <a:lnRef idx="1">
+      <a:lnRef idx="2">
         <a:scrgbClr r="0" g="0" b="0"/>
       </a:lnRef>
       <a:fillRef idx="1">
         <a:scrgbClr r="0" g="0" b="0"/>
       </a:fillRef>
-      <a:effectRef idx="2">
+      <a:effectRef idx="0">
         <a:scrgbClr r="0" g="0" b="0"/>
       </a:effectRef>
       <a:fontRef idx="minor"/>
@@ -10318,13 +8734,13 @@
     <dgm:sp3d/>
     <dgm:txPr/>
     <dgm:style>
-      <a:lnRef idx="1">
+      <a:lnRef idx="2">
         <a:scrgbClr r="0" g="0" b="0"/>
       </a:lnRef>
       <a:fillRef idx="1">
         <a:scrgbClr r="0" g="0" b="0"/>
       </a:fillRef>
-      <a:effectRef idx="2">
+      <a:effectRef idx="0">
         <a:scrgbClr r="0" g="0" b="0"/>
       </a:effectRef>
       <a:fontRef idx="minor"/>
@@ -10338,13 +8754,13 @@
     <dgm:sp3d/>
     <dgm:txPr/>
     <dgm:style>
-      <a:lnRef idx="1">
+      <a:lnRef idx="2">
         <a:scrgbClr r="0" g="0" b="0"/>
       </a:lnRef>
       <a:fillRef idx="1">
         <a:scrgbClr r="0" g="0" b="0"/>
       </a:fillRef>
-      <a:effectRef idx="2">
+      <a:effectRef idx="0">
         <a:scrgbClr r="0" g="0" b="0"/>
       </a:effectRef>
       <a:fontRef idx="minor"/>
@@ -10358,13 +8774,13 @@
     <dgm:sp3d/>
     <dgm:txPr/>
     <dgm:style>
-      <a:lnRef idx="1">
+      <a:lnRef idx="2">
         <a:scrgbClr r="0" g="0" b="0"/>
       </a:lnRef>
       <a:fillRef idx="1">
         <a:scrgbClr r="0" g="0" b="0"/>
       </a:fillRef>
-      <a:effectRef idx="3">
+      <a:effectRef idx="0">
         <a:scrgbClr r="0" g="0" b="0"/>
       </a:effectRef>
       <a:fontRef idx="minor"/>
@@ -10378,13 +8794,13 @@
     <dgm:sp3d/>
     <dgm:txPr/>
     <dgm:style>
-      <a:lnRef idx="1">
+      <a:lnRef idx="2">
         <a:scrgbClr r="0" g="0" b="0"/>
       </a:lnRef>
       <a:fillRef idx="1">
         <a:scrgbClr r="0" g="0" b="0"/>
       </a:fillRef>
-      <a:effectRef idx="3">
+      <a:effectRef idx="0">
         <a:scrgbClr r="0" g="0" b="0"/>
       </a:effectRef>
       <a:fontRef idx="minor"/>
@@ -10398,13 +8814,13 @@
     <dgm:sp3d/>
     <dgm:txPr/>
     <dgm:style>
-      <a:lnRef idx="1">
+      <a:lnRef idx="2">
         <a:scrgbClr r="0" g="0" b="0"/>
       </a:lnRef>
       <a:fillRef idx="1">
         <a:scrgbClr r="0" g="0" b="0"/>
       </a:fillRef>
-      <a:effectRef idx="2">
+      <a:effectRef idx="0">
         <a:scrgbClr r="0" g="0" b="0"/>
       </a:effectRef>
       <a:fontRef idx="minor"/>
@@ -10418,13 +8834,13 @@
     <dgm:sp3d/>
     <dgm:txPr/>
     <dgm:style>
-      <a:lnRef idx="1">
+      <a:lnRef idx="2">
         <a:scrgbClr r="0" g="0" b="0"/>
       </a:lnRef>
       <a:fillRef idx="1">
         <a:scrgbClr r="0" g="0" b="0"/>
       </a:fillRef>
-      <a:effectRef idx="2">
+      <a:effectRef idx="0">
         <a:scrgbClr r="0" g="0" b="0"/>
       </a:effectRef>
       <a:fontRef idx="minor"/>
@@ -10438,13 +8854,13 @@
     <dgm:sp3d/>
     <dgm:txPr/>
     <dgm:style>
-      <a:lnRef idx="1">
+      <a:lnRef idx="2">
         <a:scrgbClr r="0" g="0" b="0"/>
       </a:lnRef>
       <a:fillRef idx="1">
         <a:scrgbClr r="0" g="0" b="0"/>
       </a:fillRef>
-      <a:effectRef idx="2">
+      <a:effectRef idx="0">
         <a:scrgbClr r="0" g="0" b="0"/>
       </a:effectRef>
       <a:fontRef idx="minor"/>
@@ -10458,13 +8874,13 @@
     <dgm:sp3d/>
     <dgm:txPr/>
     <dgm:style>
-      <a:lnRef idx="1">
+      <a:lnRef idx="2">
         <a:scrgbClr r="0" g="0" b="0"/>
       </a:lnRef>
       <a:fillRef idx="1">
         <a:scrgbClr r="0" g="0" b="0"/>
       </a:fillRef>
-      <a:effectRef idx="2">
+      <a:effectRef idx="0">
         <a:scrgbClr r="0" g="0" b="0"/>
       </a:effectRef>
       <a:fontRef idx="minor"/>
@@ -10478,13 +8894,13 @@
     <dgm:sp3d/>
     <dgm:txPr/>
     <dgm:style>
-      <a:lnRef idx="1">
+      <a:lnRef idx="2">
         <a:scrgbClr r="0" g="0" b="0"/>
       </a:lnRef>
       <a:fillRef idx="1">
         <a:scrgbClr r="0" g="0" b="0"/>
       </a:fillRef>
-      <a:effectRef idx="2">
+      <a:effectRef idx="0">
         <a:scrgbClr r="0" g="0" b="0"/>
       </a:effectRef>
       <a:fontRef idx="minor"/>
@@ -10498,13 +8914,13 @@
     <dgm:sp3d/>
     <dgm:txPr/>
     <dgm:style>
-      <a:lnRef idx="1">
+      <a:lnRef idx="2">
         <a:scrgbClr r="0" g="0" b="0"/>
       </a:lnRef>
       <a:fillRef idx="1">
         <a:scrgbClr r="0" g="0" b="0"/>
       </a:fillRef>
-      <a:effectRef idx="2">
+      <a:effectRef idx="0">
         <a:scrgbClr r="0" g="0" b="0"/>
       </a:effectRef>
       <a:fontRef idx="minor"/>
@@ -10518,13 +8934,13 @@
     <dgm:sp3d/>
     <dgm:txPr/>
     <dgm:style>
-      <a:lnRef idx="1">
+      <a:lnRef idx="2">
         <a:scrgbClr r="0" g="0" b="0"/>
       </a:lnRef>
       <a:fillRef idx="1">
         <a:scrgbClr r="0" g="0" b="0"/>
       </a:fillRef>
-      <a:effectRef idx="2">
+      <a:effectRef idx="0">
         <a:scrgbClr r="0" g="0" b="0"/>
       </a:effectRef>
       <a:fontRef idx="minor"/>
@@ -10544,7 +8960,7 @@
       <a:fillRef idx="1">
         <a:scrgbClr r="0" g="0" b="0"/>
       </a:fillRef>
-      <a:effectRef idx="2">
+      <a:effectRef idx="0">
         <a:scrgbClr r="0" g="0" b="0"/>
       </a:effectRef>
       <a:fontRef idx="minor"/>
@@ -10564,7 +8980,7 @@
       <a:fillRef idx="1">
         <a:scrgbClr r="0" g="0" b="0"/>
       </a:fillRef>
-      <a:effectRef idx="3">
+      <a:effectRef idx="0">
         <a:scrgbClr r="0" g="0" b="0"/>
       </a:effectRef>
       <a:fontRef idx="minor"/>
@@ -10598,13 +9014,13 @@
     <dgm:sp3d/>
     <dgm:txPr/>
     <dgm:style>
-      <a:lnRef idx="0">
+      <a:lnRef idx="2">
         <a:scrgbClr r="0" g="0" b="0"/>
       </a:lnRef>
-      <a:fillRef idx="3">
+      <a:fillRef idx="1">
         <a:scrgbClr r="0" g="0" b="0"/>
       </a:fillRef>
-      <a:effectRef idx="3">
+      <a:effectRef idx="0">
         <a:scrgbClr r="0" g="0" b="0"/>
       </a:effectRef>
       <a:fontRef idx="minor"/>
@@ -11668,1040 +10084,6 @@
 </file>
 
 <file path=ppt/diagrams/quickStyle4.xml><?xml version="1.0" encoding="utf-8"?>
-<dgm:styleDef xmlns:dgm="http://schemas.openxmlformats.org/drawingml/2006/diagram" xmlns:a="http://schemas.openxmlformats.org/drawingml/2006/main" uniqueId="urn:microsoft.com/office/officeart/2005/8/quickstyle/simple1">
-  <dgm:title val=""/>
-  <dgm:desc val=""/>
-  <dgm:catLst>
-    <dgm:cat type="simple" pri="10100"/>
-  </dgm:catLst>
-  <dgm:scene3d>
-    <a:camera prst="orthographicFront"/>
-    <a:lightRig rig="threePt" dir="t"/>
-  </dgm:scene3d>
-  <dgm:styleLbl name="node0">
-    <dgm:scene3d>
-      <a:camera prst="orthographicFront"/>
-      <a:lightRig rig="threePt" dir="t"/>
-    </dgm:scene3d>
-    <dgm:sp3d/>
-    <dgm:txPr/>
-    <dgm:style>
-      <a:lnRef idx="2">
-        <a:scrgbClr r="0" g="0" b="0"/>
-      </a:lnRef>
-      <a:fillRef idx="1">
-        <a:scrgbClr r="0" g="0" b="0"/>
-      </a:fillRef>
-      <a:effectRef idx="0">
-        <a:scrgbClr r="0" g="0" b="0"/>
-      </a:effectRef>
-      <a:fontRef idx="minor">
-        <a:schemeClr val="lt1"/>
-      </a:fontRef>
-    </dgm:style>
-  </dgm:styleLbl>
-  <dgm:styleLbl name="lnNode1">
-    <dgm:scene3d>
-      <a:camera prst="orthographicFront"/>
-      <a:lightRig rig="threePt" dir="t"/>
-    </dgm:scene3d>
-    <dgm:sp3d/>
-    <dgm:txPr/>
-    <dgm:style>
-      <a:lnRef idx="2">
-        <a:scrgbClr r="0" g="0" b="0"/>
-      </a:lnRef>
-      <a:fillRef idx="1">
-        <a:scrgbClr r="0" g="0" b="0"/>
-      </a:fillRef>
-      <a:effectRef idx="0">
-        <a:scrgbClr r="0" g="0" b="0"/>
-      </a:effectRef>
-      <a:fontRef idx="minor">
-        <a:schemeClr val="lt1"/>
-      </a:fontRef>
-    </dgm:style>
-  </dgm:styleLbl>
-  <dgm:styleLbl name="vennNode1">
-    <dgm:scene3d>
-      <a:camera prst="orthographicFront"/>
-      <a:lightRig rig="threePt" dir="t"/>
-    </dgm:scene3d>
-    <dgm:sp3d/>
-    <dgm:txPr/>
-    <dgm:style>
-      <a:lnRef idx="2">
-        <a:scrgbClr r="0" g="0" b="0"/>
-      </a:lnRef>
-      <a:fillRef idx="1">
-        <a:scrgbClr r="0" g="0" b="0"/>
-      </a:fillRef>
-      <a:effectRef idx="0">
-        <a:scrgbClr r="0" g="0" b="0"/>
-      </a:effectRef>
-      <a:fontRef idx="minor">
-        <a:schemeClr val="tx1"/>
-      </a:fontRef>
-    </dgm:style>
-  </dgm:styleLbl>
-  <dgm:styleLbl name="alignNode1">
-    <dgm:scene3d>
-      <a:camera prst="orthographicFront"/>
-      <a:lightRig rig="threePt" dir="t"/>
-    </dgm:scene3d>
-    <dgm:sp3d/>
-    <dgm:txPr/>
-    <dgm:style>
-      <a:lnRef idx="2">
-        <a:scrgbClr r="0" g="0" b="0"/>
-      </a:lnRef>
-      <a:fillRef idx="1">
-        <a:scrgbClr r="0" g="0" b="0"/>
-      </a:fillRef>
-      <a:effectRef idx="0">
-        <a:scrgbClr r="0" g="0" b="0"/>
-      </a:effectRef>
-      <a:fontRef idx="minor">
-        <a:schemeClr val="lt1"/>
-      </a:fontRef>
-    </dgm:style>
-  </dgm:styleLbl>
-  <dgm:styleLbl name="node1">
-    <dgm:scene3d>
-      <a:camera prst="orthographicFront"/>
-      <a:lightRig rig="threePt" dir="t"/>
-    </dgm:scene3d>
-    <dgm:sp3d/>
-    <dgm:txPr/>
-    <dgm:style>
-      <a:lnRef idx="2">
-        <a:scrgbClr r="0" g="0" b="0"/>
-      </a:lnRef>
-      <a:fillRef idx="1">
-        <a:scrgbClr r="0" g="0" b="0"/>
-      </a:fillRef>
-      <a:effectRef idx="0">
-        <a:scrgbClr r="0" g="0" b="0"/>
-      </a:effectRef>
-      <a:fontRef idx="minor">
-        <a:schemeClr val="lt1"/>
-      </a:fontRef>
-    </dgm:style>
-  </dgm:styleLbl>
-  <dgm:styleLbl name="node2">
-    <dgm:scene3d>
-      <a:camera prst="orthographicFront"/>
-      <a:lightRig rig="threePt" dir="t"/>
-    </dgm:scene3d>
-    <dgm:sp3d/>
-    <dgm:txPr/>
-    <dgm:style>
-      <a:lnRef idx="2">
-        <a:scrgbClr r="0" g="0" b="0"/>
-      </a:lnRef>
-      <a:fillRef idx="1">
-        <a:scrgbClr r="0" g="0" b="0"/>
-      </a:fillRef>
-      <a:effectRef idx="0">
-        <a:scrgbClr r="0" g="0" b="0"/>
-      </a:effectRef>
-      <a:fontRef idx="minor">
-        <a:schemeClr val="lt1"/>
-      </a:fontRef>
-    </dgm:style>
-  </dgm:styleLbl>
-  <dgm:styleLbl name="node3">
-    <dgm:scene3d>
-      <a:camera prst="orthographicFront"/>
-      <a:lightRig rig="threePt" dir="t"/>
-    </dgm:scene3d>
-    <dgm:sp3d/>
-    <dgm:txPr/>
-    <dgm:style>
-      <a:lnRef idx="2">
-        <a:scrgbClr r="0" g="0" b="0"/>
-      </a:lnRef>
-      <a:fillRef idx="1">
-        <a:scrgbClr r="0" g="0" b="0"/>
-      </a:fillRef>
-      <a:effectRef idx="0">
-        <a:scrgbClr r="0" g="0" b="0"/>
-      </a:effectRef>
-      <a:fontRef idx="minor">
-        <a:schemeClr val="lt1"/>
-      </a:fontRef>
-    </dgm:style>
-  </dgm:styleLbl>
-  <dgm:styleLbl name="node4">
-    <dgm:scene3d>
-      <a:camera prst="orthographicFront"/>
-      <a:lightRig rig="threePt" dir="t"/>
-    </dgm:scene3d>
-    <dgm:sp3d/>
-    <dgm:txPr/>
-    <dgm:style>
-      <a:lnRef idx="2">
-        <a:scrgbClr r="0" g="0" b="0"/>
-      </a:lnRef>
-      <a:fillRef idx="1">
-        <a:scrgbClr r="0" g="0" b="0"/>
-      </a:fillRef>
-      <a:effectRef idx="0">
-        <a:scrgbClr r="0" g="0" b="0"/>
-      </a:effectRef>
-      <a:fontRef idx="minor">
-        <a:schemeClr val="lt1"/>
-      </a:fontRef>
-    </dgm:style>
-  </dgm:styleLbl>
-  <dgm:styleLbl name="fgImgPlace1">
-    <dgm:scene3d>
-      <a:camera prst="orthographicFront"/>
-      <a:lightRig rig="threePt" dir="t"/>
-    </dgm:scene3d>
-    <dgm:sp3d/>
-    <dgm:txPr/>
-    <dgm:style>
-      <a:lnRef idx="2">
-        <a:scrgbClr r="0" g="0" b="0"/>
-      </a:lnRef>
-      <a:fillRef idx="1">
-        <a:scrgbClr r="0" g="0" b="0"/>
-      </a:fillRef>
-      <a:effectRef idx="0">
-        <a:scrgbClr r="0" g="0" b="0"/>
-      </a:effectRef>
-      <a:fontRef idx="minor"/>
-    </dgm:style>
-  </dgm:styleLbl>
-  <dgm:styleLbl name="alignImgPlace1">
-    <dgm:scene3d>
-      <a:camera prst="orthographicFront"/>
-      <a:lightRig rig="threePt" dir="t"/>
-    </dgm:scene3d>
-    <dgm:sp3d/>
-    <dgm:txPr/>
-    <dgm:style>
-      <a:lnRef idx="2">
-        <a:scrgbClr r="0" g="0" b="0"/>
-      </a:lnRef>
-      <a:fillRef idx="1">
-        <a:scrgbClr r="0" g="0" b="0"/>
-      </a:fillRef>
-      <a:effectRef idx="0">
-        <a:scrgbClr r="0" g="0" b="0"/>
-      </a:effectRef>
-      <a:fontRef idx="minor"/>
-    </dgm:style>
-  </dgm:styleLbl>
-  <dgm:styleLbl name="bgImgPlace1">
-    <dgm:scene3d>
-      <a:camera prst="orthographicFront"/>
-      <a:lightRig rig="threePt" dir="t"/>
-    </dgm:scene3d>
-    <dgm:sp3d/>
-    <dgm:txPr/>
-    <dgm:style>
-      <a:lnRef idx="2">
-        <a:scrgbClr r="0" g="0" b="0"/>
-      </a:lnRef>
-      <a:fillRef idx="1">
-        <a:scrgbClr r="0" g="0" b="0"/>
-      </a:fillRef>
-      <a:effectRef idx="0">
-        <a:scrgbClr r="0" g="0" b="0"/>
-      </a:effectRef>
-      <a:fontRef idx="minor"/>
-    </dgm:style>
-  </dgm:styleLbl>
-  <dgm:styleLbl name="sibTrans2D1">
-    <dgm:scene3d>
-      <a:camera prst="orthographicFront"/>
-      <a:lightRig rig="threePt" dir="t"/>
-    </dgm:scene3d>
-    <dgm:sp3d/>
-    <dgm:txPr/>
-    <dgm:style>
-      <a:lnRef idx="0">
-        <a:scrgbClr r="0" g="0" b="0"/>
-      </a:lnRef>
-      <a:fillRef idx="1">
-        <a:scrgbClr r="0" g="0" b="0"/>
-      </a:fillRef>
-      <a:effectRef idx="0">
-        <a:scrgbClr r="0" g="0" b="0"/>
-      </a:effectRef>
-      <a:fontRef idx="minor">
-        <a:schemeClr val="lt1"/>
-      </a:fontRef>
-    </dgm:style>
-  </dgm:styleLbl>
-  <dgm:styleLbl name="fgSibTrans2D1">
-    <dgm:scene3d>
-      <a:camera prst="orthographicFront"/>
-      <a:lightRig rig="threePt" dir="t"/>
-    </dgm:scene3d>
-    <dgm:sp3d/>
-    <dgm:txPr/>
-    <dgm:style>
-      <a:lnRef idx="0">
-        <a:scrgbClr r="0" g="0" b="0"/>
-      </a:lnRef>
-      <a:fillRef idx="1">
-        <a:scrgbClr r="0" g="0" b="0"/>
-      </a:fillRef>
-      <a:effectRef idx="0">
-        <a:scrgbClr r="0" g="0" b="0"/>
-      </a:effectRef>
-      <a:fontRef idx="minor">
-        <a:schemeClr val="lt1"/>
-      </a:fontRef>
-    </dgm:style>
-  </dgm:styleLbl>
-  <dgm:styleLbl name="bgSibTrans2D1">
-    <dgm:scene3d>
-      <a:camera prst="orthographicFront"/>
-      <a:lightRig rig="threePt" dir="t"/>
-    </dgm:scene3d>
-    <dgm:sp3d/>
-    <dgm:txPr/>
-    <dgm:style>
-      <a:lnRef idx="0">
-        <a:scrgbClr r="0" g="0" b="0"/>
-      </a:lnRef>
-      <a:fillRef idx="1">
-        <a:scrgbClr r="0" g="0" b="0"/>
-      </a:fillRef>
-      <a:effectRef idx="0">
-        <a:scrgbClr r="0" g="0" b="0"/>
-      </a:effectRef>
-      <a:fontRef idx="minor">
-        <a:schemeClr val="lt1"/>
-      </a:fontRef>
-    </dgm:style>
-  </dgm:styleLbl>
-  <dgm:styleLbl name="sibTrans1D1">
-    <dgm:scene3d>
-      <a:camera prst="orthographicFront"/>
-      <a:lightRig rig="threePt" dir="t"/>
-    </dgm:scene3d>
-    <dgm:sp3d/>
-    <dgm:txPr/>
-    <dgm:style>
-      <a:lnRef idx="1">
-        <a:scrgbClr r="0" g="0" b="0"/>
-      </a:lnRef>
-      <a:fillRef idx="0">
-        <a:scrgbClr r="0" g="0" b="0"/>
-      </a:fillRef>
-      <a:effectRef idx="0">
-        <a:scrgbClr r="0" g="0" b="0"/>
-      </a:effectRef>
-      <a:fontRef idx="minor"/>
-    </dgm:style>
-  </dgm:styleLbl>
-  <dgm:styleLbl name="callout">
-    <dgm:scene3d>
-      <a:camera prst="orthographicFront"/>
-      <a:lightRig rig="threePt" dir="t"/>
-    </dgm:scene3d>
-    <dgm:sp3d/>
-    <dgm:txPr/>
-    <dgm:style>
-      <a:lnRef idx="2">
-        <a:scrgbClr r="0" g="0" b="0"/>
-      </a:lnRef>
-      <a:fillRef idx="1">
-        <a:scrgbClr r="0" g="0" b="0"/>
-      </a:fillRef>
-      <a:effectRef idx="0">
-        <a:scrgbClr r="0" g="0" b="0"/>
-      </a:effectRef>
-      <a:fontRef idx="minor"/>
-    </dgm:style>
-  </dgm:styleLbl>
-  <dgm:styleLbl name="asst0">
-    <dgm:scene3d>
-      <a:camera prst="orthographicFront"/>
-      <a:lightRig rig="threePt" dir="t"/>
-    </dgm:scene3d>
-    <dgm:sp3d/>
-    <dgm:txPr/>
-    <dgm:style>
-      <a:lnRef idx="2">
-        <a:scrgbClr r="0" g="0" b="0"/>
-      </a:lnRef>
-      <a:fillRef idx="1">
-        <a:scrgbClr r="0" g="0" b="0"/>
-      </a:fillRef>
-      <a:effectRef idx="0">
-        <a:scrgbClr r="0" g="0" b="0"/>
-      </a:effectRef>
-      <a:fontRef idx="minor">
-        <a:schemeClr val="lt1"/>
-      </a:fontRef>
-    </dgm:style>
-  </dgm:styleLbl>
-  <dgm:styleLbl name="asst1">
-    <dgm:scene3d>
-      <a:camera prst="orthographicFront"/>
-      <a:lightRig rig="threePt" dir="t"/>
-    </dgm:scene3d>
-    <dgm:sp3d/>
-    <dgm:txPr/>
-    <dgm:style>
-      <a:lnRef idx="2">
-        <a:scrgbClr r="0" g="0" b="0"/>
-      </a:lnRef>
-      <a:fillRef idx="1">
-        <a:scrgbClr r="0" g="0" b="0"/>
-      </a:fillRef>
-      <a:effectRef idx="0">
-        <a:scrgbClr r="0" g="0" b="0"/>
-      </a:effectRef>
-      <a:fontRef idx="minor">
-        <a:schemeClr val="lt1"/>
-      </a:fontRef>
-    </dgm:style>
-  </dgm:styleLbl>
-  <dgm:styleLbl name="asst2">
-    <dgm:scene3d>
-      <a:camera prst="orthographicFront"/>
-      <a:lightRig rig="threePt" dir="t"/>
-    </dgm:scene3d>
-    <dgm:sp3d/>
-    <dgm:txPr/>
-    <dgm:style>
-      <a:lnRef idx="2">
-        <a:scrgbClr r="0" g="0" b="0"/>
-      </a:lnRef>
-      <a:fillRef idx="1">
-        <a:scrgbClr r="0" g="0" b="0"/>
-      </a:fillRef>
-      <a:effectRef idx="0">
-        <a:scrgbClr r="0" g="0" b="0"/>
-      </a:effectRef>
-      <a:fontRef idx="minor">
-        <a:schemeClr val="lt1"/>
-      </a:fontRef>
-    </dgm:style>
-  </dgm:styleLbl>
-  <dgm:styleLbl name="asst3">
-    <dgm:scene3d>
-      <a:camera prst="orthographicFront"/>
-      <a:lightRig rig="threePt" dir="t"/>
-    </dgm:scene3d>
-    <dgm:sp3d/>
-    <dgm:txPr/>
-    <dgm:style>
-      <a:lnRef idx="2">
-        <a:scrgbClr r="0" g="0" b="0"/>
-      </a:lnRef>
-      <a:fillRef idx="1">
-        <a:scrgbClr r="0" g="0" b="0"/>
-      </a:fillRef>
-      <a:effectRef idx="0">
-        <a:scrgbClr r="0" g="0" b="0"/>
-      </a:effectRef>
-      <a:fontRef idx="minor">
-        <a:schemeClr val="lt1"/>
-      </a:fontRef>
-    </dgm:style>
-  </dgm:styleLbl>
-  <dgm:styleLbl name="asst4">
-    <dgm:scene3d>
-      <a:camera prst="orthographicFront"/>
-      <a:lightRig rig="threePt" dir="t"/>
-    </dgm:scene3d>
-    <dgm:sp3d/>
-    <dgm:txPr/>
-    <dgm:style>
-      <a:lnRef idx="2">
-        <a:scrgbClr r="0" g="0" b="0"/>
-      </a:lnRef>
-      <a:fillRef idx="1">
-        <a:scrgbClr r="0" g="0" b="0"/>
-      </a:fillRef>
-      <a:effectRef idx="0">
-        <a:scrgbClr r="0" g="0" b="0"/>
-      </a:effectRef>
-      <a:fontRef idx="minor">
-        <a:schemeClr val="lt1"/>
-      </a:fontRef>
-    </dgm:style>
-  </dgm:styleLbl>
-  <dgm:styleLbl name="parChTrans2D1">
-    <dgm:scene3d>
-      <a:camera prst="orthographicFront"/>
-      <a:lightRig rig="threePt" dir="t"/>
-    </dgm:scene3d>
-    <dgm:sp3d/>
-    <dgm:txPr/>
-    <dgm:style>
-      <a:lnRef idx="2">
-        <a:scrgbClr r="0" g="0" b="0"/>
-      </a:lnRef>
-      <a:fillRef idx="1">
-        <a:scrgbClr r="0" g="0" b="0"/>
-      </a:fillRef>
-      <a:effectRef idx="0">
-        <a:scrgbClr r="0" g="0" b="0"/>
-      </a:effectRef>
-      <a:fontRef idx="minor">
-        <a:schemeClr val="lt1"/>
-      </a:fontRef>
-    </dgm:style>
-  </dgm:styleLbl>
-  <dgm:styleLbl name="parChTrans2D2">
-    <dgm:scene3d>
-      <a:camera prst="orthographicFront"/>
-      <a:lightRig rig="threePt" dir="t"/>
-    </dgm:scene3d>
-    <dgm:sp3d/>
-    <dgm:txPr/>
-    <dgm:style>
-      <a:lnRef idx="2">
-        <a:scrgbClr r="0" g="0" b="0"/>
-      </a:lnRef>
-      <a:fillRef idx="1">
-        <a:scrgbClr r="0" g="0" b="0"/>
-      </a:fillRef>
-      <a:effectRef idx="0">
-        <a:scrgbClr r="0" g="0" b="0"/>
-      </a:effectRef>
-      <a:fontRef idx="minor">
-        <a:schemeClr val="lt1"/>
-      </a:fontRef>
-    </dgm:style>
-  </dgm:styleLbl>
-  <dgm:styleLbl name="parChTrans2D3">
-    <dgm:scene3d>
-      <a:camera prst="orthographicFront"/>
-      <a:lightRig rig="threePt" dir="t"/>
-    </dgm:scene3d>
-    <dgm:sp3d/>
-    <dgm:txPr/>
-    <dgm:style>
-      <a:lnRef idx="2">
-        <a:scrgbClr r="0" g="0" b="0"/>
-      </a:lnRef>
-      <a:fillRef idx="1">
-        <a:scrgbClr r="0" g="0" b="0"/>
-      </a:fillRef>
-      <a:effectRef idx="0">
-        <a:scrgbClr r="0" g="0" b="0"/>
-      </a:effectRef>
-      <a:fontRef idx="minor">
-        <a:schemeClr val="lt1"/>
-      </a:fontRef>
-    </dgm:style>
-  </dgm:styleLbl>
-  <dgm:styleLbl name="parChTrans2D4">
-    <dgm:scene3d>
-      <a:camera prst="orthographicFront"/>
-      <a:lightRig rig="threePt" dir="t"/>
-    </dgm:scene3d>
-    <dgm:sp3d/>
-    <dgm:txPr/>
-    <dgm:style>
-      <a:lnRef idx="2">
-        <a:scrgbClr r="0" g="0" b="0"/>
-      </a:lnRef>
-      <a:fillRef idx="1">
-        <a:scrgbClr r="0" g="0" b="0"/>
-      </a:fillRef>
-      <a:effectRef idx="0">
-        <a:scrgbClr r="0" g="0" b="0"/>
-      </a:effectRef>
-      <a:fontRef idx="minor">
-        <a:schemeClr val="lt1"/>
-      </a:fontRef>
-    </dgm:style>
-  </dgm:styleLbl>
-  <dgm:styleLbl name="parChTrans1D1">
-    <dgm:scene3d>
-      <a:camera prst="orthographicFront"/>
-      <a:lightRig rig="threePt" dir="t"/>
-    </dgm:scene3d>
-    <dgm:sp3d/>
-    <dgm:txPr/>
-    <dgm:style>
-      <a:lnRef idx="2">
-        <a:scrgbClr r="0" g="0" b="0"/>
-      </a:lnRef>
-      <a:fillRef idx="0">
-        <a:scrgbClr r="0" g="0" b="0"/>
-      </a:fillRef>
-      <a:effectRef idx="0">
-        <a:scrgbClr r="0" g="0" b="0"/>
-      </a:effectRef>
-      <a:fontRef idx="minor"/>
-    </dgm:style>
-  </dgm:styleLbl>
-  <dgm:styleLbl name="parChTrans1D2">
-    <dgm:scene3d>
-      <a:camera prst="orthographicFront"/>
-      <a:lightRig rig="threePt" dir="t"/>
-    </dgm:scene3d>
-    <dgm:sp3d/>
-    <dgm:txPr/>
-    <dgm:style>
-      <a:lnRef idx="2">
-        <a:scrgbClr r="0" g="0" b="0"/>
-      </a:lnRef>
-      <a:fillRef idx="0">
-        <a:scrgbClr r="0" g="0" b="0"/>
-      </a:fillRef>
-      <a:effectRef idx="0">
-        <a:scrgbClr r="0" g="0" b="0"/>
-      </a:effectRef>
-      <a:fontRef idx="minor"/>
-    </dgm:style>
-  </dgm:styleLbl>
-  <dgm:styleLbl name="parChTrans1D3">
-    <dgm:scene3d>
-      <a:camera prst="orthographicFront"/>
-      <a:lightRig rig="threePt" dir="t"/>
-    </dgm:scene3d>
-    <dgm:sp3d/>
-    <dgm:txPr/>
-    <dgm:style>
-      <a:lnRef idx="2">
-        <a:scrgbClr r="0" g="0" b="0"/>
-      </a:lnRef>
-      <a:fillRef idx="0">
-        <a:scrgbClr r="0" g="0" b="0"/>
-      </a:fillRef>
-      <a:effectRef idx="0">
-        <a:scrgbClr r="0" g="0" b="0"/>
-      </a:effectRef>
-      <a:fontRef idx="minor"/>
-    </dgm:style>
-  </dgm:styleLbl>
-  <dgm:styleLbl name="parChTrans1D4">
-    <dgm:scene3d>
-      <a:camera prst="orthographicFront"/>
-      <a:lightRig rig="threePt" dir="t"/>
-    </dgm:scene3d>
-    <dgm:sp3d/>
-    <dgm:txPr/>
-    <dgm:style>
-      <a:lnRef idx="2">
-        <a:scrgbClr r="0" g="0" b="0"/>
-      </a:lnRef>
-      <a:fillRef idx="0">
-        <a:scrgbClr r="0" g="0" b="0"/>
-      </a:fillRef>
-      <a:effectRef idx="0">
-        <a:scrgbClr r="0" g="0" b="0"/>
-      </a:effectRef>
-      <a:fontRef idx="minor"/>
-    </dgm:style>
-  </dgm:styleLbl>
-  <dgm:styleLbl name="fgAcc1">
-    <dgm:scene3d>
-      <a:camera prst="orthographicFront"/>
-      <a:lightRig rig="threePt" dir="t"/>
-    </dgm:scene3d>
-    <dgm:sp3d/>
-    <dgm:txPr/>
-    <dgm:style>
-      <a:lnRef idx="2">
-        <a:scrgbClr r="0" g="0" b="0"/>
-      </a:lnRef>
-      <a:fillRef idx="1">
-        <a:scrgbClr r="0" g="0" b="0"/>
-      </a:fillRef>
-      <a:effectRef idx="0">
-        <a:scrgbClr r="0" g="0" b="0"/>
-      </a:effectRef>
-      <a:fontRef idx="minor"/>
-    </dgm:style>
-  </dgm:styleLbl>
-  <dgm:styleLbl name="conFgAcc1">
-    <dgm:scene3d>
-      <a:camera prst="orthographicFront"/>
-      <a:lightRig rig="threePt" dir="t"/>
-    </dgm:scene3d>
-    <dgm:sp3d/>
-    <dgm:txPr/>
-    <dgm:style>
-      <a:lnRef idx="2">
-        <a:scrgbClr r="0" g="0" b="0"/>
-      </a:lnRef>
-      <a:fillRef idx="1">
-        <a:scrgbClr r="0" g="0" b="0"/>
-      </a:fillRef>
-      <a:effectRef idx="0">
-        <a:scrgbClr r="0" g="0" b="0"/>
-      </a:effectRef>
-      <a:fontRef idx="minor"/>
-    </dgm:style>
-  </dgm:styleLbl>
-  <dgm:styleLbl name="alignAcc1">
-    <dgm:scene3d>
-      <a:camera prst="orthographicFront"/>
-      <a:lightRig rig="threePt" dir="t"/>
-    </dgm:scene3d>
-    <dgm:sp3d/>
-    <dgm:txPr/>
-    <dgm:style>
-      <a:lnRef idx="2">
-        <a:scrgbClr r="0" g="0" b="0"/>
-      </a:lnRef>
-      <a:fillRef idx="1">
-        <a:scrgbClr r="0" g="0" b="0"/>
-      </a:fillRef>
-      <a:effectRef idx="0">
-        <a:scrgbClr r="0" g="0" b="0"/>
-      </a:effectRef>
-      <a:fontRef idx="minor"/>
-    </dgm:style>
-  </dgm:styleLbl>
-  <dgm:styleLbl name="trAlignAcc1">
-    <dgm:scene3d>
-      <a:camera prst="orthographicFront"/>
-      <a:lightRig rig="threePt" dir="t"/>
-    </dgm:scene3d>
-    <dgm:sp3d/>
-    <dgm:txPr/>
-    <dgm:style>
-      <a:lnRef idx="1">
-        <a:scrgbClr r="0" g="0" b="0"/>
-      </a:lnRef>
-      <a:fillRef idx="1">
-        <a:scrgbClr r="0" g="0" b="0"/>
-      </a:fillRef>
-      <a:effectRef idx="0">
-        <a:scrgbClr r="0" g="0" b="0"/>
-      </a:effectRef>
-      <a:fontRef idx="minor"/>
-    </dgm:style>
-  </dgm:styleLbl>
-  <dgm:styleLbl name="bgAcc1">
-    <dgm:scene3d>
-      <a:camera prst="orthographicFront"/>
-      <a:lightRig rig="threePt" dir="t"/>
-    </dgm:scene3d>
-    <dgm:sp3d/>
-    <dgm:txPr/>
-    <dgm:style>
-      <a:lnRef idx="2">
-        <a:scrgbClr r="0" g="0" b="0"/>
-      </a:lnRef>
-      <a:fillRef idx="1">
-        <a:scrgbClr r="0" g="0" b="0"/>
-      </a:fillRef>
-      <a:effectRef idx="0">
-        <a:scrgbClr r="0" g="0" b="0"/>
-      </a:effectRef>
-      <a:fontRef idx="minor"/>
-    </dgm:style>
-  </dgm:styleLbl>
-  <dgm:styleLbl name="solidFgAcc1">
-    <dgm:scene3d>
-      <a:camera prst="orthographicFront"/>
-      <a:lightRig rig="threePt" dir="t"/>
-    </dgm:scene3d>
-    <dgm:sp3d/>
-    <dgm:txPr/>
-    <dgm:style>
-      <a:lnRef idx="2">
-        <a:scrgbClr r="0" g="0" b="0"/>
-      </a:lnRef>
-      <a:fillRef idx="1">
-        <a:scrgbClr r="0" g="0" b="0"/>
-      </a:fillRef>
-      <a:effectRef idx="0">
-        <a:scrgbClr r="0" g="0" b="0"/>
-      </a:effectRef>
-      <a:fontRef idx="minor"/>
-    </dgm:style>
-  </dgm:styleLbl>
-  <dgm:styleLbl name="solidAlignAcc1">
-    <dgm:scene3d>
-      <a:camera prst="orthographicFront"/>
-      <a:lightRig rig="threePt" dir="t"/>
-    </dgm:scene3d>
-    <dgm:sp3d/>
-    <dgm:txPr/>
-    <dgm:style>
-      <a:lnRef idx="2">
-        <a:scrgbClr r="0" g="0" b="0"/>
-      </a:lnRef>
-      <a:fillRef idx="1">
-        <a:scrgbClr r="0" g="0" b="0"/>
-      </a:fillRef>
-      <a:effectRef idx="0">
-        <a:scrgbClr r="0" g="0" b="0"/>
-      </a:effectRef>
-      <a:fontRef idx="minor"/>
-    </dgm:style>
-  </dgm:styleLbl>
-  <dgm:styleLbl name="solidBgAcc1">
-    <dgm:scene3d>
-      <a:camera prst="orthographicFront"/>
-      <a:lightRig rig="threePt" dir="t"/>
-    </dgm:scene3d>
-    <dgm:sp3d/>
-    <dgm:txPr/>
-    <dgm:style>
-      <a:lnRef idx="2">
-        <a:scrgbClr r="0" g="0" b="0"/>
-      </a:lnRef>
-      <a:fillRef idx="1">
-        <a:scrgbClr r="0" g="0" b="0"/>
-      </a:fillRef>
-      <a:effectRef idx="0">
-        <a:scrgbClr r="0" g="0" b="0"/>
-      </a:effectRef>
-      <a:fontRef idx="minor"/>
-    </dgm:style>
-  </dgm:styleLbl>
-  <dgm:styleLbl name="fgAccFollowNode1">
-    <dgm:scene3d>
-      <a:camera prst="orthographicFront"/>
-      <a:lightRig rig="threePt" dir="t"/>
-    </dgm:scene3d>
-    <dgm:sp3d/>
-    <dgm:txPr/>
-    <dgm:style>
-      <a:lnRef idx="2">
-        <a:scrgbClr r="0" g="0" b="0"/>
-      </a:lnRef>
-      <a:fillRef idx="1">
-        <a:scrgbClr r="0" g="0" b="0"/>
-      </a:fillRef>
-      <a:effectRef idx="0">
-        <a:scrgbClr r="0" g="0" b="0"/>
-      </a:effectRef>
-      <a:fontRef idx="minor"/>
-    </dgm:style>
-  </dgm:styleLbl>
-  <dgm:styleLbl name="alignAccFollowNode1">
-    <dgm:scene3d>
-      <a:camera prst="orthographicFront"/>
-      <a:lightRig rig="threePt" dir="t"/>
-    </dgm:scene3d>
-    <dgm:sp3d/>
-    <dgm:txPr/>
-    <dgm:style>
-      <a:lnRef idx="2">
-        <a:scrgbClr r="0" g="0" b="0"/>
-      </a:lnRef>
-      <a:fillRef idx="1">
-        <a:scrgbClr r="0" g="0" b="0"/>
-      </a:fillRef>
-      <a:effectRef idx="0">
-        <a:scrgbClr r="0" g="0" b="0"/>
-      </a:effectRef>
-      <a:fontRef idx="minor"/>
-    </dgm:style>
-  </dgm:styleLbl>
-  <dgm:styleLbl name="bgAccFollowNode1">
-    <dgm:scene3d>
-      <a:camera prst="orthographicFront"/>
-      <a:lightRig rig="threePt" dir="t"/>
-    </dgm:scene3d>
-    <dgm:sp3d/>
-    <dgm:txPr/>
-    <dgm:style>
-      <a:lnRef idx="2">
-        <a:scrgbClr r="0" g="0" b="0"/>
-      </a:lnRef>
-      <a:fillRef idx="1">
-        <a:scrgbClr r="0" g="0" b="0"/>
-      </a:fillRef>
-      <a:effectRef idx="0">
-        <a:scrgbClr r="0" g="0" b="0"/>
-      </a:effectRef>
-      <a:fontRef idx="minor"/>
-    </dgm:style>
-  </dgm:styleLbl>
-  <dgm:styleLbl name="fgAcc0">
-    <dgm:scene3d>
-      <a:camera prst="orthographicFront"/>
-      <a:lightRig rig="threePt" dir="t"/>
-    </dgm:scene3d>
-    <dgm:sp3d/>
-    <dgm:txPr/>
-    <dgm:style>
-      <a:lnRef idx="2">
-        <a:scrgbClr r="0" g="0" b="0"/>
-      </a:lnRef>
-      <a:fillRef idx="1">
-        <a:scrgbClr r="0" g="0" b="0"/>
-      </a:fillRef>
-      <a:effectRef idx="0">
-        <a:scrgbClr r="0" g="0" b="0"/>
-      </a:effectRef>
-      <a:fontRef idx="minor"/>
-    </dgm:style>
-  </dgm:styleLbl>
-  <dgm:styleLbl name="fgAcc2">
-    <dgm:scene3d>
-      <a:camera prst="orthographicFront"/>
-      <a:lightRig rig="threePt" dir="t"/>
-    </dgm:scene3d>
-    <dgm:sp3d/>
-    <dgm:txPr/>
-    <dgm:style>
-      <a:lnRef idx="2">
-        <a:scrgbClr r="0" g="0" b="0"/>
-      </a:lnRef>
-      <a:fillRef idx="1">
-        <a:scrgbClr r="0" g="0" b="0"/>
-      </a:fillRef>
-      <a:effectRef idx="0">
-        <a:scrgbClr r="0" g="0" b="0"/>
-      </a:effectRef>
-      <a:fontRef idx="minor"/>
-    </dgm:style>
-  </dgm:styleLbl>
-  <dgm:styleLbl name="fgAcc3">
-    <dgm:scene3d>
-      <a:camera prst="orthographicFront"/>
-      <a:lightRig rig="threePt" dir="t"/>
-    </dgm:scene3d>
-    <dgm:sp3d/>
-    <dgm:txPr/>
-    <dgm:style>
-      <a:lnRef idx="2">
-        <a:scrgbClr r="0" g="0" b="0"/>
-      </a:lnRef>
-      <a:fillRef idx="1">
-        <a:scrgbClr r="0" g="0" b="0"/>
-      </a:fillRef>
-      <a:effectRef idx="0">
-        <a:scrgbClr r="0" g="0" b="0"/>
-      </a:effectRef>
-      <a:fontRef idx="minor"/>
-    </dgm:style>
-  </dgm:styleLbl>
-  <dgm:styleLbl name="fgAcc4">
-    <dgm:scene3d>
-      <a:camera prst="orthographicFront"/>
-      <a:lightRig rig="threePt" dir="t"/>
-    </dgm:scene3d>
-    <dgm:sp3d/>
-    <dgm:txPr/>
-    <dgm:style>
-      <a:lnRef idx="2">
-        <a:scrgbClr r="0" g="0" b="0"/>
-      </a:lnRef>
-      <a:fillRef idx="1">
-        <a:scrgbClr r="0" g="0" b="0"/>
-      </a:fillRef>
-      <a:effectRef idx="0">
-        <a:scrgbClr r="0" g="0" b="0"/>
-      </a:effectRef>
-      <a:fontRef idx="minor"/>
-    </dgm:style>
-  </dgm:styleLbl>
-  <dgm:styleLbl name="bgShp">
-    <dgm:scene3d>
-      <a:camera prst="orthographicFront"/>
-      <a:lightRig rig="threePt" dir="t"/>
-    </dgm:scene3d>
-    <dgm:sp3d/>
-    <dgm:txPr/>
-    <dgm:style>
-      <a:lnRef idx="0">
-        <a:scrgbClr r="0" g="0" b="0"/>
-      </a:lnRef>
-      <a:fillRef idx="1">
-        <a:scrgbClr r="0" g="0" b="0"/>
-      </a:fillRef>
-      <a:effectRef idx="0">
-        <a:scrgbClr r="0" g="0" b="0"/>
-      </a:effectRef>
-      <a:fontRef idx="minor"/>
-    </dgm:style>
-  </dgm:styleLbl>
-  <dgm:styleLbl name="dkBgShp">
-    <dgm:scene3d>
-      <a:camera prst="orthographicFront"/>
-      <a:lightRig rig="threePt" dir="t"/>
-    </dgm:scene3d>
-    <dgm:sp3d/>
-    <dgm:txPr/>
-    <dgm:style>
-      <a:lnRef idx="0">
-        <a:scrgbClr r="0" g="0" b="0"/>
-      </a:lnRef>
-      <a:fillRef idx="1">
-        <a:scrgbClr r="0" g="0" b="0"/>
-      </a:fillRef>
-      <a:effectRef idx="0">
-        <a:scrgbClr r="0" g="0" b="0"/>
-      </a:effectRef>
-      <a:fontRef idx="minor"/>
-    </dgm:style>
-  </dgm:styleLbl>
-  <dgm:styleLbl name="trBgShp">
-    <dgm:scene3d>
-      <a:camera prst="orthographicFront"/>
-      <a:lightRig rig="threePt" dir="t"/>
-    </dgm:scene3d>
-    <dgm:sp3d/>
-    <dgm:txPr/>
-    <dgm:style>
-      <a:lnRef idx="0">
-        <a:scrgbClr r="0" g="0" b="0"/>
-      </a:lnRef>
-      <a:fillRef idx="1">
-        <a:scrgbClr r="0" g="0" b="0"/>
-      </a:fillRef>
-      <a:effectRef idx="0">
-        <a:scrgbClr r="0" g="0" b="0"/>
-      </a:effectRef>
-      <a:fontRef idx="minor"/>
-    </dgm:style>
-  </dgm:styleLbl>
-  <dgm:styleLbl name="fgShp">
-    <dgm:scene3d>
-      <a:camera prst="orthographicFront"/>
-      <a:lightRig rig="threePt" dir="t"/>
-    </dgm:scene3d>
-    <dgm:sp3d/>
-    <dgm:txPr/>
-    <dgm:style>
-      <a:lnRef idx="2">
-        <a:scrgbClr r="0" g="0" b="0"/>
-      </a:lnRef>
-      <a:fillRef idx="1">
-        <a:scrgbClr r="0" g="0" b="0"/>
-      </a:fillRef>
-      <a:effectRef idx="0">
-        <a:scrgbClr r="0" g="0" b="0"/>
-      </a:effectRef>
-      <a:fontRef idx="minor"/>
-    </dgm:style>
-  </dgm:styleLbl>
-  <dgm:styleLbl name="revTx">
-    <dgm:scene3d>
-      <a:camera prst="orthographicFront"/>
-      <a:lightRig rig="threePt" dir="t"/>
-    </dgm:scene3d>
-    <dgm:sp3d/>
-    <dgm:txPr/>
-    <dgm:style>
-      <a:lnRef idx="0">
-        <a:scrgbClr r="0" g="0" b="0"/>
-      </a:lnRef>
-      <a:fillRef idx="0">
-        <a:scrgbClr r="0" g="0" b="0"/>
-      </a:fillRef>
-      <a:effectRef idx="0">
-        <a:scrgbClr r="0" g="0" b="0"/>
-      </a:effectRef>
-      <a:fontRef idx="minor"/>
-    </dgm:style>
-  </dgm:styleLbl>
-</dgm:styleDef>
-</file>
-
-<file path=ppt/diagrams/quickStyle5.xml><?xml version="1.0" encoding="utf-8"?>
 <dgm:styleDef xmlns:dgm="http://schemas.openxmlformats.org/drawingml/2006/diagram" xmlns:a="http://schemas.openxmlformats.org/drawingml/2006/main" uniqueId="urn:microsoft.com/office/officeart/2005/8/quickstyle/simple1">
   <dgm:title val=""/>
   <dgm:desc val=""/>
@@ -18011,7 +15393,7 @@
           <a:p>
             <a:fld id="{48A87A34-81AB-432B-8DAE-1953F412C126}" type="datetimeFigureOut">
               <a:rPr lang="en-US" dirty="0"/>
-              <a:t>6/12/2021</a:t>
+              <a:t>6/14/2021</a:t>
             </a:fld>
             <a:endParaRPr lang="en-US" dirty="0"/>
           </a:p>
@@ -18273,7 +15655,7 @@
           <a:p>
             <a:fld id="{48A87A34-81AB-432B-8DAE-1953F412C126}" type="datetimeFigureOut">
               <a:rPr lang="en-US" dirty="0"/>
-              <a:t>6/12/2021</a:t>
+              <a:t>6/14/2021</a:t>
             </a:fld>
             <a:endParaRPr lang="en-US" dirty="0"/>
           </a:p>
@@ -18464,7 +15846,7 @@
           <a:p>
             <a:fld id="{48A87A34-81AB-432B-8DAE-1953F412C126}" type="datetimeFigureOut">
               <a:rPr lang="en-US" dirty="0"/>
-              <a:t>6/12/2021</a:t>
+              <a:t>6/14/2021</a:t>
             </a:fld>
             <a:endParaRPr lang="en-US" dirty="0"/>
           </a:p>
@@ -18722,7 +16104,7 @@
           <a:p>
             <a:fld id="{48A87A34-81AB-432B-8DAE-1953F412C126}" type="datetimeFigureOut">
               <a:rPr lang="en-US" dirty="0"/>
-              <a:t>6/12/2021</a:t>
+              <a:t>6/14/2021</a:t>
             </a:fld>
             <a:endParaRPr lang="en-US" dirty="0"/>
           </a:p>
@@ -19151,7 +16533,7 @@
           <a:p>
             <a:fld id="{48A87A34-81AB-432B-8DAE-1953F412C126}" type="datetimeFigureOut">
               <a:rPr lang="en-US" dirty="0"/>
-              <a:t>6/12/2021</a:t>
+              <a:t>6/14/2021</a:t>
             </a:fld>
             <a:endParaRPr lang="en-US" dirty="0"/>
           </a:p>
@@ -19692,7 +17074,7 @@
           <a:p>
             <a:fld id="{48A87A34-81AB-432B-8DAE-1953F412C126}" type="datetimeFigureOut">
               <a:rPr lang="en-US" dirty="0"/>
-              <a:t>6/12/2021</a:t>
+              <a:t>6/14/2021</a:t>
             </a:fld>
             <a:endParaRPr lang="en-US" dirty="0"/>
           </a:p>
@@ -20407,7 +17789,7 @@
           <a:p>
             <a:fld id="{48A87A34-81AB-432B-8DAE-1953F412C126}" type="datetimeFigureOut">
               <a:rPr lang="en-US" dirty="0"/>
-              <a:t>6/12/2021</a:t>
+              <a:t>6/14/2021</a:t>
             </a:fld>
             <a:endParaRPr lang="en-US" dirty="0"/>
           </a:p>
@@ -20572,7 +17954,7 @@
           <a:p>
             <a:fld id="{48A87A34-81AB-432B-8DAE-1953F412C126}" type="datetimeFigureOut">
               <a:rPr lang="en-US" dirty="0"/>
-              <a:t>6/12/2021</a:t>
+              <a:t>6/14/2021</a:t>
             </a:fld>
             <a:endParaRPr lang="en-US" dirty="0"/>
           </a:p>
@@ -20747,7 +18129,7 @@
           <a:p>
             <a:fld id="{48A87A34-81AB-432B-8DAE-1953F412C126}" type="datetimeFigureOut">
               <a:rPr lang="en-US" dirty="0"/>
-              <a:t>6/12/2021</a:t>
+              <a:t>6/14/2021</a:t>
             </a:fld>
             <a:endParaRPr lang="en-US" dirty="0"/>
           </a:p>
@@ -20912,7 +18294,7 @@
           <a:p>
             <a:fld id="{48A87A34-81AB-432B-8DAE-1953F412C126}" type="datetimeFigureOut">
               <a:rPr lang="en-US" dirty="0"/>
-              <a:t>6/12/2021</a:t>
+              <a:t>6/14/2021</a:t>
             </a:fld>
             <a:endParaRPr lang="en-US" dirty="0"/>
           </a:p>
@@ -21157,7 +18539,7 @@
           <a:p>
             <a:fld id="{48A87A34-81AB-432B-8DAE-1953F412C126}" type="datetimeFigureOut">
               <a:rPr lang="en-US" dirty="0"/>
-              <a:t>6/12/2021</a:t>
+              <a:t>6/14/2021</a:t>
             </a:fld>
             <a:endParaRPr lang="en-US" dirty="0"/>
           </a:p>
@@ -21384,7 +18766,7 @@
           <a:p>
             <a:fld id="{48A87A34-81AB-432B-8DAE-1953F412C126}" type="datetimeFigureOut">
               <a:rPr lang="en-US" dirty="0"/>
-              <a:t>6/12/2021</a:t>
+              <a:t>6/14/2021</a:t>
             </a:fld>
             <a:endParaRPr lang="en-US" dirty="0"/>
           </a:p>
@@ -21760,7 +19142,7 @@
           <a:p>
             <a:fld id="{48A87A34-81AB-432B-8DAE-1953F412C126}" type="datetimeFigureOut">
               <a:rPr lang="en-US" dirty="0"/>
-              <a:t>6/12/2021</a:t>
+              <a:t>6/14/2021</a:t>
             </a:fld>
             <a:endParaRPr lang="en-US" dirty="0"/>
           </a:p>
@@ -21873,7 +19255,7 @@
           <a:p>
             <a:fld id="{48A87A34-81AB-432B-8DAE-1953F412C126}" type="datetimeFigureOut">
               <a:rPr lang="en-US" dirty="0"/>
-              <a:t>6/12/2021</a:t>
+              <a:t>6/14/2021</a:t>
             </a:fld>
             <a:endParaRPr lang="en-US" dirty="0"/>
           </a:p>
@@ -21963,7 +19345,7 @@
           <a:p>
             <a:fld id="{48A87A34-81AB-432B-8DAE-1953F412C126}" type="datetimeFigureOut">
               <a:rPr lang="en-US" dirty="0"/>
-              <a:t>6/12/2021</a:t>
+              <a:t>6/14/2021</a:t>
             </a:fld>
             <a:endParaRPr lang="en-US" dirty="0"/>
           </a:p>
@@ -22207,7 +19589,7 @@
           <a:p>
             <a:fld id="{48A87A34-81AB-432B-8DAE-1953F412C126}" type="datetimeFigureOut">
               <a:rPr lang="en-US" dirty="0"/>
-              <a:t>6/12/2021</a:t>
+              <a:t>6/14/2021</a:t>
             </a:fld>
             <a:endParaRPr lang="en-US" dirty="0"/>
           </a:p>
@@ -22482,7 +19864,7 @@
           <a:p>
             <a:fld id="{48A87A34-81AB-432B-8DAE-1953F412C126}" type="datetimeFigureOut">
               <a:rPr lang="en-US" dirty="0"/>
-              <a:t>6/12/2021</a:t>
+              <a:t>6/14/2021</a:t>
             </a:fld>
             <a:endParaRPr lang="en-US" dirty="0"/>
           </a:p>
@@ -25555,7 +22937,7 @@
             <a:fld id="{48A87A34-81AB-432B-8DAE-1953F412C126}" type="datetimeFigureOut">
               <a:rPr lang="en-US" dirty="0"/>
               <a:pPr/>
-              <a:t>6/12/2021</a:t>
+              <a:t>6/14/2021</a:t>
             </a:fld>
             <a:endParaRPr lang="en-US" dirty="0"/>
           </a:p>
@@ -26064,230 +23446,6 @@
         </p:nvSpPr>
         <p:spPr>
           <a:xfrm>
-            <a:off x="1153444" y="0"/>
-            <a:ext cx="9905998" cy="1478570"/>
-          </a:xfrm>
-        </p:spPr>
-        <p:txBody>
-          <a:bodyPr/>
-          <a:lstStyle/>
-          <a:p>
-            <a:pPr algn="ctr"/>
-            <a:r>
-              <a:rPr lang="ru-RU" dirty="0" smtClean="0"/>
-              <a:t>Пример машинного кода</a:t>
-            </a:r>
-            <a:endParaRPr lang="ru-RU" dirty="0"/>
-          </a:p>
-        </p:txBody>
-      </p:sp>
-      <p:pic>
-        <p:nvPicPr>
-          <p:cNvPr id="4" name="Объект 3"/>
-          <p:cNvPicPr>
-            <a:picLocks noGrp="1" noChangeAspect="1"/>
-          </p:cNvPicPr>
-          <p:nvPr>
-            <p:ph idx="1"/>
-          </p:nvPr>
-        </p:nvPicPr>
-        <p:blipFill>
-          <a:blip r:embed="rId2">
-            <a:extLst>
-              <a:ext uri="{28A0092B-C50C-407E-A947-70E740481C1C}">
-                <a14:useLocalDpi xmlns:a14="http://schemas.microsoft.com/office/drawing/2010/main" val="0"/>
-              </a:ext>
-            </a:extLst>
-          </a:blip>
-          <a:stretch>
-            <a:fillRect/>
-          </a:stretch>
-        </p:blipFill>
-        <p:spPr>
-          <a:xfrm>
-            <a:off x="943574" y="2024901"/>
-            <a:ext cx="3296306" cy="1857074"/>
-          </a:xfrm>
-        </p:spPr>
-      </p:pic>
-      <p:pic>
-        <p:nvPicPr>
-          <p:cNvPr id="5" name="Рисунок 4"/>
-          <p:cNvPicPr>
-            <a:picLocks/>
-          </p:cNvPicPr>
-          <p:nvPr/>
-        </p:nvPicPr>
-        <p:blipFill rotWithShape="1">
-          <a:blip r:embed="rId3">
-            <a:extLst>
-              <a:ext uri="{28A0092B-C50C-407E-A947-70E740481C1C}">
-                <a14:useLocalDpi xmlns:a14="http://schemas.microsoft.com/office/drawing/2010/main" val="0"/>
-              </a:ext>
-            </a:extLst>
-          </a:blip>
-          <a:srcRect t="2" r="21688" b="28134"/>
-          <a:stretch/>
-        </p:blipFill>
-        <p:spPr>
-          <a:xfrm>
-            <a:off x="4646231" y="2024901"/>
-            <a:ext cx="5796000" cy="3942762"/>
-          </a:xfrm>
-          <a:prstGeom prst="rect">
-            <a:avLst/>
-          </a:prstGeom>
-        </p:spPr>
-      </p:pic>
-      <p:sp>
-        <p:nvSpPr>
-          <p:cNvPr id="3" name="TextBox 2"/>
-          <p:cNvSpPr txBox="1"/>
-          <p:nvPr/>
-        </p:nvSpPr>
-        <p:spPr>
-          <a:xfrm>
-            <a:off x="943574" y="1335505"/>
-            <a:ext cx="3296306" cy="461665"/>
-          </a:xfrm>
-          <a:prstGeom prst="rect">
-            <a:avLst/>
-          </a:prstGeom>
-          <a:noFill/>
-        </p:spPr>
-        <p:txBody>
-          <a:bodyPr wrap="square" rtlCol="0">
-            <a:spAutoFit/>
-          </a:bodyPr>
-          <a:lstStyle/>
-          <a:p>
-            <a:pPr algn="ctr"/>
-            <a:r>
-              <a:rPr lang="ru-RU" sz="2400" dirty="0" smtClean="0"/>
-              <a:t>Бинарный код</a:t>
-            </a:r>
-            <a:endParaRPr lang="ru-RU" sz="2400" dirty="0"/>
-          </a:p>
-        </p:txBody>
-      </p:sp>
-      <p:sp>
-        <p:nvSpPr>
-          <p:cNvPr id="6" name="TextBox 5"/>
-          <p:cNvSpPr txBox="1"/>
-          <p:nvPr/>
-        </p:nvSpPr>
-        <p:spPr>
-          <a:xfrm>
-            <a:off x="4646231" y="1335505"/>
-            <a:ext cx="5796000" cy="461665"/>
-          </a:xfrm>
-          <a:prstGeom prst="rect">
-            <a:avLst/>
-          </a:prstGeom>
-          <a:noFill/>
-        </p:spPr>
-        <p:txBody>
-          <a:bodyPr wrap="square" rtlCol="0">
-            <a:spAutoFit/>
-          </a:bodyPr>
-          <a:lstStyle/>
-          <a:p>
-            <a:pPr algn="ctr"/>
-            <a:r>
-              <a:rPr lang="ru-RU" sz="2400" dirty="0" smtClean="0"/>
-              <a:t>Шестнадцатеричный </a:t>
-            </a:r>
-            <a:r>
-              <a:rPr lang="en-US" sz="2400" dirty="0" smtClean="0"/>
-              <a:t>(HEX) </a:t>
-            </a:r>
-            <a:r>
-              <a:rPr lang="ru-RU" sz="2400" dirty="0" smtClean="0"/>
-              <a:t>код</a:t>
-            </a:r>
-            <a:endParaRPr lang="ru-RU" sz="2400" dirty="0"/>
-          </a:p>
-        </p:txBody>
-      </p:sp>
-      <p:pic>
-        <p:nvPicPr>
-          <p:cNvPr id="7" name="Объект 3"/>
-          <p:cNvPicPr>
-            <a:picLocks noChangeAspect="1"/>
-          </p:cNvPicPr>
-          <p:nvPr/>
-        </p:nvPicPr>
-        <p:blipFill>
-          <a:blip r:embed="rId2">
-            <a:extLst>
-              <a:ext uri="{28A0092B-C50C-407E-A947-70E740481C1C}">
-                <a14:useLocalDpi xmlns:a14="http://schemas.microsoft.com/office/drawing/2010/main" val="0"/>
-              </a:ext>
-            </a:extLst>
-          </a:blip>
-          <a:stretch>
-            <a:fillRect/>
-          </a:stretch>
-        </p:blipFill>
-        <p:spPr>
-          <a:xfrm>
-            <a:off x="943574" y="3881975"/>
-            <a:ext cx="3296306" cy="1857074"/>
-          </a:xfrm>
-          <a:prstGeom prst="rect">
-            <a:avLst/>
-          </a:prstGeom>
-        </p:spPr>
-      </p:pic>
-    </p:spTree>
-    <p:extLst>
-      <p:ext uri="{BB962C8B-B14F-4D97-AF65-F5344CB8AC3E}">
-        <p14:creationId xmlns:p14="http://schemas.microsoft.com/office/powerpoint/2010/main" val="2317988118"/>
-      </p:ext>
-    </p:extLst>
-  </p:cSld>
-  <p:clrMapOvr>
-    <a:masterClrMapping/>
-  </p:clrMapOvr>
-  <p:timing>
-    <p:tnLst>
-      <p:par>
-        <p:cTn id="1" dur="indefinite" restart="never" nodeType="tmRoot"/>
-      </p:par>
-    </p:tnLst>
-  </p:timing>
-</p:sld>
-</file>
-
-<file path=ppt/slides/slide3.xml><?xml version="1.0" encoding="utf-8"?>
-<p:sld xmlns:a="http://schemas.openxmlformats.org/drawingml/2006/main" xmlns:r="http://schemas.openxmlformats.org/officeDocument/2006/relationships" xmlns:p="http://schemas.openxmlformats.org/presentationml/2006/main">
-  <p:cSld>
-    <p:spTree>
-      <p:nvGrpSpPr>
-        <p:cNvPr id="1" name=""/>
-        <p:cNvGrpSpPr/>
-        <p:nvPr/>
-      </p:nvGrpSpPr>
-      <p:grpSpPr>
-        <a:xfrm>
-          <a:off x="0" y="0"/>
-          <a:ext cx="0" cy="0"/>
-          <a:chOff x="0" y="0"/>
-          <a:chExt cx="0" cy="0"/>
-        </a:xfrm>
-      </p:grpSpPr>
-      <p:sp>
-        <p:nvSpPr>
-          <p:cNvPr id="2" name="Заголовок 1"/>
-          <p:cNvSpPr>
-            <a:spLocks noGrp="1"/>
-          </p:cNvSpPr>
-          <p:nvPr>
-            <p:ph type="title"/>
-          </p:nvPr>
-        </p:nvSpPr>
-        <p:spPr>
-          <a:xfrm>
             <a:off x="1217613" y="146860"/>
             <a:ext cx="9905998" cy="1014152"/>
           </a:xfrm>
@@ -26343,7 +23501,7 @@
         </p:nvGraphicFramePr>
         <p:xfrm>
           <a:off x="6437705" y="1670614"/>
-          <a:ext cx="5502047" cy="4784301"/>
+          <a:ext cx="5502047" cy="5008710"/>
         </p:xfrm>
         <a:graphic>
           <a:graphicData uri="http://schemas.openxmlformats.org/drawingml/2006/table">
@@ -30951,12 +28109,483 @@
   <p:clrMapOvr>
     <a:masterClrMapping/>
   </p:clrMapOvr>
+  <p:transition spd="slow">
+    <p:cover/>
+  </p:transition>
   <p:timing>
     <p:tnLst>
       <p:par>
-        <p:cTn id="1" dur="indefinite" restart="never" nodeType="tmRoot"/>
+        <p:cTn id="1" dur="indefinite" restart="never" nodeType="tmRoot">
+          <p:childTnLst>
+            <p:seq concurrent="1" nextAc="seek">
+              <p:cTn id="2" dur="indefinite" nodeType="mainSeq">
+                <p:childTnLst>
+                  <p:par>
+                    <p:cTn id="3" fill="hold">
+                      <p:stCondLst>
+                        <p:cond delay="indefinite"/>
+                      </p:stCondLst>
+                      <p:childTnLst>
+                        <p:par>
+                          <p:cTn id="4" fill="hold">
+                            <p:stCondLst>
+                              <p:cond delay="0"/>
+                            </p:stCondLst>
+                            <p:childTnLst>
+                              <p:par>
+                                <p:cTn id="5" presetID="1" presetClass="entr" presetSubtype="0" fill="hold" nodeType="clickEffect">
+                                  <p:stCondLst>
+                                    <p:cond delay="0"/>
+                                  </p:stCondLst>
+                                  <p:childTnLst>
+                                    <p:set>
+                                      <p:cBhvr>
+                                        <p:cTn id="6" dur="1" fill="hold">
+                                          <p:stCondLst>
+                                            <p:cond delay="0"/>
+                                          </p:stCondLst>
+                                        </p:cTn>
+                                        <p:tgtEl>
+                                          <p:spTgt spid="32"/>
+                                        </p:tgtEl>
+                                        <p:attrNameLst>
+                                          <p:attrName>style.visibility</p:attrName>
+                                        </p:attrNameLst>
+                                      </p:cBhvr>
+                                      <p:to>
+                                        <p:strVal val="visible"/>
+                                      </p:to>
+                                    </p:set>
+                                  </p:childTnLst>
+                                </p:cTn>
+                              </p:par>
+                            </p:childTnLst>
+                          </p:cTn>
+                        </p:par>
+                      </p:childTnLst>
+                    </p:cTn>
+                  </p:par>
+                  <p:par>
+                    <p:cTn id="7" fill="hold">
+                      <p:stCondLst>
+                        <p:cond delay="indefinite"/>
+                      </p:stCondLst>
+                      <p:childTnLst>
+                        <p:par>
+                          <p:cTn id="8" fill="hold">
+                            <p:stCondLst>
+                              <p:cond delay="0"/>
+                            </p:stCondLst>
+                            <p:childTnLst>
+                              <p:par>
+                                <p:cTn id="9" presetID="1" presetClass="entr" presetSubtype="0" fill="hold" grpId="0" nodeType="clickEffect">
+                                  <p:stCondLst>
+                                    <p:cond delay="0"/>
+                                  </p:stCondLst>
+                                  <p:childTnLst>
+                                    <p:set>
+                                      <p:cBhvr>
+                                        <p:cTn id="10" dur="1" fill="hold">
+                                          <p:stCondLst>
+                                            <p:cond delay="0"/>
+                                          </p:stCondLst>
+                                        </p:cTn>
+                                        <p:tgtEl>
+                                          <p:spTgt spid="28"/>
+                                        </p:tgtEl>
+                                        <p:attrNameLst>
+                                          <p:attrName>style.visibility</p:attrName>
+                                        </p:attrNameLst>
+                                      </p:cBhvr>
+                                      <p:to>
+                                        <p:strVal val="visible"/>
+                                      </p:to>
+                                    </p:set>
+                                  </p:childTnLst>
+                                </p:cTn>
+                              </p:par>
+                              <p:par>
+                                <p:cTn id="11" presetID="1" presetClass="entr" presetSubtype="0" fill="hold" nodeType="withEffect">
+                                  <p:stCondLst>
+                                    <p:cond delay="0"/>
+                                  </p:stCondLst>
+                                  <p:childTnLst>
+                                    <p:set>
+                                      <p:cBhvr>
+                                        <p:cTn id="12" dur="1" fill="hold">
+                                          <p:stCondLst>
+                                            <p:cond delay="0"/>
+                                          </p:stCondLst>
+                                        </p:cTn>
+                                        <p:tgtEl>
+                                          <p:spTgt spid="27"/>
+                                        </p:tgtEl>
+                                        <p:attrNameLst>
+                                          <p:attrName>style.visibility</p:attrName>
+                                        </p:attrNameLst>
+                                      </p:cBhvr>
+                                      <p:to>
+                                        <p:strVal val="visible"/>
+                                      </p:to>
+                                    </p:set>
+                                  </p:childTnLst>
+                                </p:cTn>
+                              </p:par>
+                            </p:childTnLst>
+                          </p:cTn>
+                        </p:par>
+                      </p:childTnLst>
+                    </p:cTn>
+                  </p:par>
+                </p:childTnLst>
+              </p:cTn>
+              <p:prevCondLst>
+                <p:cond evt="onPrev" delay="0">
+                  <p:tgtEl>
+                    <p:sldTgt/>
+                  </p:tgtEl>
+                </p:cond>
+              </p:prevCondLst>
+              <p:nextCondLst>
+                <p:cond evt="onNext" delay="0">
+                  <p:tgtEl>
+                    <p:sldTgt/>
+                  </p:tgtEl>
+                </p:cond>
+              </p:nextCondLst>
+            </p:seq>
+          </p:childTnLst>
+        </p:cTn>
       </p:par>
     </p:tnLst>
+    <p:bldLst>
+      <p:bldP spid="28" grpId="0"/>
+    </p:bldLst>
+  </p:timing>
+</p:sld>
+</file>
+
+<file path=ppt/slides/slide3.xml><?xml version="1.0" encoding="utf-8"?>
+<p:sld xmlns:a="http://schemas.openxmlformats.org/drawingml/2006/main" xmlns:r="http://schemas.openxmlformats.org/officeDocument/2006/relationships" xmlns:p="http://schemas.openxmlformats.org/presentationml/2006/main">
+  <p:cSld>
+    <p:spTree>
+      <p:nvGrpSpPr>
+        <p:cNvPr id="1" name=""/>
+        <p:cNvGrpSpPr/>
+        <p:nvPr/>
+      </p:nvGrpSpPr>
+      <p:grpSpPr>
+        <a:xfrm>
+          <a:off x="0" y="0"/>
+          <a:ext cx="0" cy="0"/>
+          <a:chOff x="0" y="0"/>
+          <a:chExt cx="0" cy="0"/>
+        </a:xfrm>
+      </p:grpSpPr>
+      <p:sp>
+        <p:nvSpPr>
+          <p:cNvPr id="2" name="Заголовок 1"/>
+          <p:cNvSpPr>
+            <a:spLocks noGrp="1"/>
+          </p:cNvSpPr>
+          <p:nvPr>
+            <p:ph type="title"/>
+          </p:nvPr>
+        </p:nvSpPr>
+        <p:spPr>
+          <a:xfrm>
+            <a:off x="1153444" y="0"/>
+            <a:ext cx="9905998" cy="1478570"/>
+          </a:xfrm>
+        </p:spPr>
+        <p:txBody>
+          <a:bodyPr/>
+          <a:lstStyle/>
+          <a:p>
+            <a:pPr algn="ctr"/>
+            <a:r>
+              <a:rPr lang="ru-RU" dirty="0" smtClean="0"/>
+              <a:t>Пример машинного кода</a:t>
+            </a:r>
+            <a:endParaRPr lang="ru-RU" dirty="0"/>
+          </a:p>
+        </p:txBody>
+      </p:sp>
+      <p:pic>
+        <p:nvPicPr>
+          <p:cNvPr id="4" name="Объект 3"/>
+          <p:cNvPicPr>
+            <a:picLocks noGrp="1" noChangeAspect="1"/>
+          </p:cNvPicPr>
+          <p:nvPr>
+            <p:ph idx="1"/>
+          </p:nvPr>
+        </p:nvPicPr>
+        <p:blipFill>
+          <a:blip r:embed="rId2">
+            <a:extLst>
+              <a:ext uri="{28A0092B-C50C-407E-A947-70E740481C1C}">
+                <a14:useLocalDpi xmlns:a14="http://schemas.microsoft.com/office/drawing/2010/main" val="0"/>
+              </a:ext>
+            </a:extLst>
+          </a:blip>
+          <a:stretch>
+            <a:fillRect/>
+          </a:stretch>
+        </p:blipFill>
+        <p:spPr>
+          <a:xfrm>
+            <a:off x="943574" y="2024901"/>
+            <a:ext cx="3296306" cy="1857074"/>
+          </a:xfrm>
+        </p:spPr>
+      </p:pic>
+      <p:pic>
+        <p:nvPicPr>
+          <p:cNvPr id="5" name="Рисунок 4"/>
+          <p:cNvPicPr>
+            <a:picLocks/>
+          </p:cNvPicPr>
+          <p:nvPr/>
+        </p:nvPicPr>
+        <p:blipFill rotWithShape="1">
+          <a:blip r:embed="rId3">
+            <a:extLst>
+              <a:ext uri="{28A0092B-C50C-407E-A947-70E740481C1C}">
+                <a14:useLocalDpi xmlns:a14="http://schemas.microsoft.com/office/drawing/2010/main" val="0"/>
+              </a:ext>
+            </a:extLst>
+          </a:blip>
+          <a:srcRect t="2" r="21688" b="31603"/>
+          <a:stretch/>
+        </p:blipFill>
+        <p:spPr>
+          <a:xfrm>
+            <a:off x="4646231" y="2024901"/>
+            <a:ext cx="5796000" cy="3714148"/>
+          </a:xfrm>
+          <a:prstGeom prst="rect">
+            <a:avLst/>
+          </a:prstGeom>
+        </p:spPr>
+      </p:pic>
+      <p:sp>
+        <p:nvSpPr>
+          <p:cNvPr id="3" name="TextBox 2"/>
+          <p:cNvSpPr txBox="1"/>
+          <p:nvPr/>
+        </p:nvSpPr>
+        <p:spPr>
+          <a:xfrm>
+            <a:off x="943574" y="1335505"/>
+            <a:ext cx="3296306" cy="461665"/>
+          </a:xfrm>
+          <a:prstGeom prst="rect">
+            <a:avLst/>
+          </a:prstGeom>
+          <a:noFill/>
+        </p:spPr>
+        <p:txBody>
+          <a:bodyPr wrap="square" rtlCol="0">
+            <a:spAutoFit/>
+          </a:bodyPr>
+          <a:lstStyle/>
+          <a:p>
+            <a:pPr algn="ctr"/>
+            <a:r>
+              <a:rPr lang="ru-RU" sz="2400" dirty="0" smtClean="0"/>
+              <a:t>Бинарный код</a:t>
+            </a:r>
+            <a:endParaRPr lang="ru-RU" sz="2400" dirty="0"/>
+          </a:p>
+        </p:txBody>
+      </p:sp>
+      <p:sp>
+        <p:nvSpPr>
+          <p:cNvPr id="6" name="TextBox 5"/>
+          <p:cNvSpPr txBox="1"/>
+          <p:nvPr/>
+        </p:nvSpPr>
+        <p:spPr>
+          <a:xfrm>
+            <a:off x="4646231" y="1335505"/>
+            <a:ext cx="5796000" cy="461665"/>
+          </a:xfrm>
+          <a:prstGeom prst="rect">
+            <a:avLst/>
+          </a:prstGeom>
+          <a:noFill/>
+        </p:spPr>
+        <p:txBody>
+          <a:bodyPr wrap="square" rtlCol="0">
+            <a:spAutoFit/>
+          </a:bodyPr>
+          <a:lstStyle/>
+          <a:p>
+            <a:pPr algn="ctr"/>
+            <a:r>
+              <a:rPr lang="ru-RU" sz="2400" dirty="0" smtClean="0"/>
+              <a:t>Шестнадцатеричный </a:t>
+            </a:r>
+            <a:r>
+              <a:rPr lang="en-US" sz="2400" dirty="0" smtClean="0"/>
+              <a:t>(HEX) </a:t>
+            </a:r>
+            <a:r>
+              <a:rPr lang="ru-RU" sz="2400" dirty="0" smtClean="0"/>
+              <a:t>код</a:t>
+            </a:r>
+            <a:endParaRPr lang="ru-RU" sz="2400" dirty="0"/>
+          </a:p>
+        </p:txBody>
+      </p:sp>
+      <p:pic>
+        <p:nvPicPr>
+          <p:cNvPr id="7" name="Объект 3"/>
+          <p:cNvPicPr>
+            <a:picLocks noChangeAspect="1"/>
+          </p:cNvPicPr>
+          <p:nvPr/>
+        </p:nvPicPr>
+        <p:blipFill>
+          <a:blip r:embed="rId2">
+            <a:extLst>
+              <a:ext uri="{28A0092B-C50C-407E-A947-70E740481C1C}">
+                <a14:useLocalDpi xmlns:a14="http://schemas.microsoft.com/office/drawing/2010/main" val="0"/>
+              </a:ext>
+            </a:extLst>
+          </a:blip>
+          <a:stretch>
+            <a:fillRect/>
+          </a:stretch>
+        </p:blipFill>
+        <p:spPr>
+          <a:xfrm>
+            <a:off x="943574" y="3881975"/>
+            <a:ext cx="3296306" cy="1857074"/>
+          </a:xfrm>
+          <a:prstGeom prst="rect">
+            <a:avLst/>
+          </a:prstGeom>
+        </p:spPr>
+      </p:pic>
+    </p:spTree>
+    <p:extLst>
+      <p:ext uri="{BB962C8B-B14F-4D97-AF65-F5344CB8AC3E}">
+        <p14:creationId xmlns:p14="http://schemas.microsoft.com/office/powerpoint/2010/main" val="2317988118"/>
+      </p:ext>
+    </p:extLst>
+  </p:cSld>
+  <p:clrMapOvr>
+    <a:masterClrMapping/>
+  </p:clrMapOvr>
+  <p:transition spd="slow">
+    <p:cover/>
+  </p:transition>
+  <p:timing>
+    <p:tnLst>
+      <p:par>
+        <p:cTn id="1" dur="indefinite" restart="never" nodeType="tmRoot">
+          <p:childTnLst>
+            <p:seq concurrent="1" nextAc="seek">
+              <p:cTn id="2" dur="indefinite" nodeType="mainSeq">
+                <p:childTnLst>
+                  <p:par>
+                    <p:cTn id="3" fill="hold">
+                      <p:stCondLst>
+                        <p:cond delay="indefinite"/>
+                      </p:stCondLst>
+                      <p:childTnLst>
+                        <p:par>
+                          <p:cTn id="4" fill="hold">
+                            <p:stCondLst>
+                              <p:cond delay="0"/>
+                            </p:stCondLst>
+                            <p:childTnLst>
+                              <p:par>
+                                <p:cTn id="5" presetID="1" presetClass="entr" presetSubtype="0" fill="hold" grpId="0" nodeType="clickEffect">
+                                  <p:stCondLst>
+                                    <p:cond delay="0"/>
+                                  </p:stCondLst>
+                                  <p:childTnLst>
+                                    <p:set>
+                                      <p:cBhvr>
+                                        <p:cTn id="6" dur="1" fill="hold">
+                                          <p:stCondLst>
+                                            <p:cond delay="0"/>
+                                          </p:stCondLst>
+                                        </p:cTn>
+                                        <p:tgtEl>
+                                          <p:spTgt spid="6"/>
+                                        </p:tgtEl>
+                                        <p:attrNameLst>
+                                          <p:attrName>style.visibility</p:attrName>
+                                        </p:attrNameLst>
+                                      </p:cBhvr>
+                                      <p:to>
+                                        <p:strVal val="visible"/>
+                                      </p:to>
+                                    </p:set>
+                                  </p:childTnLst>
+                                </p:cTn>
+                              </p:par>
+                              <p:par>
+                                <p:cTn id="7" presetID="1" presetClass="entr" presetSubtype="0" fill="hold" nodeType="withEffect">
+                                  <p:stCondLst>
+                                    <p:cond delay="0"/>
+                                  </p:stCondLst>
+                                  <p:childTnLst>
+                                    <p:set>
+                                      <p:cBhvr>
+                                        <p:cTn id="8" dur="1" fill="hold">
+                                          <p:stCondLst>
+                                            <p:cond delay="0"/>
+                                          </p:stCondLst>
+                                        </p:cTn>
+                                        <p:tgtEl>
+                                          <p:spTgt spid="5"/>
+                                        </p:tgtEl>
+                                        <p:attrNameLst>
+                                          <p:attrName>style.visibility</p:attrName>
+                                        </p:attrNameLst>
+                                      </p:cBhvr>
+                                      <p:to>
+                                        <p:strVal val="visible"/>
+                                      </p:to>
+                                    </p:set>
+                                  </p:childTnLst>
+                                </p:cTn>
+                              </p:par>
+                            </p:childTnLst>
+                          </p:cTn>
+                        </p:par>
+                      </p:childTnLst>
+                    </p:cTn>
+                  </p:par>
+                </p:childTnLst>
+              </p:cTn>
+              <p:prevCondLst>
+                <p:cond evt="onPrev" delay="0">
+                  <p:tgtEl>
+                    <p:sldTgt/>
+                  </p:tgtEl>
+                </p:cond>
+              </p:prevCondLst>
+              <p:nextCondLst>
+                <p:cond evt="onNext" delay="0">
+                  <p:tgtEl>
+                    <p:sldTgt/>
+                  </p:tgtEl>
+                </p:cond>
+              </p:nextCondLst>
+            </p:seq>
+          </p:childTnLst>
+        </p:cTn>
+      </p:par>
+    </p:tnLst>
+    <p:bldLst>
+      <p:bldP spid="6" grpId="0"/>
+    </p:bldLst>
   </p:timing>
 </p:sld>
 </file>
@@ -31216,6 +28845,36 @@
           </a:p>
         </p:txBody>
       </p:sp>
+      <p:pic>
+        <p:nvPicPr>
+          <p:cNvPr id="9" name="Объект 3"/>
+          <p:cNvPicPr>
+            <a:picLocks noChangeAspect="1"/>
+          </p:cNvPicPr>
+          <p:nvPr/>
+        </p:nvPicPr>
+        <p:blipFill>
+          <a:blip r:embed="rId2">
+            <a:extLst>
+              <a:ext uri="{28A0092B-C50C-407E-A947-70E740481C1C}">
+                <a14:useLocalDpi xmlns:a14="http://schemas.microsoft.com/office/drawing/2010/main" val="0"/>
+              </a:ext>
+            </a:extLst>
+          </a:blip>
+          <a:stretch>
+            <a:fillRect/>
+          </a:stretch>
+        </p:blipFill>
+        <p:spPr>
+          <a:xfrm>
+            <a:off x="8162522" y="4184971"/>
+            <a:ext cx="3296306" cy="1857074"/>
+          </a:xfrm>
+          <a:prstGeom prst="rect">
+            <a:avLst/>
+          </a:prstGeom>
+        </p:spPr>
+      </p:pic>
     </p:spTree>
     <p:extLst>
       <p:ext uri="{BB962C8B-B14F-4D97-AF65-F5344CB8AC3E}">
@@ -31226,6 +28885,9 @@
   <p:clrMapOvr>
     <a:masterClrMapping/>
   </p:clrMapOvr>
+  <p:transition spd="med">
+    <p:pull/>
+  </p:transition>
   <p:timing>
     <p:tnLst>
       <p:par>
@@ -31237,720 +28899,6 @@
 </file>
 
 <file path=ppt/slides/slide5.xml><?xml version="1.0" encoding="utf-8"?>
-<p:sld xmlns:a="http://schemas.openxmlformats.org/drawingml/2006/main" xmlns:r="http://schemas.openxmlformats.org/officeDocument/2006/relationships" xmlns:p="http://schemas.openxmlformats.org/presentationml/2006/main">
-  <p:cSld>
-    <p:spTree>
-      <p:nvGrpSpPr>
-        <p:cNvPr id="1" name=""/>
-        <p:cNvGrpSpPr/>
-        <p:nvPr/>
-      </p:nvGrpSpPr>
-      <p:grpSpPr>
-        <a:xfrm>
-          <a:off x="0" y="0"/>
-          <a:ext cx="0" cy="0"/>
-          <a:chOff x="0" y="0"/>
-          <a:chExt cx="0" cy="0"/>
-        </a:xfrm>
-      </p:grpSpPr>
-      <p:sp>
-        <p:nvSpPr>
-          <p:cNvPr id="2" name="Заголовок 1"/>
-          <p:cNvSpPr>
-            <a:spLocks noGrp="1"/>
-          </p:cNvSpPr>
-          <p:nvPr>
-            <p:ph type="title"/>
-          </p:nvPr>
-        </p:nvSpPr>
-        <p:spPr>
-          <a:xfrm>
-            <a:off x="1158347" y="449185"/>
-            <a:ext cx="9905998" cy="716987"/>
-          </a:xfrm>
-        </p:spPr>
-        <p:txBody>
-          <a:bodyPr/>
-          <a:lstStyle/>
-          <a:p>
-            <a:pPr algn="ctr"/>
-            <a:r>
-              <a:rPr lang="ru-RU" dirty="0" smtClean="0"/>
-              <a:t>Современные программы</a:t>
-            </a:r>
-            <a:endParaRPr lang="ru-RU" dirty="0"/>
-          </a:p>
-        </p:txBody>
-      </p:sp>
-      <p:graphicFrame>
-        <p:nvGraphicFramePr>
-          <p:cNvPr id="11" name="Схема 10"/>
-          <p:cNvGraphicFramePr/>
-          <p:nvPr>
-            <p:extLst>
-              <p:ext uri="{D42A27DB-BD31-4B8C-83A1-F6EECF244321}">
-                <p14:modId xmlns:p14="http://schemas.microsoft.com/office/powerpoint/2010/main" val="746728453"/>
-              </p:ext>
-            </p:extLst>
-          </p:nvPr>
-        </p:nvGraphicFramePr>
-        <p:xfrm>
-          <a:off x="592667" y="1490133"/>
-          <a:ext cx="5198533" cy="4648200"/>
-        </p:xfrm>
-        <a:graphic>
-          <a:graphicData uri="http://schemas.openxmlformats.org/drawingml/2006/diagram">
-            <dgm:relIds xmlns:dgm="http://schemas.openxmlformats.org/drawingml/2006/diagram" xmlns:r="http://schemas.openxmlformats.org/officeDocument/2006/relationships" r:dm="rId2" r:lo="rId3" r:qs="rId4" r:cs="rId5"/>
-          </a:graphicData>
-        </a:graphic>
-      </p:graphicFrame>
-      <p:sp>
-        <p:nvSpPr>
-          <p:cNvPr id="14" name="Прямоугольник 13"/>
-          <p:cNvSpPr/>
-          <p:nvPr/>
-        </p:nvSpPr>
-        <p:spPr>
-          <a:xfrm>
-            <a:off x="6400798" y="1490133"/>
-            <a:ext cx="5266267" cy="914400"/>
-          </a:xfrm>
-          <a:prstGeom prst="rect">
-            <a:avLst/>
-          </a:prstGeom>
-          <a:solidFill>
-            <a:schemeClr val="tx1">
-              <a:alpha val="40000"/>
-            </a:schemeClr>
-          </a:solidFill>
-          <a:ln>
-            <a:solidFill>
-              <a:schemeClr val="tx1"/>
-            </a:solidFill>
-          </a:ln>
-        </p:spPr>
-        <p:style>
-          <a:lnRef idx="2">
-            <a:schemeClr val="accent1">
-              <a:shade val="50000"/>
-            </a:schemeClr>
-          </a:lnRef>
-          <a:fillRef idx="1">
-            <a:schemeClr val="accent1"/>
-          </a:fillRef>
-          <a:effectRef idx="0">
-            <a:schemeClr val="accent1"/>
-          </a:effectRef>
-          <a:fontRef idx="minor">
-            <a:schemeClr val="lt1"/>
-          </a:fontRef>
-        </p:style>
-        <p:txBody>
-          <a:bodyPr rtlCol="0" anchor="ctr"/>
-          <a:lstStyle/>
-          <a:p>
-            <a:pPr algn="ctr"/>
-            <a:r>
-              <a:rPr lang="ru-RU" sz="2800" dirty="0" smtClean="0">
-                <a:solidFill>
-                  <a:schemeClr val="bg1"/>
-                </a:solidFill>
-              </a:rPr>
-              <a:t>Протоколы передачи данных</a:t>
-            </a:r>
-            <a:endParaRPr lang="ru-RU" sz="2800" dirty="0">
-              <a:solidFill>
-                <a:schemeClr val="bg1"/>
-              </a:solidFill>
-            </a:endParaRPr>
-          </a:p>
-        </p:txBody>
-      </p:sp>
-      <p:sp>
-        <p:nvSpPr>
-          <p:cNvPr id="15" name="Прямоугольник 14"/>
-          <p:cNvSpPr/>
-          <p:nvPr/>
-        </p:nvSpPr>
-        <p:spPr>
-          <a:xfrm>
-            <a:off x="6400797" y="2781521"/>
-            <a:ext cx="5266267" cy="914400"/>
-          </a:xfrm>
-          <a:prstGeom prst="rect">
-            <a:avLst/>
-          </a:prstGeom>
-          <a:solidFill>
-            <a:schemeClr val="tx1">
-              <a:alpha val="40000"/>
-            </a:schemeClr>
-          </a:solidFill>
-          <a:ln>
-            <a:solidFill>
-              <a:schemeClr val="tx1"/>
-            </a:solidFill>
-          </a:ln>
-        </p:spPr>
-        <p:style>
-          <a:lnRef idx="2">
-            <a:schemeClr val="accent1">
-              <a:shade val="50000"/>
-            </a:schemeClr>
-          </a:lnRef>
-          <a:fillRef idx="1">
-            <a:schemeClr val="accent1"/>
-          </a:fillRef>
-          <a:effectRef idx="0">
-            <a:schemeClr val="accent1"/>
-          </a:effectRef>
-          <a:fontRef idx="minor">
-            <a:schemeClr val="lt1"/>
-          </a:fontRef>
-        </p:style>
-        <p:txBody>
-          <a:bodyPr rtlCol="0" anchor="ctr"/>
-          <a:lstStyle/>
-          <a:p>
-            <a:pPr algn="ctr"/>
-            <a:r>
-              <a:rPr lang="ru-RU" sz="2800" dirty="0" smtClean="0">
-                <a:solidFill>
-                  <a:schemeClr val="bg1"/>
-                </a:solidFill>
-              </a:rPr>
-              <a:t>Драйверы устройств</a:t>
-            </a:r>
-            <a:endParaRPr lang="ru-RU" sz="2800" dirty="0">
-              <a:solidFill>
-                <a:schemeClr val="bg1"/>
-              </a:solidFill>
-            </a:endParaRPr>
-          </a:p>
-        </p:txBody>
-      </p:sp>
-      <p:sp>
-        <p:nvSpPr>
-          <p:cNvPr id="16" name="Прямоугольник 15"/>
-          <p:cNvSpPr/>
-          <p:nvPr/>
-        </p:nvSpPr>
-        <p:spPr>
-          <a:xfrm>
-            <a:off x="6400796" y="4019882"/>
-            <a:ext cx="5266267" cy="914400"/>
-          </a:xfrm>
-          <a:prstGeom prst="rect">
-            <a:avLst/>
-          </a:prstGeom>
-          <a:solidFill>
-            <a:schemeClr val="tx1">
-              <a:alpha val="40000"/>
-            </a:schemeClr>
-          </a:solidFill>
-          <a:ln>
-            <a:solidFill>
-              <a:schemeClr val="tx1"/>
-            </a:solidFill>
-          </a:ln>
-        </p:spPr>
-        <p:style>
-          <a:lnRef idx="2">
-            <a:schemeClr val="accent1">
-              <a:shade val="50000"/>
-            </a:schemeClr>
-          </a:lnRef>
-          <a:fillRef idx="1">
-            <a:schemeClr val="accent1"/>
-          </a:fillRef>
-          <a:effectRef idx="0">
-            <a:schemeClr val="accent1"/>
-          </a:effectRef>
-          <a:fontRef idx="minor">
-            <a:schemeClr val="lt1"/>
-          </a:fontRef>
-        </p:style>
-        <p:txBody>
-          <a:bodyPr rtlCol="0" anchor="ctr"/>
-          <a:lstStyle/>
-          <a:p>
-            <a:pPr algn="ctr"/>
-            <a:r>
-              <a:rPr lang="ru-RU" sz="2800" dirty="0" smtClean="0">
-                <a:solidFill>
-                  <a:schemeClr val="bg1"/>
-                </a:solidFill>
-              </a:rPr>
-              <a:t>Универсальные компоненты</a:t>
-            </a:r>
-            <a:endParaRPr lang="ru-RU" sz="2800" dirty="0">
-              <a:solidFill>
-                <a:schemeClr val="bg1"/>
-              </a:solidFill>
-            </a:endParaRPr>
-          </a:p>
-        </p:txBody>
-      </p:sp>
-      <p:sp>
-        <p:nvSpPr>
-          <p:cNvPr id="17" name="Прямоугольник 16"/>
-          <p:cNvSpPr/>
-          <p:nvPr/>
-        </p:nvSpPr>
-        <p:spPr>
-          <a:xfrm>
-            <a:off x="6400800" y="1490133"/>
-            <a:ext cx="5266267" cy="914400"/>
-          </a:xfrm>
-          <a:prstGeom prst="rect">
-            <a:avLst/>
-          </a:prstGeom>
-          <a:solidFill>
-            <a:schemeClr val="tx1">
-              <a:alpha val="40000"/>
-            </a:schemeClr>
-          </a:solidFill>
-          <a:ln>
-            <a:solidFill>
-              <a:schemeClr val="tx1"/>
-            </a:solidFill>
-          </a:ln>
-        </p:spPr>
-        <p:style>
-          <a:lnRef idx="2">
-            <a:schemeClr val="accent1">
-              <a:shade val="50000"/>
-            </a:schemeClr>
-          </a:lnRef>
-          <a:fillRef idx="1">
-            <a:schemeClr val="accent1"/>
-          </a:fillRef>
-          <a:effectRef idx="0">
-            <a:schemeClr val="accent1"/>
-          </a:effectRef>
-          <a:fontRef idx="minor">
-            <a:schemeClr val="lt1"/>
-          </a:fontRef>
-        </p:style>
-        <p:txBody>
-          <a:bodyPr rtlCol="0" anchor="ctr"/>
-          <a:lstStyle/>
-          <a:p>
-            <a:pPr algn="ctr"/>
-            <a:r>
-              <a:rPr lang="ru-RU" sz="2800" dirty="0" smtClean="0">
-                <a:solidFill>
-                  <a:schemeClr val="bg1"/>
-                </a:solidFill>
-              </a:rPr>
-              <a:t>Протоколы передачи данных</a:t>
-            </a:r>
-            <a:endParaRPr lang="ru-RU" sz="2800" dirty="0">
-              <a:solidFill>
-                <a:schemeClr val="bg1"/>
-              </a:solidFill>
-            </a:endParaRPr>
-          </a:p>
-        </p:txBody>
-      </p:sp>
-      <p:sp>
-        <p:nvSpPr>
-          <p:cNvPr id="18" name="Прямоугольник 17"/>
-          <p:cNvSpPr/>
-          <p:nvPr/>
-        </p:nvSpPr>
-        <p:spPr>
-          <a:xfrm>
-            <a:off x="6400795" y="5223933"/>
-            <a:ext cx="5266267" cy="914400"/>
-          </a:xfrm>
-          <a:prstGeom prst="rect">
-            <a:avLst/>
-          </a:prstGeom>
-          <a:solidFill>
-            <a:schemeClr val="tx1">
-              <a:alpha val="40000"/>
-            </a:schemeClr>
-          </a:solidFill>
-          <a:ln>
-            <a:solidFill>
-              <a:schemeClr val="tx1"/>
-            </a:solidFill>
-          </a:ln>
-        </p:spPr>
-        <p:style>
-          <a:lnRef idx="2">
-            <a:schemeClr val="accent1">
-              <a:shade val="50000"/>
-            </a:schemeClr>
-          </a:lnRef>
-          <a:fillRef idx="1">
-            <a:schemeClr val="accent1"/>
-          </a:fillRef>
-          <a:effectRef idx="0">
-            <a:schemeClr val="accent1"/>
-          </a:effectRef>
-          <a:fontRef idx="minor">
-            <a:schemeClr val="lt1"/>
-          </a:fontRef>
-        </p:style>
-        <p:txBody>
-          <a:bodyPr rtlCol="0" anchor="ctr"/>
-          <a:lstStyle/>
-          <a:p>
-            <a:pPr algn="ctr"/>
-            <a:r>
-              <a:rPr lang="ru-RU" sz="2800" dirty="0" smtClean="0">
-                <a:solidFill>
-                  <a:schemeClr val="bg1"/>
-                </a:solidFill>
-              </a:rPr>
-              <a:t>Всякое разное</a:t>
-            </a:r>
-            <a:endParaRPr lang="ru-RU" sz="2800" dirty="0">
-              <a:solidFill>
-                <a:schemeClr val="bg1"/>
-              </a:solidFill>
-            </a:endParaRPr>
-          </a:p>
-        </p:txBody>
-      </p:sp>
-    </p:spTree>
-    <p:extLst>
-      <p:ext uri="{BB962C8B-B14F-4D97-AF65-F5344CB8AC3E}">
-        <p14:creationId xmlns:p14="http://schemas.microsoft.com/office/powerpoint/2010/main" val="666888932"/>
-      </p:ext>
-    </p:extLst>
-  </p:cSld>
-  <p:clrMapOvr>
-    <a:masterClrMapping/>
-  </p:clrMapOvr>
-  <p:timing>
-    <p:tnLst>
-      <p:par>
-        <p:cTn id="1" dur="indefinite" restart="never" nodeType="tmRoot"/>
-      </p:par>
-    </p:tnLst>
-  </p:timing>
-</p:sld>
-</file>
-
-<file path=ppt/slides/slide6.xml><?xml version="1.0" encoding="utf-8"?>
-<p:sld xmlns:a="http://schemas.openxmlformats.org/drawingml/2006/main" xmlns:r="http://schemas.openxmlformats.org/officeDocument/2006/relationships" xmlns:p="http://schemas.openxmlformats.org/presentationml/2006/main">
-  <p:cSld>
-    <p:spTree>
-      <p:nvGrpSpPr>
-        <p:cNvPr id="1" name=""/>
-        <p:cNvGrpSpPr/>
-        <p:nvPr/>
-      </p:nvGrpSpPr>
-      <p:grpSpPr>
-        <a:xfrm>
-          <a:off x="0" y="0"/>
-          <a:ext cx="0" cy="0"/>
-          <a:chOff x="0" y="0"/>
-          <a:chExt cx="0" cy="0"/>
-        </a:xfrm>
-      </p:grpSpPr>
-      <p:sp>
-        <p:nvSpPr>
-          <p:cNvPr id="2" name="Заголовок 1"/>
-          <p:cNvSpPr>
-            <a:spLocks noGrp="1"/>
-          </p:cNvSpPr>
-          <p:nvPr>
-            <p:ph type="title"/>
-          </p:nvPr>
-        </p:nvSpPr>
-        <p:spPr>
-          <a:xfrm>
-            <a:off x="708236" y="197017"/>
-            <a:ext cx="9905998" cy="702282"/>
-          </a:xfrm>
-        </p:spPr>
-        <p:txBody>
-          <a:bodyPr/>
-          <a:lstStyle/>
-          <a:p>
-            <a:pPr algn="ctr"/>
-            <a:r>
-              <a:rPr lang="ru-RU" dirty="0" smtClean="0"/>
-              <a:t>История развития платформы </a:t>
-            </a:r>
-            <a:r>
-              <a:rPr lang="en-US" dirty="0" smtClean="0"/>
-              <a:t>.NET</a:t>
-            </a:r>
-            <a:endParaRPr lang="ru-RU" dirty="0"/>
-          </a:p>
-        </p:txBody>
-      </p:sp>
-      <p:graphicFrame>
-        <p:nvGraphicFramePr>
-          <p:cNvPr id="12" name="Схема 11"/>
-          <p:cNvGraphicFramePr/>
-          <p:nvPr>
-            <p:extLst>
-              <p:ext uri="{D42A27DB-BD31-4B8C-83A1-F6EECF244321}">
-                <p14:modId xmlns:p14="http://schemas.microsoft.com/office/powerpoint/2010/main" val="4171098763"/>
-              </p:ext>
-            </p:extLst>
-          </p:nvPr>
-        </p:nvGraphicFramePr>
-        <p:xfrm>
-          <a:off x="898735" y="1358899"/>
-          <a:ext cx="3635165" cy="2387601"/>
-        </p:xfrm>
-        <a:graphic>
-          <a:graphicData uri="http://schemas.openxmlformats.org/drawingml/2006/diagram">
-            <dgm:relIds xmlns:dgm="http://schemas.openxmlformats.org/drawingml/2006/diagram" xmlns:r="http://schemas.openxmlformats.org/officeDocument/2006/relationships" r:dm="rId2" r:lo="rId3" r:qs="rId4" r:cs="rId5"/>
-          </a:graphicData>
-        </a:graphic>
-      </p:graphicFrame>
-      <p:sp>
-        <p:nvSpPr>
-          <p:cNvPr id="13" name="Скругленный прямоугольник 12"/>
-          <p:cNvSpPr/>
-          <p:nvPr/>
-        </p:nvSpPr>
-        <p:spPr>
-          <a:xfrm>
-            <a:off x="5016500" y="1562100"/>
-            <a:ext cx="2451100" cy="622300"/>
-          </a:xfrm>
-          <a:prstGeom prst="roundRect">
-            <a:avLst/>
-          </a:prstGeom>
-          <a:solidFill>
-            <a:schemeClr val="bg2">
-              <a:alpha val="17000"/>
-            </a:schemeClr>
-          </a:solidFill>
-        </p:spPr>
-        <p:style>
-          <a:lnRef idx="2">
-            <a:schemeClr val="accent1">
-              <a:shade val="50000"/>
-            </a:schemeClr>
-          </a:lnRef>
-          <a:fillRef idx="1">
-            <a:schemeClr val="accent1"/>
-          </a:fillRef>
-          <a:effectRef idx="0">
-            <a:schemeClr val="accent1"/>
-          </a:effectRef>
-          <a:fontRef idx="minor">
-            <a:schemeClr val="lt1"/>
-          </a:fontRef>
-        </p:style>
-        <p:txBody>
-          <a:bodyPr rtlCol="0" anchor="ctr"/>
-          <a:lstStyle/>
-          <a:p>
-            <a:pPr algn="ctr"/>
-            <a:r>
-              <a:rPr lang="en-US" dirty="0" smtClean="0"/>
-              <a:t>MONO</a:t>
-            </a:r>
-            <a:endParaRPr lang="ru-RU" dirty="0"/>
-          </a:p>
-        </p:txBody>
-      </p:sp>
-      <p:graphicFrame>
-        <p:nvGraphicFramePr>
-          <p:cNvPr id="17" name="Схема 16"/>
-          <p:cNvGraphicFramePr/>
-          <p:nvPr>
-            <p:extLst>
-              <p:ext uri="{D42A27DB-BD31-4B8C-83A1-F6EECF244321}">
-                <p14:modId xmlns:p14="http://schemas.microsoft.com/office/powerpoint/2010/main" val="1351273049"/>
-              </p:ext>
-            </p:extLst>
-          </p:nvPr>
-        </p:nvGraphicFramePr>
-        <p:xfrm>
-          <a:off x="7950200" y="1562100"/>
-          <a:ext cx="3635165" cy="2387601"/>
-        </p:xfrm>
-        <a:graphic>
-          <a:graphicData uri="http://schemas.openxmlformats.org/drawingml/2006/diagram">
-            <dgm:relIds xmlns:dgm="http://schemas.openxmlformats.org/drawingml/2006/diagram" xmlns:r="http://schemas.openxmlformats.org/officeDocument/2006/relationships" r:dm="rId7" r:lo="rId8" r:qs="rId9" r:cs="rId10"/>
-          </a:graphicData>
-        </a:graphic>
-      </p:graphicFrame>
-      <p:sp>
-        <p:nvSpPr>
-          <p:cNvPr id="18" name="Скругленный прямоугольник 17"/>
-          <p:cNvSpPr/>
-          <p:nvPr/>
-        </p:nvSpPr>
-        <p:spPr>
-          <a:xfrm>
-            <a:off x="898735" y="4612502"/>
-            <a:ext cx="10686630" cy="1676400"/>
-          </a:xfrm>
-          <a:prstGeom prst="roundRect">
-            <a:avLst/>
-          </a:prstGeom>
-          <a:solidFill>
-            <a:schemeClr val="accent1">
-              <a:alpha val="73000"/>
-            </a:schemeClr>
-          </a:solidFill>
-        </p:spPr>
-        <p:style>
-          <a:lnRef idx="2">
-            <a:schemeClr val="accent1">
-              <a:shade val="50000"/>
-            </a:schemeClr>
-          </a:lnRef>
-          <a:fillRef idx="1">
-            <a:schemeClr val="accent1"/>
-          </a:fillRef>
-          <a:effectRef idx="0">
-            <a:schemeClr val="accent1"/>
-          </a:effectRef>
-          <a:fontRef idx="minor">
-            <a:schemeClr val="lt1"/>
-          </a:fontRef>
-        </p:style>
-        <p:txBody>
-          <a:bodyPr rtlCol="0" anchor="ctr"/>
-          <a:lstStyle/>
-          <a:p>
-            <a:pPr algn="ctr"/>
-            <a:r>
-              <a:rPr lang="en-US" sz="4000" dirty="0" smtClean="0">
-                <a:latin typeface="Times New Roman" panose="02020603050405020304" pitchFamily="18" charset="0"/>
-                <a:cs typeface="Times New Roman" panose="02020603050405020304" pitchFamily="18" charset="0"/>
-              </a:rPr>
-              <a:t>.Net 5</a:t>
-            </a:r>
-            <a:endParaRPr lang="ru-RU" sz="4000" dirty="0">
-              <a:latin typeface="Times New Roman" panose="02020603050405020304" pitchFamily="18" charset="0"/>
-              <a:cs typeface="Times New Roman" panose="02020603050405020304" pitchFamily="18" charset="0"/>
-            </a:endParaRPr>
-          </a:p>
-        </p:txBody>
-      </p:sp>
-    </p:spTree>
-    <p:extLst>
-      <p:ext uri="{BB962C8B-B14F-4D97-AF65-F5344CB8AC3E}">
-        <p14:creationId xmlns:p14="http://schemas.microsoft.com/office/powerpoint/2010/main" val="1199461859"/>
-      </p:ext>
-    </p:extLst>
-  </p:cSld>
-  <p:clrMapOvr>
-    <a:masterClrMapping/>
-  </p:clrMapOvr>
-  <p:timing>
-    <p:tnLst>
-      <p:par>
-        <p:cTn id="1" dur="indefinite" restart="never" nodeType="tmRoot"/>
-      </p:par>
-    </p:tnLst>
-  </p:timing>
-</p:sld>
-</file>
-
-<file path=ppt/slides/slide7.xml><?xml version="1.0" encoding="utf-8"?>
-<p:sld xmlns:a="http://schemas.openxmlformats.org/drawingml/2006/main" xmlns:r="http://schemas.openxmlformats.org/officeDocument/2006/relationships" xmlns:p="http://schemas.openxmlformats.org/presentationml/2006/main">
-  <p:cSld>
-    <p:spTree>
-      <p:nvGrpSpPr>
-        <p:cNvPr id="1" name=""/>
-        <p:cNvGrpSpPr/>
-        <p:nvPr/>
-      </p:nvGrpSpPr>
-      <p:grpSpPr>
-        <a:xfrm>
-          <a:off x="0" y="0"/>
-          <a:ext cx="0" cy="0"/>
-          <a:chOff x="0" y="0"/>
-          <a:chExt cx="0" cy="0"/>
-        </a:xfrm>
-      </p:grpSpPr>
-      <p:sp>
-        <p:nvSpPr>
-          <p:cNvPr id="2" name="Заголовок 1"/>
-          <p:cNvSpPr>
-            <a:spLocks noGrp="1"/>
-          </p:cNvSpPr>
-          <p:nvPr>
-            <p:ph type="title"/>
-          </p:nvPr>
-        </p:nvSpPr>
-        <p:spPr>
-          <a:xfrm>
-            <a:off x="1141413" y="469900"/>
-            <a:ext cx="9905998" cy="787400"/>
-          </a:xfrm>
-        </p:spPr>
-        <p:txBody>
-          <a:bodyPr/>
-          <a:lstStyle/>
-          <a:p>
-            <a:pPr algn="ctr"/>
-            <a:r>
-              <a:rPr lang="ru-RU" dirty="0" smtClean="0"/>
-              <a:t>Платформа </a:t>
-            </a:r>
-            <a:r>
-              <a:rPr lang="en-US" dirty="0" smtClean="0"/>
-              <a:t>.net 5</a:t>
-            </a:r>
-            <a:endParaRPr lang="ru-RU" dirty="0"/>
-          </a:p>
-        </p:txBody>
-      </p:sp>
-      <p:pic>
-        <p:nvPicPr>
-          <p:cNvPr id="4" name="Объект 3"/>
-          <p:cNvPicPr>
-            <a:picLocks noGrp="1" noChangeAspect="1"/>
-          </p:cNvPicPr>
-          <p:nvPr>
-            <p:ph idx="1"/>
-          </p:nvPr>
-        </p:nvPicPr>
-        <p:blipFill rotWithShape="1">
-          <a:blip r:embed="rId2">
-            <a:extLst>
-              <a:ext uri="{28A0092B-C50C-407E-A947-70E740481C1C}">
-                <a14:useLocalDpi xmlns:a14="http://schemas.microsoft.com/office/drawing/2010/main" val="0"/>
-              </a:ext>
-            </a:extLst>
-          </a:blip>
-          <a:srcRect l="11426" t="4739" r="27933" b="4419"/>
-          <a:stretch/>
-        </p:blipFill>
-        <p:spPr>
-          <a:xfrm>
-            <a:off x="1141413" y="1346200"/>
-            <a:ext cx="9817101" cy="5147232"/>
-          </a:xfrm>
-        </p:spPr>
-      </p:pic>
-    </p:spTree>
-    <p:extLst>
-      <p:ext uri="{BB962C8B-B14F-4D97-AF65-F5344CB8AC3E}">
-        <p14:creationId xmlns:p14="http://schemas.microsoft.com/office/powerpoint/2010/main" val="298957545"/>
-      </p:ext>
-    </p:extLst>
-  </p:cSld>
-  <p:clrMapOvr>
-    <a:masterClrMapping/>
-  </p:clrMapOvr>
-  <p:timing>
-    <p:tnLst>
-      <p:par>
-        <p:cTn id="1" dur="indefinite" restart="never" nodeType="tmRoot"/>
-      </p:par>
-    </p:tnLst>
-  </p:timing>
-</p:sld>
-</file>
-
-<file path=ppt/slides/slide8.xml><?xml version="1.0" encoding="utf-8"?>
 <p:sld xmlns:a="http://schemas.openxmlformats.org/drawingml/2006/main" xmlns:r="http://schemas.openxmlformats.org/officeDocument/2006/relationships" xmlns:p="http://schemas.openxmlformats.org/presentationml/2006/main">
   <p:cSld>
     <p:spTree>
@@ -32543,6 +29491,595 @@
   <p:clrMapOvr>
     <a:masterClrMapping/>
   </p:clrMapOvr>
+  <p:transition spd="med">
+    <p:pull/>
+  </p:transition>
+  <p:timing>
+    <p:tnLst>
+      <p:par>
+        <p:cTn id="1" dur="indefinite" restart="never" nodeType="tmRoot">
+          <p:childTnLst>
+            <p:seq concurrent="1" nextAc="seek">
+              <p:cTn id="2" dur="indefinite" nodeType="mainSeq">
+                <p:childTnLst>
+                  <p:par>
+                    <p:cTn id="3" fill="hold">
+                      <p:stCondLst>
+                        <p:cond delay="indefinite"/>
+                      </p:stCondLst>
+                      <p:childTnLst>
+                        <p:par>
+                          <p:cTn id="4" fill="hold">
+                            <p:stCondLst>
+                              <p:cond delay="0"/>
+                            </p:stCondLst>
+                            <p:childTnLst>
+                              <p:par>
+                                <p:cTn id="5" presetID="1" presetClass="entr" presetSubtype="0" fill="hold" grpId="0" nodeType="clickEffect">
+                                  <p:stCondLst>
+                                    <p:cond delay="0"/>
+                                  </p:stCondLst>
+                                  <p:childTnLst>
+                                    <p:set>
+                                      <p:cBhvr>
+                                        <p:cTn id="6" dur="1" fill="hold">
+                                          <p:stCondLst>
+                                            <p:cond delay="0"/>
+                                          </p:stCondLst>
+                                        </p:cTn>
+                                        <p:tgtEl>
+                                          <p:spTgt spid="9"/>
+                                        </p:tgtEl>
+                                        <p:attrNameLst>
+                                          <p:attrName>style.visibility</p:attrName>
+                                        </p:attrNameLst>
+                                      </p:cBhvr>
+                                      <p:to>
+                                        <p:strVal val="visible"/>
+                                      </p:to>
+                                    </p:set>
+                                  </p:childTnLst>
+                                </p:cTn>
+                              </p:par>
+                              <p:par>
+                                <p:cTn id="7" presetID="1" presetClass="entr" presetSubtype="0" fill="hold" grpId="0" nodeType="withEffect">
+                                  <p:stCondLst>
+                                    <p:cond delay="0"/>
+                                  </p:stCondLst>
+                                  <p:childTnLst>
+                                    <p:set>
+                                      <p:cBhvr>
+                                        <p:cTn id="8" dur="1" fill="hold">
+                                          <p:stCondLst>
+                                            <p:cond delay="0"/>
+                                          </p:stCondLst>
+                                        </p:cTn>
+                                        <p:tgtEl>
+                                          <p:spTgt spid="10"/>
+                                        </p:tgtEl>
+                                        <p:attrNameLst>
+                                          <p:attrName>style.visibility</p:attrName>
+                                        </p:attrNameLst>
+                                      </p:cBhvr>
+                                      <p:to>
+                                        <p:strVal val="visible"/>
+                                      </p:to>
+                                    </p:set>
+                                  </p:childTnLst>
+                                </p:cTn>
+                              </p:par>
+                            </p:childTnLst>
+                          </p:cTn>
+                        </p:par>
+                      </p:childTnLst>
+                    </p:cTn>
+                  </p:par>
+                </p:childTnLst>
+              </p:cTn>
+              <p:prevCondLst>
+                <p:cond evt="onPrev" delay="0">
+                  <p:tgtEl>
+                    <p:sldTgt/>
+                  </p:tgtEl>
+                </p:cond>
+              </p:prevCondLst>
+              <p:nextCondLst>
+                <p:cond evt="onNext" delay="0">
+                  <p:tgtEl>
+                    <p:sldTgt/>
+                  </p:tgtEl>
+                </p:cond>
+              </p:nextCondLst>
+            </p:seq>
+          </p:childTnLst>
+        </p:cTn>
+      </p:par>
+    </p:tnLst>
+    <p:bldLst>
+      <p:bldP spid="9" grpId="0" animBg="1"/>
+      <p:bldP spid="10" grpId="0" animBg="1"/>
+    </p:bldLst>
+  </p:timing>
+</p:sld>
+</file>
+
+<file path=ppt/slides/slide6.xml><?xml version="1.0" encoding="utf-8"?>
+<p:sld xmlns:a="http://schemas.openxmlformats.org/drawingml/2006/main" xmlns:r="http://schemas.openxmlformats.org/officeDocument/2006/relationships" xmlns:p="http://schemas.openxmlformats.org/presentationml/2006/main">
+  <p:cSld>
+    <p:spTree>
+      <p:nvGrpSpPr>
+        <p:cNvPr id="1" name=""/>
+        <p:cNvGrpSpPr/>
+        <p:nvPr/>
+      </p:nvGrpSpPr>
+      <p:grpSpPr>
+        <a:xfrm>
+          <a:off x="0" y="0"/>
+          <a:ext cx="0" cy="0"/>
+          <a:chOff x="0" y="0"/>
+          <a:chExt cx="0" cy="0"/>
+        </a:xfrm>
+      </p:grpSpPr>
+      <p:sp>
+        <p:nvSpPr>
+          <p:cNvPr id="2" name="Заголовок 1"/>
+          <p:cNvSpPr>
+            <a:spLocks noGrp="1"/>
+          </p:cNvSpPr>
+          <p:nvPr>
+            <p:ph type="title"/>
+          </p:nvPr>
+        </p:nvSpPr>
+        <p:spPr>
+          <a:xfrm>
+            <a:off x="708236" y="197017"/>
+            <a:ext cx="9905998" cy="702282"/>
+          </a:xfrm>
+        </p:spPr>
+        <p:txBody>
+          <a:bodyPr/>
+          <a:lstStyle/>
+          <a:p>
+            <a:pPr algn="ctr"/>
+            <a:r>
+              <a:rPr lang="ru-RU" dirty="0" smtClean="0"/>
+              <a:t>История развития платформы </a:t>
+            </a:r>
+            <a:r>
+              <a:rPr lang="en-US" dirty="0" smtClean="0"/>
+              <a:t>.NET</a:t>
+            </a:r>
+            <a:endParaRPr lang="ru-RU" dirty="0"/>
+          </a:p>
+        </p:txBody>
+      </p:sp>
+      <p:graphicFrame>
+        <p:nvGraphicFramePr>
+          <p:cNvPr id="12" name="Схема 11"/>
+          <p:cNvGraphicFramePr/>
+          <p:nvPr>
+            <p:extLst>
+              <p:ext uri="{D42A27DB-BD31-4B8C-83A1-F6EECF244321}">
+                <p14:modId xmlns:p14="http://schemas.microsoft.com/office/powerpoint/2010/main" val="4171098763"/>
+              </p:ext>
+            </p:extLst>
+          </p:nvPr>
+        </p:nvGraphicFramePr>
+        <p:xfrm>
+          <a:off x="898735" y="1358899"/>
+          <a:ext cx="3635165" cy="2387601"/>
+        </p:xfrm>
+        <a:graphic>
+          <a:graphicData uri="http://schemas.openxmlformats.org/drawingml/2006/diagram">
+            <dgm:relIds xmlns:dgm="http://schemas.openxmlformats.org/drawingml/2006/diagram" xmlns:r="http://schemas.openxmlformats.org/officeDocument/2006/relationships" r:dm="rId2" r:lo="rId3" r:qs="rId4" r:cs="rId5"/>
+          </a:graphicData>
+        </a:graphic>
+      </p:graphicFrame>
+      <p:sp>
+        <p:nvSpPr>
+          <p:cNvPr id="13" name="Скругленный прямоугольник 12"/>
+          <p:cNvSpPr/>
+          <p:nvPr/>
+        </p:nvSpPr>
+        <p:spPr>
+          <a:xfrm>
+            <a:off x="5016500" y="1562100"/>
+            <a:ext cx="2451100" cy="622300"/>
+          </a:xfrm>
+          <a:prstGeom prst="roundRect">
+            <a:avLst/>
+          </a:prstGeom>
+          <a:solidFill>
+            <a:schemeClr val="bg2">
+              <a:alpha val="17000"/>
+            </a:schemeClr>
+          </a:solidFill>
+        </p:spPr>
+        <p:style>
+          <a:lnRef idx="2">
+            <a:schemeClr val="accent1">
+              <a:shade val="50000"/>
+            </a:schemeClr>
+          </a:lnRef>
+          <a:fillRef idx="1">
+            <a:schemeClr val="accent1"/>
+          </a:fillRef>
+          <a:effectRef idx="0">
+            <a:schemeClr val="accent1"/>
+          </a:effectRef>
+          <a:fontRef idx="minor">
+            <a:schemeClr val="lt1"/>
+          </a:fontRef>
+        </p:style>
+        <p:txBody>
+          <a:bodyPr rtlCol="0" anchor="ctr"/>
+          <a:lstStyle/>
+          <a:p>
+            <a:pPr algn="ctr"/>
+            <a:r>
+              <a:rPr lang="en-US" dirty="0" smtClean="0"/>
+              <a:t>MONO</a:t>
+            </a:r>
+            <a:endParaRPr lang="ru-RU" dirty="0"/>
+          </a:p>
+        </p:txBody>
+      </p:sp>
+      <p:graphicFrame>
+        <p:nvGraphicFramePr>
+          <p:cNvPr id="17" name="Схема 16"/>
+          <p:cNvGraphicFramePr/>
+          <p:nvPr>
+            <p:extLst>
+              <p:ext uri="{D42A27DB-BD31-4B8C-83A1-F6EECF244321}">
+                <p14:modId xmlns:p14="http://schemas.microsoft.com/office/powerpoint/2010/main" val="1351273049"/>
+              </p:ext>
+            </p:extLst>
+          </p:nvPr>
+        </p:nvGraphicFramePr>
+        <p:xfrm>
+          <a:off x="7950200" y="1562100"/>
+          <a:ext cx="3635165" cy="2387601"/>
+        </p:xfrm>
+        <a:graphic>
+          <a:graphicData uri="http://schemas.openxmlformats.org/drawingml/2006/diagram">
+            <dgm:relIds xmlns:dgm="http://schemas.openxmlformats.org/drawingml/2006/diagram" xmlns:r="http://schemas.openxmlformats.org/officeDocument/2006/relationships" r:dm="rId7" r:lo="rId8" r:qs="rId9" r:cs="rId10"/>
+          </a:graphicData>
+        </a:graphic>
+      </p:graphicFrame>
+      <p:sp>
+        <p:nvSpPr>
+          <p:cNvPr id="18" name="Скругленный прямоугольник 17"/>
+          <p:cNvSpPr/>
+          <p:nvPr/>
+        </p:nvSpPr>
+        <p:spPr>
+          <a:xfrm>
+            <a:off x="898735" y="4612502"/>
+            <a:ext cx="10686630" cy="1676400"/>
+          </a:xfrm>
+          <a:prstGeom prst="roundRect">
+            <a:avLst/>
+          </a:prstGeom>
+          <a:solidFill>
+            <a:schemeClr val="accent1">
+              <a:alpha val="73000"/>
+            </a:schemeClr>
+          </a:solidFill>
+        </p:spPr>
+        <p:style>
+          <a:lnRef idx="2">
+            <a:schemeClr val="accent1">
+              <a:shade val="50000"/>
+            </a:schemeClr>
+          </a:lnRef>
+          <a:fillRef idx="1">
+            <a:schemeClr val="accent1"/>
+          </a:fillRef>
+          <a:effectRef idx="0">
+            <a:schemeClr val="accent1"/>
+          </a:effectRef>
+          <a:fontRef idx="minor">
+            <a:schemeClr val="lt1"/>
+          </a:fontRef>
+        </p:style>
+        <p:txBody>
+          <a:bodyPr rtlCol="0" anchor="ctr"/>
+          <a:lstStyle/>
+          <a:p>
+            <a:pPr algn="ctr"/>
+            <a:r>
+              <a:rPr lang="en-US" sz="4000" dirty="0" smtClean="0">
+                <a:latin typeface="Times New Roman" panose="02020603050405020304" pitchFamily="18" charset="0"/>
+                <a:cs typeface="Times New Roman" panose="02020603050405020304" pitchFamily="18" charset="0"/>
+              </a:rPr>
+              <a:t>.Net 5</a:t>
+            </a:r>
+            <a:endParaRPr lang="ru-RU" sz="4000" dirty="0">
+              <a:latin typeface="Times New Roman" panose="02020603050405020304" pitchFamily="18" charset="0"/>
+              <a:cs typeface="Times New Roman" panose="02020603050405020304" pitchFamily="18" charset="0"/>
+            </a:endParaRPr>
+          </a:p>
+        </p:txBody>
+      </p:sp>
+    </p:spTree>
+    <p:extLst>
+      <p:ext uri="{BB962C8B-B14F-4D97-AF65-F5344CB8AC3E}">
+        <p14:creationId xmlns:p14="http://schemas.microsoft.com/office/powerpoint/2010/main" val="1199461859"/>
+      </p:ext>
+    </p:extLst>
+  </p:cSld>
+  <p:clrMapOvr>
+    <a:masterClrMapping/>
+  </p:clrMapOvr>
+  <p:transition spd="med">
+    <p:pull/>
+  </p:transition>
+  <p:timing>
+    <p:tnLst>
+      <p:par>
+        <p:cTn id="1" dur="indefinite" restart="never" nodeType="tmRoot">
+          <p:childTnLst>
+            <p:seq concurrent="1" nextAc="seek">
+              <p:cTn id="2" dur="indefinite" nodeType="mainSeq">
+                <p:childTnLst>
+                  <p:par>
+                    <p:cTn id="3" fill="hold">
+                      <p:stCondLst>
+                        <p:cond delay="indefinite"/>
+                      </p:stCondLst>
+                      <p:childTnLst>
+                        <p:par>
+                          <p:cTn id="4" fill="hold">
+                            <p:stCondLst>
+                              <p:cond delay="0"/>
+                            </p:stCondLst>
+                            <p:childTnLst>
+                              <p:par>
+                                <p:cTn id="5" presetID="1" presetClass="entr" presetSubtype="0" fill="hold" grpId="0" nodeType="clickEffect">
+                                  <p:stCondLst>
+                                    <p:cond delay="0"/>
+                                  </p:stCondLst>
+                                  <p:childTnLst>
+                                    <p:set>
+                                      <p:cBhvr>
+                                        <p:cTn id="6" dur="1" fill="hold">
+                                          <p:stCondLst>
+                                            <p:cond delay="0"/>
+                                          </p:stCondLst>
+                                        </p:cTn>
+                                        <p:tgtEl>
+                                          <p:spTgt spid="13"/>
+                                        </p:tgtEl>
+                                        <p:attrNameLst>
+                                          <p:attrName>style.visibility</p:attrName>
+                                        </p:attrNameLst>
+                                      </p:cBhvr>
+                                      <p:to>
+                                        <p:strVal val="visible"/>
+                                      </p:to>
+                                    </p:set>
+                                  </p:childTnLst>
+                                </p:cTn>
+                              </p:par>
+                            </p:childTnLst>
+                          </p:cTn>
+                        </p:par>
+                      </p:childTnLst>
+                    </p:cTn>
+                  </p:par>
+                  <p:par>
+                    <p:cTn id="7" fill="hold">
+                      <p:stCondLst>
+                        <p:cond delay="indefinite"/>
+                      </p:stCondLst>
+                      <p:childTnLst>
+                        <p:par>
+                          <p:cTn id="8" fill="hold">
+                            <p:stCondLst>
+                              <p:cond delay="0"/>
+                            </p:stCondLst>
+                            <p:childTnLst>
+                              <p:par>
+                                <p:cTn id="9" presetID="1" presetClass="entr" presetSubtype="0" fill="hold" grpId="0" nodeType="clickEffect">
+                                  <p:stCondLst>
+                                    <p:cond delay="0"/>
+                                  </p:stCondLst>
+                                  <p:childTnLst>
+                                    <p:set>
+                                      <p:cBhvr>
+                                        <p:cTn id="10" dur="1" fill="hold">
+                                          <p:stCondLst>
+                                            <p:cond delay="0"/>
+                                          </p:stCondLst>
+                                        </p:cTn>
+                                        <p:tgtEl>
+                                          <p:spTgt spid="17"/>
+                                        </p:tgtEl>
+                                        <p:attrNameLst>
+                                          <p:attrName>style.visibility</p:attrName>
+                                        </p:attrNameLst>
+                                      </p:cBhvr>
+                                      <p:to>
+                                        <p:strVal val="visible"/>
+                                      </p:to>
+                                    </p:set>
+                                  </p:childTnLst>
+                                </p:cTn>
+                              </p:par>
+                            </p:childTnLst>
+                          </p:cTn>
+                        </p:par>
+                      </p:childTnLst>
+                    </p:cTn>
+                  </p:par>
+                  <p:par>
+                    <p:cTn id="11" fill="hold">
+                      <p:stCondLst>
+                        <p:cond delay="indefinite"/>
+                      </p:stCondLst>
+                      <p:childTnLst>
+                        <p:par>
+                          <p:cTn id="12" fill="hold">
+                            <p:stCondLst>
+                              <p:cond delay="0"/>
+                            </p:stCondLst>
+                            <p:childTnLst>
+                              <p:par>
+                                <p:cTn id="13" presetID="1" presetClass="entr" presetSubtype="0" fill="hold" grpId="0" nodeType="clickEffect">
+                                  <p:stCondLst>
+                                    <p:cond delay="0"/>
+                                  </p:stCondLst>
+                                  <p:childTnLst>
+                                    <p:set>
+                                      <p:cBhvr>
+                                        <p:cTn id="14" dur="1" fill="hold">
+                                          <p:stCondLst>
+                                            <p:cond delay="0"/>
+                                          </p:stCondLst>
+                                        </p:cTn>
+                                        <p:tgtEl>
+                                          <p:spTgt spid="18"/>
+                                        </p:tgtEl>
+                                        <p:attrNameLst>
+                                          <p:attrName>style.visibility</p:attrName>
+                                        </p:attrNameLst>
+                                      </p:cBhvr>
+                                      <p:to>
+                                        <p:strVal val="visible"/>
+                                      </p:to>
+                                    </p:set>
+                                  </p:childTnLst>
+                                </p:cTn>
+                              </p:par>
+                            </p:childTnLst>
+                          </p:cTn>
+                        </p:par>
+                      </p:childTnLst>
+                    </p:cTn>
+                  </p:par>
+                </p:childTnLst>
+              </p:cTn>
+              <p:prevCondLst>
+                <p:cond evt="onPrev" delay="0">
+                  <p:tgtEl>
+                    <p:sldTgt/>
+                  </p:tgtEl>
+                </p:cond>
+              </p:prevCondLst>
+              <p:nextCondLst>
+                <p:cond evt="onNext" delay="0">
+                  <p:tgtEl>
+                    <p:sldTgt/>
+                  </p:tgtEl>
+                </p:cond>
+              </p:nextCondLst>
+            </p:seq>
+          </p:childTnLst>
+        </p:cTn>
+      </p:par>
+    </p:tnLst>
+    <p:bldLst>
+      <p:bldP spid="13" grpId="0" animBg="1"/>
+      <p:bldGraphic spid="17" grpId="0">
+        <p:bldAsOne/>
+      </p:bldGraphic>
+      <p:bldP spid="18" grpId="0" animBg="1"/>
+    </p:bldLst>
+  </p:timing>
+</p:sld>
+</file>
+
+<file path=ppt/slides/slide7.xml><?xml version="1.0" encoding="utf-8"?>
+<p:sld xmlns:a="http://schemas.openxmlformats.org/drawingml/2006/main" xmlns:r="http://schemas.openxmlformats.org/officeDocument/2006/relationships" xmlns:p="http://schemas.openxmlformats.org/presentationml/2006/main">
+  <p:cSld>
+    <p:spTree>
+      <p:nvGrpSpPr>
+        <p:cNvPr id="1" name=""/>
+        <p:cNvGrpSpPr/>
+        <p:nvPr/>
+      </p:nvGrpSpPr>
+      <p:grpSpPr>
+        <a:xfrm>
+          <a:off x="0" y="0"/>
+          <a:ext cx="0" cy="0"/>
+          <a:chOff x="0" y="0"/>
+          <a:chExt cx="0" cy="0"/>
+        </a:xfrm>
+      </p:grpSpPr>
+      <p:sp>
+        <p:nvSpPr>
+          <p:cNvPr id="2" name="Заголовок 1"/>
+          <p:cNvSpPr>
+            <a:spLocks noGrp="1"/>
+          </p:cNvSpPr>
+          <p:nvPr>
+            <p:ph type="title"/>
+          </p:nvPr>
+        </p:nvSpPr>
+        <p:spPr>
+          <a:xfrm>
+            <a:off x="1141413" y="469900"/>
+            <a:ext cx="9905998" cy="787400"/>
+          </a:xfrm>
+        </p:spPr>
+        <p:txBody>
+          <a:bodyPr/>
+          <a:lstStyle/>
+          <a:p>
+            <a:pPr algn="ctr"/>
+            <a:r>
+              <a:rPr lang="ru-RU" dirty="0" smtClean="0"/>
+              <a:t>Платформа </a:t>
+            </a:r>
+            <a:r>
+              <a:rPr lang="en-US" dirty="0" smtClean="0"/>
+              <a:t>.net 5</a:t>
+            </a:r>
+            <a:endParaRPr lang="ru-RU" dirty="0"/>
+          </a:p>
+        </p:txBody>
+      </p:sp>
+      <p:pic>
+        <p:nvPicPr>
+          <p:cNvPr id="4" name="Объект 3"/>
+          <p:cNvPicPr>
+            <a:picLocks noGrp="1" noChangeAspect="1"/>
+          </p:cNvPicPr>
+          <p:nvPr>
+            <p:ph idx="1"/>
+          </p:nvPr>
+        </p:nvPicPr>
+        <p:blipFill rotWithShape="1">
+          <a:blip r:embed="rId2">
+            <a:extLst>
+              <a:ext uri="{28A0092B-C50C-407E-A947-70E740481C1C}">
+                <a14:useLocalDpi xmlns:a14="http://schemas.microsoft.com/office/drawing/2010/main" val="0"/>
+              </a:ext>
+            </a:extLst>
+          </a:blip>
+          <a:srcRect l="11426" t="4739" r="27933" b="4419"/>
+          <a:stretch/>
+        </p:blipFill>
+        <p:spPr>
+          <a:xfrm>
+            <a:off x="1141413" y="1346200"/>
+            <a:ext cx="9817101" cy="5147232"/>
+          </a:xfrm>
+        </p:spPr>
+      </p:pic>
+    </p:spTree>
+    <p:extLst>
+      <p:ext uri="{BB962C8B-B14F-4D97-AF65-F5344CB8AC3E}">
+        <p14:creationId xmlns:p14="http://schemas.microsoft.com/office/powerpoint/2010/main" val="298957545"/>
+      </p:ext>
+    </p:extLst>
+  </p:cSld>
+  <p:clrMapOvr>
+    <a:masterClrMapping/>
+  </p:clrMapOvr>
+  <p:transition spd="med">
+    <p:pull/>
+  </p:transition>
   <p:timing>
     <p:tnLst>
       <p:par>
